--- a/Chap/Start/Presentations/SoftwareTools.pptx
+++ b/Chap/Start/Presentations/SoftwareTools.pptx
@@ -7,12 +7,12 @@
   <p:sldIdLst>
     <p:sldId id="271" r:id="rId2"/>
     <p:sldId id="326" r:id="rId3"/>
-    <p:sldId id="309" r:id="rId4"/>
-    <p:sldId id="327" r:id="rId5"/>
-    <p:sldId id="328" r:id="rId6"/>
-    <p:sldId id="329" r:id="rId7"/>
-    <p:sldId id="330" r:id="rId8"/>
-    <p:sldId id="331" r:id="rId9"/>
+    <p:sldId id="333" r:id="rId4"/>
+    <p:sldId id="309" r:id="rId5"/>
+    <p:sldId id="327" r:id="rId6"/>
+    <p:sldId id="330" r:id="rId7"/>
+    <p:sldId id="328" r:id="rId8"/>
+    <p:sldId id="329" r:id="rId9"/>
     <p:sldId id="332" r:id="rId10"/>
   </p:sldIdLst>
   <p:sldSz cx="12192000" cy="6858000"/>
@@ -871,7 +871,7 @@
 <dgm:dataModel xmlns:dgm="http://schemas.openxmlformats.org/drawingml/2006/diagram" xmlns:a="http://schemas.openxmlformats.org/drawingml/2006/main">
   <dgm:ptLst>
     <dgm:pt modelId="{0740ECE1-DE2F-4DB4-BE0D-3EDAAF4F7501}" type="doc">
-      <dgm:prSet loTypeId="urn:microsoft.com/office/officeart/2005/8/layout/radial2" loCatId="relationship" qsTypeId="urn:microsoft.com/office/officeart/2005/8/quickstyle/simple1" qsCatId="simple" csTypeId="urn:microsoft.com/office/officeart/2005/8/colors/accent1_2" csCatId="accent1" phldr="1"/>
+      <dgm:prSet loTypeId="urn:microsoft.com/office/officeart/2005/8/layout/radial2" loCatId="relationship" qsTypeId="urn:microsoft.com/office/officeart/2005/8/quickstyle/3d1" qsCatId="3D" csTypeId="urn:microsoft.com/office/officeart/2005/8/colors/accent1_2" csCatId="accent1" phldr="1"/>
       <dgm:spPr/>
       <dgm:t>
         <a:bodyPr/>
@@ -889,10 +889,9 @@
         <a:lstStyle/>
         <a:p>
           <a:r>
-            <a:rPr lang="da-DK" sz="3200" smtClean="0"/>
+            <a:rPr lang="da-DK" sz="3200" dirty="0"/>
             <a:t>Tools</a:t>
           </a:r>
-          <a:endParaRPr lang="da-DK" sz="3200"/>
         </a:p>
       </dgm:t>
     </dgm:pt>
@@ -926,10 +925,9 @@
         <a:lstStyle/>
         <a:p>
           <a:r>
-            <a:rPr lang="da-DK" sz="3200" smtClean="0"/>
+            <a:rPr lang="da-DK" sz="3200"/>
             <a:t>Extensions</a:t>
           </a:r>
-          <a:endParaRPr lang="da-DK" sz="3200"/>
         </a:p>
       </dgm:t>
     </dgm:pt>
@@ -963,10 +961,9 @@
         <a:lstStyle/>
         <a:p>
           <a:r>
-            <a:rPr lang="da-DK" sz="3200" smtClean="0"/>
+            <a:rPr lang="da-DK" sz="3200" dirty="0"/>
             <a:t>Packages</a:t>
           </a:r>
-          <a:endParaRPr lang="da-DK" sz="3200"/>
         </a:p>
       </dgm:t>
     </dgm:pt>
@@ -1017,14 +1014,7 @@
     </dgm:pt>
     <dgm:pt modelId="{63235F45-018F-4F0D-8794-9CD3319BFC3C}" type="pres">
       <dgm:prSet presAssocID="{0740ECE1-DE2F-4DB4-BE0D-3EDAAF4F7501}" presName="visible" presStyleLbl="node1" presStyleIdx="0" presStyleCnt="4" custLinFactNeighborX="924"/>
-      <dgm:spPr>
-        <a:solidFill>
-          <a:schemeClr val="accent2">
-            <a:lumMod val="40000"/>
-            <a:lumOff val="60000"/>
-          </a:schemeClr>
-        </a:solidFill>
-      </dgm:spPr>
+      <dgm:spPr/>
     </dgm:pt>
     <dgm:pt modelId="{8D0E5F15-61FA-4968-AC5B-8E23A4F22742}" type="pres">
       <dgm:prSet presAssocID="{5C7555A8-7538-4D7B-9351-C21490006138}" presName="Name25" presStyleLbl="parChTrans1D1" presStyleIdx="0" presStyleCnt="3"/>
@@ -1050,13 +1040,6 @@
         </dgm:presLayoutVars>
       </dgm:prSet>
       <dgm:spPr/>
-      <dgm:t>
-        <a:bodyPr/>
-        <a:lstStyle/>
-        <a:p>
-          <a:endParaRPr lang="da-DK"/>
-        </a:p>
-      </dgm:t>
     </dgm:pt>
     <dgm:pt modelId="{B63F6BB3-08E8-437B-8FB3-D4D194D41FA2}" type="pres">
       <dgm:prSet presAssocID="{3CCE4223-178C-4FAE-A622-D3E6FA6A570C}" presName="Name25" presStyleLbl="parChTrans1D1" presStyleIdx="1" presStyleCnt="3"/>
@@ -1082,13 +1065,6 @@
         </dgm:presLayoutVars>
       </dgm:prSet>
       <dgm:spPr/>
-      <dgm:t>
-        <a:bodyPr/>
-        <a:lstStyle/>
-        <a:p>
-          <a:endParaRPr lang="da-DK"/>
-        </a:p>
-      </dgm:t>
     </dgm:pt>
     <dgm:pt modelId="{706F7557-32CA-4E4C-AD47-5CA1467ADFFD}" type="pres">
       <dgm:prSet presAssocID="{767248DA-5112-411E-A76F-153AA05AF1C1}" presName="Name25" presStyleLbl="parChTrans1D1" presStyleIdx="2" presStyleCnt="3"/>
@@ -1106,13 +1082,6 @@
         </dgm:presLayoutVars>
       </dgm:prSet>
       <dgm:spPr/>
-      <dgm:t>
-        <a:bodyPr/>
-        <a:lstStyle/>
-        <a:p>
-          <a:endParaRPr lang="da-DK"/>
-        </a:p>
-      </dgm:t>
     </dgm:pt>
     <dgm:pt modelId="{FDCDB726-F039-489A-BF8A-A3F099CB4B58}" type="pres">
       <dgm:prSet presAssocID="{5C28909E-D761-41B4-B772-C4F061B77CAA}" presName="childNode" presStyleLbl="revTx" presStyleIdx="0" presStyleCnt="0">
@@ -1121,26 +1090,19 @@
         </dgm:presLayoutVars>
       </dgm:prSet>
       <dgm:spPr/>
-      <dgm:t>
-        <a:bodyPr/>
-        <a:lstStyle/>
-        <a:p>
-          <a:endParaRPr lang="da-DK"/>
-        </a:p>
-      </dgm:t>
     </dgm:pt>
   </dgm:ptLst>
   <dgm:cxnLst>
-    <dgm:cxn modelId="{8C803AFC-0939-438E-B863-90275B42008A}" type="presOf" srcId="{5C7555A8-7538-4D7B-9351-C21490006138}" destId="{8D0E5F15-61FA-4968-AC5B-8E23A4F22742}" srcOrd="0" destOrd="0" presId="urn:microsoft.com/office/officeart/2005/8/layout/radial2"/>
-    <dgm:cxn modelId="{32EAAB43-1BB6-47A5-8E93-F4835633A150}" type="presOf" srcId="{598936FB-EA30-4544-9D30-9C697E82924C}" destId="{15564D41-4987-4658-8060-182AEADD3350}" srcOrd="0" destOrd="0" presId="urn:microsoft.com/office/officeart/2005/8/layout/radial2"/>
+    <dgm:cxn modelId="{B6F92E35-7615-410B-8E43-047923A7401A}" srcId="{0740ECE1-DE2F-4DB4-BE0D-3EDAAF4F7501}" destId="{0AAB4A42-AB4E-40EC-972D-34CA29806B8B}" srcOrd="1" destOrd="0" parTransId="{3CCE4223-178C-4FAE-A622-D3E6FA6A570C}" sibTransId="{8D6E1F67-D5EE-4699-B1B1-4296103843D6}"/>
     <dgm:cxn modelId="{6E3C3540-92AB-415C-9771-FF9E84D02906}" type="presOf" srcId="{5C28909E-D761-41B4-B772-C4F061B77CAA}" destId="{8ABC1EC4-5142-4A17-AF3D-BE6AAD7C9E7C}" srcOrd="0" destOrd="0" presId="urn:microsoft.com/office/officeart/2005/8/layout/radial2"/>
     <dgm:cxn modelId="{CA16CC5D-63B7-4877-BD8C-6B85938F8A3E}" type="presOf" srcId="{0740ECE1-DE2F-4DB4-BE0D-3EDAAF4F7501}" destId="{C4C11B3B-9E37-4F0A-80BB-4278862B5527}" srcOrd="0" destOrd="0" presId="urn:microsoft.com/office/officeart/2005/8/layout/radial2"/>
     <dgm:cxn modelId="{C7F89761-BCCD-4244-9332-957D37ED40CA}" srcId="{0740ECE1-DE2F-4DB4-BE0D-3EDAAF4F7501}" destId="{5C28909E-D761-41B4-B772-C4F061B77CAA}" srcOrd="2" destOrd="0" parTransId="{767248DA-5112-411E-A76F-153AA05AF1C1}" sibTransId="{E311F696-C588-4DD7-A52F-B3A8003E5FAD}"/>
-    <dgm:cxn modelId="{B6F92E35-7615-410B-8E43-047923A7401A}" srcId="{0740ECE1-DE2F-4DB4-BE0D-3EDAAF4F7501}" destId="{0AAB4A42-AB4E-40EC-972D-34CA29806B8B}" srcOrd="1" destOrd="0" parTransId="{3CCE4223-178C-4FAE-A622-D3E6FA6A570C}" sibTransId="{8D6E1F67-D5EE-4699-B1B1-4296103843D6}"/>
+    <dgm:cxn modelId="{32EAAB43-1BB6-47A5-8E93-F4835633A150}" type="presOf" srcId="{598936FB-EA30-4544-9D30-9C697E82924C}" destId="{15564D41-4987-4658-8060-182AEADD3350}" srcOrd="0" destOrd="0" presId="urn:microsoft.com/office/officeart/2005/8/layout/radial2"/>
+    <dgm:cxn modelId="{7B1B1A8E-8388-437C-A80C-4591B067B778}" type="presOf" srcId="{3CCE4223-178C-4FAE-A622-D3E6FA6A570C}" destId="{B63F6BB3-08E8-437B-8FB3-D4D194D41FA2}" srcOrd="0" destOrd="0" presId="urn:microsoft.com/office/officeart/2005/8/layout/radial2"/>
     <dgm:cxn modelId="{8B12BE9B-F364-48FF-9E09-CB3FC50CFD88}" srcId="{0740ECE1-DE2F-4DB4-BE0D-3EDAAF4F7501}" destId="{598936FB-EA30-4544-9D30-9C697E82924C}" srcOrd="0" destOrd="0" parTransId="{5C7555A8-7538-4D7B-9351-C21490006138}" sibTransId="{67DA6B76-63DF-4B5B-B18F-3B94BA8739A4}"/>
     <dgm:cxn modelId="{9C7E06E0-79CD-4B74-9905-4973DFFE4D90}" type="presOf" srcId="{0AAB4A42-AB4E-40EC-972D-34CA29806B8B}" destId="{9A6B67E2-7CE6-4293-BF78-BC40F48E9E5F}" srcOrd="0" destOrd="0" presId="urn:microsoft.com/office/officeart/2005/8/layout/radial2"/>
-    <dgm:cxn modelId="{7B1B1A8E-8388-437C-A80C-4591B067B778}" type="presOf" srcId="{3CCE4223-178C-4FAE-A622-D3E6FA6A570C}" destId="{B63F6BB3-08E8-437B-8FB3-D4D194D41FA2}" srcOrd="0" destOrd="0" presId="urn:microsoft.com/office/officeart/2005/8/layout/radial2"/>
     <dgm:cxn modelId="{9414EDEC-094F-4884-80EA-8EEE7FA15408}" type="presOf" srcId="{767248DA-5112-411E-A76F-153AA05AF1C1}" destId="{706F7557-32CA-4E4C-AD47-5CA1467ADFFD}" srcOrd="0" destOrd="0" presId="urn:microsoft.com/office/officeart/2005/8/layout/radial2"/>
+    <dgm:cxn modelId="{8C803AFC-0939-438E-B863-90275B42008A}" type="presOf" srcId="{5C7555A8-7538-4D7B-9351-C21490006138}" destId="{8D0E5F15-61FA-4968-AC5B-8E23A4F22742}" srcOrd="0" destOrd="0" presId="urn:microsoft.com/office/officeart/2005/8/layout/radial2"/>
     <dgm:cxn modelId="{015A0D89-FE6F-42F9-8F86-306A8236896C}" type="presParOf" srcId="{C4C11B3B-9E37-4F0A-80BB-4278862B5527}" destId="{96FFDE51-75AF-48FD-8BCE-BD819669103A}" srcOrd="0" destOrd="0" presId="urn:microsoft.com/office/officeart/2005/8/layout/radial2"/>
     <dgm:cxn modelId="{DCF4FD96-61C2-4B4E-87CB-D10C972C8D2B}" type="presParOf" srcId="{96FFDE51-75AF-48FD-8BCE-BD819669103A}" destId="{142EFF94-0818-4F6C-B517-C23779CBD24F}" srcOrd="0" destOrd="0" presId="urn:microsoft.com/office/officeart/2005/8/layout/radial2"/>
     <dgm:cxn modelId="{A9FD76FB-AD4A-43BC-AC7E-E0DA2E14AE24}" type="presParOf" srcId="{142EFF94-0818-4F6C-B517-C23779CBD24F}" destId="{7FE6BE52-4FF8-4737-9A3A-7F6241F6DABD}" srcOrd="0" destOrd="0" presId="urn:microsoft.com/office/officeart/2005/8/layout/radial2"/>
@@ -1182,9 +1144,9 @@
         <dsp:cNvSpPr/>
       </dsp:nvSpPr>
       <dsp:spPr>
-        <a:xfrm rot="2561600">
-          <a:off x="2573511" y="3800128"/>
-          <a:ext cx="822815" cy="57656"/>
+        <a:xfrm rot="2561062">
+          <a:off x="4122272" y="4487740"/>
+          <a:ext cx="971437" cy="46933"/>
         </a:xfrm>
         <a:custGeom>
           <a:avLst/>
@@ -1195,10 +1157,10 @@
           <a:pathLst>
             <a:path>
               <a:moveTo>
-                <a:pt x="0" y="28828"/>
+                <a:pt x="0" y="23466"/>
               </a:moveTo>
               <a:lnTo>
-                <a:pt x="822815" y="28828"/>
+                <a:pt x="971437" y="23466"/>
               </a:lnTo>
             </a:path>
           </a:pathLst>
@@ -1218,6 +1180,11 @@
           <a:miter lim="800000"/>
         </a:ln>
         <a:effectLst/>
+        <a:scene3d>
+          <a:camera prst="orthographicFront"/>
+          <a:lightRig rig="flat" dir="t"/>
+        </a:scene3d>
+        <a:sp3d prstMaterial="matte"/>
       </dsp:spPr>
       <dsp:style>
         <a:lnRef idx="2">
@@ -1239,8 +1206,8 @@
       </dsp:nvSpPr>
       <dsp:spPr>
         <a:xfrm>
-          <a:off x="2682537" y="2680505"/>
-          <a:ext cx="1476624" cy="57656"/>
+          <a:off x="4250939" y="3168841"/>
+          <a:ext cx="1741173" cy="46933"/>
         </a:xfrm>
         <a:custGeom>
           <a:avLst/>
@@ -1251,10 +1218,10 @@
           <a:pathLst>
             <a:path>
               <a:moveTo>
-                <a:pt x="0" y="28828"/>
+                <a:pt x="0" y="23466"/>
               </a:moveTo>
               <a:lnTo>
-                <a:pt x="1476624" y="28828"/>
+                <a:pt x="1741173" y="23466"/>
               </a:lnTo>
             </a:path>
           </a:pathLst>
@@ -1274,6 +1241,11 @@
           <a:miter lim="800000"/>
         </a:ln>
         <a:effectLst/>
+        <a:scene3d>
+          <a:camera prst="orthographicFront"/>
+          <a:lightRig rig="flat" dir="t"/>
+        </a:scene3d>
+        <a:sp3d prstMaterial="matte"/>
       </dsp:spPr>
       <dsp:style>
         <a:lnRef idx="2">
@@ -1294,9 +1266,9 @@
         <dsp:cNvSpPr/>
       </dsp:nvSpPr>
       <dsp:spPr>
-        <a:xfrm rot="19736064">
-          <a:off x="2546859" y="1643411"/>
-          <a:ext cx="1891997" cy="57656"/>
+        <a:xfrm rot="19735593">
+          <a:off x="4090902" y="1946597"/>
+          <a:ext cx="2230581" cy="46933"/>
         </a:xfrm>
         <a:custGeom>
           <a:avLst/>
@@ -1307,10 +1279,10 @@
           <a:pathLst>
             <a:path>
               <a:moveTo>
-                <a:pt x="0" y="28828"/>
+                <a:pt x="0" y="23466"/>
               </a:moveTo>
               <a:lnTo>
-                <a:pt x="1891997" y="28828"/>
+                <a:pt x="2230581" y="23466"/>
               </a:lnTo>
             </a:path>
           </a:pathLst>
@@ -1330,6 +1302,11 @@
           <a:miter lim="800000"/>
         </a:ln>
         <a:effectLst/>
+        <a:scene3d>
+          <a:camera prst="orthographicFront"/>
+          <a:lightRig rig="flat" dir="t"/>
+        </a:scene3d>
+        <a:sp3d prstMaterial="matte"/>
       </dsp:spPr>
       <dsp:style>
         <a:lnRef idx="2">
@@ -1351,40 +1328,71 @@
       </dsp:nvSpPr>
       <dsp:spPr>
         <a:xfrm>
-          <a:off x="493618" y="1407583"/>
-          <a:ext cx="2603499" cy="2603499"/>
+          <a:off x="1673391" y="1659440"/>
+          <a:ext cx="3065735" cy="3065735"/>
         </a:xfrm>
         <a:prstGeom prst="ellipse">
           <a:avLst/>
         </a:prstGeom>
-        <a:solidFill>
-          <a:schemeClr val="accent2">
-            <a:lumMod val="40000"/>
-            <a:lumOff val="60000"/>
-          </a:schemeClr>
-        </a:solidFill>
-        <a:ln w="12700" cap="flat" cmpd="sng" algn="ctr">
-          <a:solidFill>
-            <a:schemeClr val="lt1">
-              <a:hueOff val="0"/>
-              <a:satOff val="0"/>
-              <a:lumOff val="0"/>
-              <a:alphaOff val="0"/>
-            </a:schemeClr>
-          </a:solidFill>
-          <a:prstDash val="solid"/>
-          <a:miter lim="800000"/>
+        <a:gradFill rotWithShape="0">
+          <a:gsLst>
+            <a:gs pos="0">
+              <a:schemeClr val="accent1">
+                <a:hueOff val="0"/>
+                <a:satOff val="0"/>
+                <a:lumOff val="0"/>
+                <a:alphaOff val="0"/>
+                <a:satMod val="103000"/>
+                <a:lumMod val="102000"/>
+                <a:tint val="94000"/>
+              </a:schemeClr>
+            </a:gs>
+            <a:gs pos="50000">
+              <a:schemeClr val="accent1">
+                <a:hueOff val="0"/>
+                <a:satOff val="0"/>
+                <a:lumOff val="0"/>
+                <a:alphaOff val="0"/>
+                <a:satMod val="110000"/>
+                <a:lumMod val="100000"/>
+                <a:shade val="100000"/>
+              </a:schemeClr>
+            </a:gs>
+            <a:gs pos="100000">
+              <a:schemeClr val="accent1">
+                <a:hueOff val="0"/>
+                <a:satOff val="0"/>
+                <a:lumOff val="0"/>
+                <a:alphaOff val="0"/>
+                <a:lumMod val="99000"/>
+                <a:satMod val="120000"/>
+                <a:shade val="78000"/>
+              </a:schemeClr>
+            </a:gs>
+          </a:gsLst>
+          <a:lin ang="5400000" scaled="0"/>
+        </a:gradFill>
+        <a:ln>
+          <a:noFill/>
         </a:ln>
         <a:effectLst/>
+        <a:scene3d>
+          <a:camera prst="orthographicFront"/>
+          <a:lightRig rig="flat" dir="t"/>
+        </a:scene3d>
+        <a:sp3d prstMaterial="plastic">
+          <a:bevelT w="120900" h="88900"/>
+          <a:bevelB w="88900" h="31750" prst="angle"/>
+        </a:sp3d>
       </dsp:spPr>
       <dsp:style>
-        <a:lnRef idx="2">
+        <a:lnRef idx="0">
           <a:scrgbClr r="0" g="0" b="0"/>
         </a:lnRef>
-        <a:fillRef idx="1">
+        <a:fillRef idx="3">
           <a:scrgbClr r="0" g="0" b="0"/>
         </a:fillRef>
-        <a:effectRef idx="0">
+        <a:effectRef idx="2">
           <a:scrgbClr r="0" g="0" b="0"/>
         </a:effectRef>
         <a:fontRef idx="minor">
@@ -1399,42 +1407,71 @@
       </dsp:nvSpPr>
       <dsp:spPr>
         <a:xfrm>
-          <a:off x="4191159" y="0"/>
-          <a:ext cx="1562100" cy="1562100"/>
+          <a:off x="6029472" y="0"/>
+          <a:ext cx="1839441" cy="1839441"/>
         </a:xfrm>
         <a:prstGeom prst="ellipse">
           <a:avLst/>
         </a:prstGeom>
-        <a:solidFill>
-          <a:schemeClr val="accent1">
-            <a:hueOff val="0"/>
-            <a:satOff val="0"/>
-            <a:lumOff val="0"/>
-            <a:alphaOff val="0"/>
-          </a:schemeClr>
-        </a:solidFill>
-        <a:ln w="12700" cap="flat" cmpd="sng" algn="ctr">
-          <a:solidFill>
-            <a:schemeClr val="lt1">
-              <a:hueOff val="0"/>
-              <a:satOff val="0"/>
-              <a:lumOff val="0"/>
-              <a:alphaOff val="0"/>
-            </a:schemeClr>
-          </a:solidFill>
-          <a:prstDash val="solid"/>
-          <a:miter lim="800000"/>
+        <a:gradFill rotWithShape="0">
+          <a:gsLst>
+            <a:gs pos="0">
+              <a:schemeClr val="accent1">
+                <a:hueOff val="0"/>
+                <a:satOff val="0"/>
+                <a:lumOff val="0"/>
+                <a:alphaOff val="0"/>
+                <a:satMod val="103000"/>
+                <a:lumMod val="102000"/>
+                <a:tint val="94000"/>
+              </a:schemeClr>
+            </a:gs>
+            <a:gs pos="50000">
+              <a:schemeClr val="accent1">
+                <a:hueOff val="0"/>
+                <a:satOff val="0"/>
+                <a:lumOff val="0"/>
+                <a:alphaOff val="0"/>
+                <a:satMod val="110000"/>
+                <a:lumMod val="100000"/>
+                <a:shade val="100000"/>
+              </a:schemeClr>
+            </a:gs>
+            <a:gs pos="100000">
+              <a:schemeClr val="accent1">
+                <a:hueOff val="0"/>
+                <a:satOff val="0"/>
+                <a:lumOff val="0"/>
+                <a:alphaOff val="0"/>
+                <a:lumMod val="99000"/>
+                <a:satMod val="120000"/>
+                <a:shade val="78000"/>
+              </a:schemeClr>
+            </a:gs>
+          </a:gsLst>
+          <a:lin ang="5400000" scaled="0"/>
+        </a:gradFill>
+        <a:ln>
+          <a:noFill/>
         </a:ln>
         <a:effectLst/>
+        <a:scene3d>
+          <a:camera prst="orthographicFront"/>
+          <a:lightRig rig="flat" dir="t"/>
+        </a:scene3d>
+        <a:sp3d prstMaterial="plastic">
+          <a:bevelT w="120900" h="88900"/>
+          <a:bevelB w="88900" h="31750" prst="angle"/>
+        </a:sp3d>
       </dsp:spPr>
       <dsp:style>
-        <a:lnRef idx="2">
+        <a:lnRef idx="0">
           <a:scrgbClr r="0" g="0" b="0"/>
         </a:lnRef>
-        <a:fillRef idx="1">
+        <a:fillRef idx="3">
           <a:scrgbClr r="0" g="0" b="0"/>
         </a:fillRef>
-        <a:effectRef idx="0">
+        <a:effectRef idx="2">
           <a:scrgbClr r="0" g="0" b="0"/>
         </a:effectRef>
         <a:fontRef idx="minor">
@@ -1447,7 +1484,7 @@
         </a:bodyPr>
         <a:lstStyle/>
         <a:p>
-          <a:pPr lvl="0" algn="ctr" defTabSz="1422400">
+          <a:pPr marL="0" lvl="0" indent="0" algn="ctr" defTabSz="1422400">
             <a:lnSpc>
               <a:spcPct val="90000"/>
             </a:lnSpc>
@@ -1457,17 +1494,17 @@
             <a:spcAft>
               <a:spcPct val="35000"/>
             </a:spcAft>
+            <a:buNone/>
           </a:pPr>
           <a:r>
-            <a:rPr lang="da-DK" sz="3200" kern="1200" smtClean="0"/>
+            <a:rPr lang="da-DK" sz="3200" kern="1200" dirty="0"/>
             <a:t>Tools</a:t>
           </a:r>
-          <a:endParaRPr lang="da-DK" sz="3200" kern="1200"/>
         </a:p>
       </dsp:txBody>
       <dsp:txXfrm>
-        <a:off x="4419923" y="228764"/>
-        <a:ext cx="1104572" cy="1104572"/>
+        <a:off x="6298852" y="269380"/>
+        <a:ext cx="1300681" cy="1300681"/>
       </dsp:txXfrm>
     </dsp:sp>
     <dsp:sp modelId="{9A6B67E2-7CE6-4293-BF78-BC40F48E9E5F}">
@@ -1477,42 +1514,71 @@
       </dsp:nvSpPr>
       <dsp:spPr>
         <a:xfrm>
-          <a:off x="4159161" y="1928283"/>
-          <a:ext cx="1562100" cy="1562100"/>
+          <a:off x="5992113" y="2272587"/>
+          <a:ext cx="1839441" cy="1839441"/>
         </a:xfrm>
         <a:prstGeom prst="ellipse">
           <a:avLst/>
         </a:prstGeom>
-        <a:solidFill>
-          <a:schemeClr val="accent1">
-            <a:hueOff val="0"/>
-            <a:satOff val="0"/>
-            <a:lumOff val="0"/>
-            <a:alphaOff val="0"/>
-          </a:schemeClr>
-        </a:solidFill>
-        <a:ln w="12700" cap="flat" cmpd="sng" algn="ctr">
-          <a:solidFill>
-            <a:schemeClr val="lt1">
-              <a:hueOff val="0"/>
-              <a:satOff val="0"/>
-              <a:lumOff val="0"/>
-              <a:alphaOff val="0"/>
-            </a:schemeClr>
-          </a:solidFill>
-          <a:prstDash val="solid"/>
-          <a:miter lim="800000"/>
+        <a:gradFill rotWithShape="0">
+          <a:gsLst>
+            <a:gs pos="0">
+              <a:schemeClr val="accent1">
+                <a:hueOff val="0"/>
+                <a:satOff val="0"/>
+                <a:lumOff val="0"/>
+                <a:alphaOff val="0"/>
+                <a:satMod val="103000"/>
+                <a:lumMod val="102000"/>
+                <a:tint val="94000"/>
+              </a:schemeClr>
+            </a:gs>
+            <a:gs pos="50000">
+              <a:schemeClr val="accent1">
+                <a:hueOff val="0"/>
+                <a:satOff val="0"/>
+                <a:lumOff val="0"/>
+                <a:alphaOff val="0"/>
+                <a:satMod val="110000"/>
+                <a:lumMod val="100000"/>
+                <a:shade val="100000"/>
+              </a:schemeClr>
+            </a:gs>
+            <a:gs pos="100000">
+              <a:schemeClr val="accent1">
+                <a:hueOff val="0"/>
+                <a:satOff val="0"/>
+                <a:lumOff val="0"/>
+                <a:alphaOff val="0"/>
+                <a:lumMod val="99000"/>
+                <a:satMod val="120000"/>
+                <a:shade val="78000"/>
+              </a:schemeClr>
+            </a:gs>
+          </a:gsLst>
+          <a:lin ang="5400000" scaled="0"/>
+        </a:gradFill>
+        <a:ln>
+          <a:noFill/>
         </a:ln>
         <a:effectLst/>
+        <a:scene3d>
+          <a:camera prst="orthographicFront"/>
+          <a:lightRig rig="flat" dir="t"/>
+        </a:scene3d>
+        <a:sp3d prstMaterial="plastic">
+          <a:bevelT w="120900" h="88900"/>
+          <a:bevelB w="88900" h="31750" prst="angle"/>
+        </a:sp3d>
       </dsp:spPr>
       <dsp:style>
-        <a:lnRef idx="2">
+        <a:lnRef idx="0">
           <a:scrgbClr r="0" g="0" b="0"/>
         </a:lnRef>
-        <a:fillRef idx="1">
+        <a:fillRef idx="3">
           <a:scrgbClr r="0" g="0" b="0"/>
         </a:fillRef>
-        <a:effectRef idx="0">
+        <a:effectRef idx="2">
           <a:scrgbClr r="0" g="0" b="0"/>
         </a:effectRef>
         <a:fontRef idx="minor">
@@ -1525,7 +1591,7 @@
         </a:bodyPr>
         <a:lstStyle/>
         <a:p>
-          <a:pPr lvl="0" algn="ctr" defTabSz="1422400">
+          <a:pPr marL="0" lvl="0" indent="0" algn="ctr" defTabSz="1422400">
             <a:lnSpc>
               <a:spcPct val="90000"/>
             </a:lnSpc>
@@ -1535,17 +1601,17 @@
             <a:spcAft>
               <a:spcPct val="35000"/>
             </a:spcAft>
+            <a:buNone/>
           </a:pPr>
           <a:r>
-            <a:rPr lang="da-DK" sz="3200" kern="1200" smtClean="0"/>
+            <a:rPr lang="da-DK" sz="3200" kern="1200"/>
             <a:t>Extensions</a:t>
           </a:r>
-          <a:endParaRPr lang="da-DK" sz="3200" kern="1200"/>
         </a:p>
       </dsp:txBody>
       <dsp:txXfrm>
-        <a:off x="4387925" y="2157047"/>
-        <a:ext cx="1104572" cy="1104572"/>
+        <a:off x="6261493" y="2541967"/>
+        <a:ext cx="1300681" cy="1300681"/>
       </dsp:txXfrm>
     </dsp:sp>
     <dsp:sp modelId="{8ABC1EC4-5142-4A17-AF3D-BE6AAD7C9E7C}">
@@ -1555,42 +1621,71 @@
       </dsp:nvSpPr>
       <dsp:spPr>
         <a:xfrm>
-          <a:off x="3080318" y="3856480"/>
-          <a:ext cx="1562100" cy="1562100"/>
+          <a:off x="4721408" y="4544317"/>
+          <a:ext cx="1839441" cy="1839441"/>
         </a:xfrm>
         <a:prstGeom prst="ellipse">
           <a:avLst/>
         </a:prstGeom>
-        <a:solidFill>
-          <a:schemeClr val="accent1">
-            <a:hueOff val="0"/>
-            <a:satOff val="0"/>
-            <a:lumOff val="0"/>
-            <a:alphaOff val="0"/>
-          </a:schemeClr>
-        </a:solidFill>
-        <a:ln w="12700" cap="flat" cmpd="sng" algn="ctr">
-          <a:solidFill>
-            <a:schemeClr val="lt1">
-              <a:hueOff val="0"/>
-              <a:satOff val="0"/>
-              <a:lumOff val="0"/>
-              <a:alphaOff val="0"/>
-            </a:schemeClr>
-          </a:solidFill>
-          <a:prstDash val="solid"/>
-          <a:miter lim="800000"/>
+        <a:gradFill rotWithShape="0">
+          <a:gsLst>
+            <a:gs pos="0">
+              <a:schemeClr val="accent1">
+                <a:hueOff val="0"/>
+                <a:satOff val="0"/>
+                <a:lumOff val="0"/>
+                <a:alphaOff val="0"/>
+                <a:satMod val="103000"/>
+                <a:lumMod val="102000"/>
+                <a:tint val="94000"/>
+              </a:schemeClr>
+            </a:gs>
+            <a:gs pos="50000">
+              <a:schemeClr val="accent1">
+                <a:hueOff val="0"/>
+                <a:satOff val="0"/>
+                <a:lumOff val="0"/>
+                <a:alphaOff val="0"/>
+                <a:satMod val="110000"/>
+                <a:lumMod val="100000"/>
+                <a:shade val="100000"/>
+              </a:schemeClr>
+            </a:gs>
+            <a:gs pos="100000">
+              <a:schemeClr val="accent1">
+                <a:hueOff val="0"/>
+                <a:satOff val="0"/>
+                <a:lumOff val="0"/>
+                <a:alphaOff val="0"/>
+                <a:lumMod val="99000"/>
+                <a:satMod val="120000"/>
+                <a:shade val="78000"/>
+              </a:schemeClr>
+            </a:gs>
+          </a:gsLst>
+          <a:lin ang="5400000" scaled="0"/>
+        </a:gradFill>
+        <a:ln>
+          <a:noFill/>
         </a:ln>
         <a:effectLst/>
+        <a:scene3d>
+          <a:camera prst="orthographicFront"/>
+          <a:lightRig rig="flat" dir="t"/>
+        </a:scene3d>
+        <a:sp3d prstMaterial="plastic">
+          <a:bevelT w="120900" h="88900"/>
+          <a:bevelB w="88900" h="31750" prst="angle"/>
+        </a:sp3d>
       </dsp:spPr>
       <dsp:style>
-        <a:lnRef idx="2">
+        <a:lnRef idx="0">
           <a:scrgbClr r="0" g="0" b="0"/>
         </a:lnRef>
-        <a:fillRef idx="1">
+        <a:fillRef idx="3">
           <a:scrgbClr r="0" g="0" b="0"/>
         </a:fillRef>
-        <a:effectRef idx="0">
+        <a:effectRef idx="2">
           <a:scrgbClr r="0" g="0" b="0"/>
         </a:effectRef>
         <a:fontRef idx="minor">
@@ -1603,7 +1698,7 @@
         </a:bodyPr>
         <a:lstStyle/>
         <a:p>
-          <a:pPr lvl="0" algn="ctr" defTabSz="1422400">
+          <a:pPr marL="0" lvl="0" indent="0" algn="ctr" defTabSz="1422400">
             <a:lnSpc>
               <a:spcPct val="90000"/>
             </a:lnSpc>
@@ -1613,17 +1708,17 @@
             <a:spcAft>
               <a:spcPct val="35000"/>
             </a:spcAft>
+            <a:buNone/>
           </a:pPr>
           <a:r>
-            <a:rPr lang="da-DK" sz="3200" kern="1200" smtClean="0"/>
+            <a:rPr lang="da-DK" sz="3200" kern="1200" dirty="0"/>
             <a:t>Packages</a:t>
           </a:r>
-          <a:endParaRPr lang="da-DK" sz="3200" kern="1200"/>
         </a:p>
       </dsp:txBody>
       <dsp:txXfrm>
-        <a:off x="3309082" y="4085244"/>
-        <a:ext cx="1104572" cy="1104572"/>
+        <a:off x="4990788" y="4813697"/>
+        <a:ext cx="1300681" cy="1300681"/>
       </dsp:txXfrm>
     </dsp:sp>
   </dsp:spTree>
@@ -1976,11 +2071,11 @@
 </file>
 
 <file path=ppt/diagrams/quickStyle1.xml><?xml version="1.0" encoding="utf-8"?>
-<dgm:styleDef xmlns:dgm="http://schemas.openxmlformats.org/drawingml/2006/diagram" xmlns:a="http://schemas.openxmlformats.org/drawingml/2006/main" uniqueId="urn:microsoft.com/office/officeart/2005/8/quickstyle/simple1">
+<dgm:styleDef xmlns:dgm="http://schemas.openxmlformats.org/drawingml/2006/diagram" xmlns:a="http://schemas.openxmlformats.org/drawingml/2006/main" uniqueId="urn:microsoft.com/office/officeart/2005/8/quickstyle/3d1">
   <dgm:title val=""/>
   <dgm:desc val=""/>
   <dgm:catLst>
-    <dgm:cat type="simple" pri="10100"/>
+    <dgm:cat type="3D" pri="11100"/>
   </dgm:catLst>
   <dgm:scene3d>
     <a:camera prst="orthographicFront"/>
@@ -1989,18 +2084,21 @@
   <dgm:styleLbl name="node0">
     <dgm:scene3d>
       <a:camera prst="orthographicFront"/>
-      <a:lightRig rig="threePt" dir="t"/>
+      <a:lightRig rig="flat" dir="t"/>
     </dgm:scene3d>
-    <dgm:sp3d/>
+    <dgm:sp3d prstMaterial="plastic">
+      <a:bevelT w="120900" h="88900"/>
+      <a:bevelB w="88900" h="31750" prst="angle"/>
+    </dgm:sp3d>
     <dgm:txPr/>
     <dgm:style>
-      <a:lnRef idx="2">
+      <a:lnRef idx="0">
         <a:scrgbClr r="0" g="0" b="0"/>
       </a:lnRef>
-      <a:fillRef idx="1">
+      <a:fillRef idx="3">
         <a:scrgbClr r="0" g="0" b="0"/>
       </a:fillRef>
-      <a:effectRef idx="0">
+      <a:effectRef idx="2">
         <a:scrgbClr r="0" g="0" b="0"/>
       </a:effectRef>
       <a:fontRef idx="minor">
@@ -2011,18 +2109,21 @@
   <dgm:styleLbl name="lnNode1">
     <dgm:scene3d>
       <a:camera prst="orthographicFront"/>
-      <a:lightRig rig="threePt" dir="t"/>
+      <a:lightRig rig="flat" dir="t"/>
     </dgm:scene3d>
-    <dgm:sp3d/>
+    <dgm:sp3d prstMaterial="plastic">
+      <a:bevelT w="120900" h="88900"/>
+      <a:bevelB w="88900" h="31750" prst="angle"/>
+    </dgm:sp3d>
     <dgm:txPr/>
     <dgm:style>
-      <a:lnRef idx="2">
+      <a:lnRef idx="0">
         <a:scrgbClr r="0" g="0" b="0"/>
       </a:lnRef>
-      <a:fillRef idx="1">
+      <a:fillRef idx="3">
         <a:scrgbClr r="0" g="0" b="0"/>
       </a:fillRef>
-      <a:effectRef idx="0">
+      <a:effectRef idx="1">
         <a:scrgbClr r="0" g="0" b="0"/>
       </a:effectRef>
       <a:fontRef idx="minor">
@@ -2033,18 +2134,21 @@
   <dgm:styleLbl name="vennNode1">
     <dgm:scene3d>
       <a:camera prst="orthographicFront"/>
-      <a:lightRig rig="threePt" dir="t"/>
+      <a:lightRig rig="flat" dir="t"/>
     </dgm:scene3d>
-    <dgm:sp3d/>
+    <dgm:sp3d prstMaterial="plastic">
+      <a:bevelT w="120900" h="88900"/>
+      <a:bevelB w="88900" h="31750" prst="angle"/>
+    </dgm:sp3d>
     <dgm:txPr/>
     <dgm:style>
-      <a:lnRef idx="2">
+      <a:lnRef idx="0">
         <a:scrgbClr r="0" g="0" b="0"/>
       </a:lnRef>
       <a:fillRef idx="1">
         <a:scrgbClr r="0" g="0" b="0"/>
       </a:fillRef>
-      <a:effectRef idx="0">
+      <a:effectRef idx="1">
         <a:scrgbClr r="0" g="0" b="0"/>
       </a:effectRef>
       <a:fontRef idx="minor">
@@ -2055,18 +2159,21 @@
   <dgm:styleLbl name="alignNode1">
     <dgm:scene3d>
       <a:camera prst="orthographicFront"/>
-      <a:lightRig rig="threePt" dir="t"/>
+      <a:lightRig rig="flat" dir="t"/>
     </dgm:scene3d>
-    <dgm:sp3d/>
+    <dgm:sp3d prstMaterial="plastic">
+      <a:bevelT w="120900" h="88900"/>
+      <a:bevelB w="88900" h="31750" prst="angle"/>
+    </dgm:sp3d>
     <dgm:txPr/>
     <dgm:style>
-      <a:lnRef idx="2">
+      <a:lnRef idx="1">
         <a:scrgbClr r="0" g="0" b="0"/>
       </a:lnRef>
-      <a:fillRef idx="1">
+      <a:fillRef idx="3">
         <a:scrgbClr r="0" g="0" b="0"/>
       </a:fillRef>
-      <a:effectRef idx="0">
+      <a:effectRef idx="2">
         <a:scrgbClr r="0" g="0" b="0"/>
       </a:effectRef>
       <a:fontRef idx="minor">
@@ -2077,18 +2184,21 @@
   <dgm:styleLbl name="node1">
     <dgm:scene3d>
       <a:camera prst="orthographicFront"/>
-      <a:lightRig rig="threePt" dir="t"/>
+      <a:lightRig rig="flat" dir="t"/>
     </dgm:scene3d>
-    <dgm:sp3d/>
+    <dgm:sp3d prstMaterial="plastic">
+      <a:bevelT w="120900" h="88900"/>
+      <a:bevelB w="88900" h="31750" prst="angle"/>
+    </dgm:sp3d>
     <dgm:txPr/>
     <dgm:style>
-      <a:lnRef idx="2">
+      <a:lnRef idx="0">
         <a:scrgbClr r="0" g="0" b="0"/>
       </a:lnRef>
-      <a:fillRef idx="1">
+      <a:fillRef idx="3">
         <a:scrgbClr r="0" g="0" b="0"/>
       </a:fillRef>
-      <a:effectRef idx="0">
+      <a:effectRef idx="2">
         <a:scrgbClr r="0" g="0" b="0"/>
       </a:effectRef>
       <a:fontRef idx="minor">
@@ -2099,18 +2209,21 @@
   <dgm:styleLbl name="node2">
     <dgm:scene3d>
       <a:camera prst="orthographicFront"/>
-      <a:lightRig rig="threePt" dir="t"/>
+      <a:lightRig rig="flat" dir="t"/>
     </dgm:scene3d>
-    <dgm:sp3d/>
+    <dgm:sp3d prstMaterial="plastic">
+      <a:bevelT w="120900" h="88900"/>
+      <a:bevelB w="88900" h="31750" prst="angle"/>
+    </dgm:sp3d>
     <dgm:txPr/>
     <dgm:style>
-      <a:lnRef idx="2">
+      <a:lnRef idx="0">
         <a:scrgbClr r="0" g="0" b="0"/>
       </a:lnRef>
-      <a:fillRef idx="1">
+      <a:fillRef idx="3">
         <a:scrgbClr r="0" g="0" b="0"/>
       </a:fillRef>
-      <a:effectRef idx="0">
+      <a:effectRef idx="1">
         <a:scrgbClr r="0" g="0" b="0"/>
       </a:effectRef>
       <a:fontRef idx="minor">
@@ -2121,18 +2234,21 @@
   <dgm:styleLbl name="node3">
     <dgm:scene3d>
       <a:camera prst="orthographicFront"/>
-      <a:lightRig rig="threePt" dir="t"/>
+      <a:lightRig rig="flat" dir="t"/>
     </dgm:scene3d>
-    <dgm:sp3d/>
+    <dgm:sp3d prstMaterial="plastic">
+      <a:bevelT w="120900" h="88900"/>
+      <a:bevelB w="88900" h="31750" prst="angle"/>
+    </dgm:sp3d>
     <dgm:txPr/>
     <dgm:style>
-      <a:lnRef idx="2">
+      <a:lnRef idx="0">
         <a:scrgbClr r="0" g="0" b="0"/>
       </a:lnRef>
-      <a:fillRef idx="1">
+      <a:fillRef idx="3">
         <a:scrgbClr r="0" g="0" b="0"/>
       </a:fillRef>
-      <a:effectRef idx="0">
+      <a:effectRef idx="1">
         <a:scrgbClr r="0" g="0" b="0"/>
       </a:effectRef>
       <a:fontRef idx="minor">
@@ -2143,18 +2259,21 @@
   <dgm:styleLbl name="node4">
     <dgm:scene3d>
       <a:camera prst="orthographicFront"/>
-      <a:lightRig rig="threePt" dir="t"/>
+      <a:lightRig rig="flat" dir="t"/>
     </dgm:scene3d>
-    <dgm:sp3d/>
+    <dgm:sp3d prstMaterial="plastic">
+      <a:bevelT w="120900" h="88900"/>
+      <a:bevelB w="88900" h="31750" prst="angle"/>
+    </dgm:sp3d>
     <dgm:txPr/>
     <dgm:style>
-      <a:lnRef idx="2">
+      <a:lnRef idx="0">
         <a:scrgbClr r="0" g="0" b="0"/>
       </a:lnRef>
-      <a:fillRef idx="1">
+      <a:fillRef idx="3">
         <a:scrgbClr r="0" g="0" b="0"/>
       </a:fillRef>
-      <a:effectRef idx="0">
+      <a:effectRef idx="1">
         <a:scrgbClr r="0" g="0" b="0"/>
       </a:effectRef>
       <a:fontRef idx="minor">
@@ -2165,18 +2284,21 @@
   <dgm:styleLbl name="fgImgPlace1">
     <dgm:scene3d>
       <a:camera prst="orthographicFront"/>
-      <a:lightRig rig="threePt" dir="t"/>
+      <a:lightRig rig="flat" dir="t"/>
     </dgm:scene3d>
-    <dgm:sp3d/>
+    <dgm:sp3d z="127000" prstMaterial="plastic">
+      <a:bevelT w="88900" h="88900"/>
+      <a:bevelB w="88900" h="31750" prst="angle"/>
+    </dgm:sp3d>
     <dgm:txPr/>
     <dgm:style>
-      <a:lnRef idx="2">
+      <a:lnRef idx="0">
         <a:scrgbClr r="0" g="0" b="0"/>
       </a:lnRef>
-      <a:fillRef idx="1">
+      <a:fillRef idx="3">
         <a:scrgbClr r="0" g="0" b="0"/>
       </a:fillRef>
-      <a:effectRef idx="0">
+      <a:effectRef idx="2">
         <a:scrgbClr r="0" g="0" b="0"/>
       </a:effectRef>
       <a:fontRef idx="minor"/>
@@ -2185,18 +2307,21 @@
   <dgm:styleLbl name="alignImgPlace1">
     <dgm:scene3d>
       <a:camera prst="orthographicFront"/>
-      <a:lightRig rig="threePt" dir="t"/>
+      <a:lightRig rig="flat" dir="t"/>
     </dgm:scene3d>
-    <dgm:sp3d/>
+    <dgm:sp3d prstMaterial="plastic">
+      <a:bevelT w="88900" h="88900"/>
+      <a:bevelB w="88900" h="31750" prst="angle"/>
+    </dgm:sp3d>
     <dgm:txPr/>
     <dgm:style>
-      <a:lnRef idx="2">
+      <a:lnRef idx="0">
         <a:scrgbClr r="0" g="0" b="0"/>
       </a:lnRef>
-      <a:fillRef idx="1">
+      <a:fillRef idx="3">
         <a:scrgbClr r="0" g="0" b="0"/>
       </a:fillRef>
-      <a:effectRef idx="0">
+      <a:effectRef idx="2">
         <a:scrgbClr r="0" g="0" b="0"/>
       </a:effectRef>
       <a:fontRef idx="minor"/>
@@ -2205,18 +2330,21 @@
   <dgm:styleLbl name="bgImgPlace1">
     <dgm:scene3d>
       <a:camera prst="orthographicFront"/>
-      <a:lightRig rig="threePt" dir="t"/>
+      <a:lightRig rig="flat" dir="t"/>
     </dgm:scene3d>
-    <dgm:sp3d/>
+    <dgm:sp3d z="-190500" prstMaterial="plastic">
+      <a:bevelT w="88900" h="88900"/>
+      <a:bevelB w="88900" h="31750" prst="angle"/>
+    </dgm:sp3d>
     <dgm:txPr/>
     <dgm:style>
-      <a:lnRef idx="2">
+      <a:lnRef idx="0">
         <a:scrgbClr r="0" g="0" b="0"/>
       </a:lnRef>
-      <a:fillRef idx="1">
+      <a:fillRef idx="3">
         <a:scrgbClr r="0" g="0" b="0"/>
       </a:fillRef>
-      <a:effectRef idx="0">
+      <a:effectRef idx="2">
         <a:scrgbClr r="0" g="0" b="0"/>
       </a:effectRef>
       <a:fontRef idx="minor"/>
@@ -2225,18 +2353,21 @@
   <dgm:styleLbl name="sibTrans2D1">
     <dgm:scene3d>
       <a:camera prst="orthographicFront"/>
-      <a:lightRig rig="threePt" dir="t"/>
+      <a:lightRig rig="flat" dir="t"/>
     </dgm:scene3d>
-    <dgm:sp3d/>
+    <dgm:sp3d z="-80000" prstMaterial="plastic">
+      <a:bevelT w="50800" h="50800"/>
+      <a:bevelB w="25400" h="25400" prst="angle"/>
+    </dgm:sp3d>
     <dgm:txPr/>
     <dgm:style>
       <a:lnRef idx="0">
         <a:scrgbClr r="0" g="0" b="0"/>
       </a:lnRef>
-      <a:fillRef idx="1">
+      <a:fillRef idx="3">
         <a:scrgbClr r="0" g="0" b="0"/>
       </a:fillRef>
-      <a:effectRef idx="0">
+      <a:effectRef idx="2">
         <a:scrgbClr r="0" g="0" b="0"/>
       </a:effectRef>
       <a:fontRef idx="minor">
@@ -2247,18 +2378,21 @@
   <dgm:styleLbl name="fgSibTrans2D1">
     <dgm:scene3d>
       <a:camera prst="orthographicFront"/>
-      <a:lightRig rig="threePt" dir="t"/>
+      <a:lightRig rig="flat" dir="t"/>
     </dgm:scene3d>
-    <dgm:sp3d/>
+    <dgm:sp3d z="127000" prstMaterial="plastic">
+      <a:bevelT w="50800" h="50800"/>
+      <a:bevelB w="25400" h="25400" prst="angle"/>
+    </dgm:sp3d>
     <dgm:txPr/>
     <dgm:style>
       <a:lnRef idx="0">
         <a:scrgbClr r="0" g="0" b="0"/>
       </a:lnRef>
-      <a:fillRef idx="1">
+      <a:fillRef idx="3">
         <a:scrgbClr r="0" g="0" b="0"/>
       </a:fillRef>
-      <a:effectRef idx="0">
+      <a:effectRef idx="2">
         <a:scrgbClr r="0" g="0" b="0"/>
       </a:effectRef>
       <a:fontRef idx="minor">
@@ -2269,18 +2403,21 @@
   <dgm:styleLbl name="bgSibTrans2D1">
     <dgm:scene3d>
       <a:camera prst="orthographicFront"/>
-      <a:lightRig rig="threePt" dir="t"/>
+      <a:lightRig rig="flat" dir="t"/>
     </dgm:scene3d>
-    <dgm:sp3d/>
+    <dgm:sp3d z="-190500" prstMaterial="plastic">
+      <a:bevelT w="50800" h="50800"/>
+      <a:bevelB w="25400" h="25400" prst="angle"/>
+    </dgm:sp3d>
     <dgm:txPr/>
     <dgm:style>
       <a:lnRef idx="0">
         <a:scrgbClr r="0" g="0" b="0"/>
       </a:lnRef>
-      <a:fillRef idx="1">
+      <a:fillRef idx="3">
         <a:scrgbClr r="0" g="0" b="0"/>
       </a:fillRef>
-      <a:effectRef idx="0">
+      <a:effectRef idx="2">
         <a:scrgbClr r="0" g="0" b="0"/>
       </a:effectRef>
       <a:fontRef idx="minor">
@@ -2291,9 +2428,9 @@
   <dgm:styleLbl name="sibTrans1D1">
     <dgm:scene3d>
       <a:camera prst="orthographicFront"/>
-      <a:lightRig rig="threePt" dir="t"/>
+      <a:lightRig rig="flat" dir="t"/>
     </dgm:scene3d>
-    <dgm:sp3d/>
+    <dgm:sp3d z="-40000" prstMaterial="matte"/>
     <dgm:txPr/>
     <dgm:style>
       <a:lnRef idx="1">
@@ -2313,7 +2450,7 @@
       <a:camera prst="orthographicFront"/>
       <a:lightRig rig="threePt" dir="t"/>
     </dgm:scene3d>
-    <dgm:sp3d/>
+    <dgm:sp3d z="127000" prstMaterial="matte"/>
     <dgm:txPr/>
     <dgm:style>
       <a:lnRef idx="2">
@@ -2331,18 +2468,21 @@
   <dgm:styleLbl name="asst0">
     <dgm:scene3d>
       <a:camera prst="orthographicFront"/>
-      <a:lightRig rig="threePt" dir="t"/>
+      <a:lightRig rig="flat" dir="t"/>
     </dgm:scene3d>
-    <dgm:sp3d/>
+    <dgm:sp3d prstMaterial="plastic">
+      <a:bevelT w="120900" h="88900"/>
+      <a:bevelB w="88900" h="31750" prst="angle"/>
+    </dgm:sp3d>
     <dgm:txPr/>
     <dgm:style>
-      <a:lnRef idx="2">
+      <a:lnRef idx="0">
         <a:scrgbClr r="0" g="0" b="0"/>
       </a:lnRef>
-      <a:fillRef idx="1">
+      <a:fillRef idx="3">
         <a:scrgbClr r="0" g="0" b="0"/>
       </a:fillRef>
-      <a:effectRef idx="0">
+      <a:effectRef idx="1">
         <a:scrgbClr r="0" g="0" b="0"/>
       </a:effectRef>
       <a:fontRef idx="minor">
@@ -2353,18 +2493,21 @@
   <dgm:styleLbl name="asst1">
     <dgm:scene3d>
       <a:camera prst="orthographicFront"/>
-      <a:lightRig rig="threePt" dir="t"/>
+      <a:lightRig rig="flat" dir="t"/>
     </dgm:scene3d>
-    <dgm:sp3d/>
+    <dgm:sp3d prstMaterial="plastic">
+      <a:bevelT w="120900" h="88900"/>
+      <a:bevelB w="88900" h="31750" prst="angle"/>
+    </dgm:sp3d>
     <dgm:txPr/>
     <dgm:style>
-      <a:lnRef idx="2">
+      <a:lnRef idx="0">
         <a:scrgbClr r="0" g="0" b="0"/>
       </a:lnRef>
-      <a:fillRef idx="1">
+      <a:fillRef idx="3">
         <a:scrgbClr r="0" g="0" b="0"/>
       </a:fillRef>
-      <a:effectRef idx="0">
+      <a:effectRef idx="1">
         <a:scrgbClr r="0" g="0" b="0"/>
       </a:effectRef>
       <a:fontRef idx="minor">
@@ -2375,18 +2518,21 @@
   <dgm:styleLbl name="asst2">
     <dgm:scene3d>
       <a:camera prst="orthographicFront"/>
-      <a:lightRig rig="threePt" dir="t"/>
+      <a:lightRig rig="flat" dir="t"/>
     </dgm:scene3d>
-    <dgm:sp3d/>
+    <dgm:sp3d prstMaterial="plastic">
+      <a:bevelT w="120900" h="88900"/>
+      <a:bevelB w="88900" h="31750" prst="angle"/>
+    </dgm:sp3d>
     <dgm:txPr/>
     <dgm:style>
-      <a:lnRef idx="2">
+      <a:lnRef idx="0">
         <a:scrgbClr r="0" g="0" b="0"/>
       </a:lnRef>
-      <a:fillRef idx="1">
+      <a:fillRef idx="3">
         <a:scrgbClr r="0" g="0" b="0"/>
       </a:fillRef>
-      <a:effectRef idx="0">
+      <a:effectRef idx="1">
         <a:scrgbClr r="0" g="0" b="0"/>
       </a:effectRef>
       <a:fontRef idx="minor">
@@ -2397,18 +2543,21 @@
   <dgm:styleLbl name="asst3">
     <dgm:scene3d>
       <a:camera prst="orthographicFront"/>
-      <a:lightRig rig="threePt" dir="t"/>
+      <a:lightRig rig="flat" dir="t"/>
     </dgm:scene3d>
-    <dgm:sp3d/>
+    <dgm:sp3d prstMaterial="plastic">
+      <a:bevelT w="120900" h="88900"/>
+      <a:bevelB w="88900" h="31750" prst="angle"/>
+    </dgm:sp3d>
     <dgm:txPr/>
     <dgm:style>
-      <a:lnRef idx="2">
+      <a:lnRef idx="0">
         <a:scrgbClr r="0" g="0" b="0"/>
       </a:lnRef>
-      <a:fillRef idx="1">
+      <a:fillRef idx="3">
         <a:scrgbClr r="0" g="0" b="0"/>
       </a:fillRef>
-      <a:effectRef idx="0">
+      <a:effectRef idx="1">
         <a:scrgbClr r="0" g="0" b="0"/>
       </a:effectRef>
       <a:fontRef idx="minor">
@@ -2416,21 +2565,24 @@
       </a:fontRef>
     </dgm:style>
   </dgm:styleLbl>
-  <dgm:styleLbl name="asst4">
+  <dgm:styleLbl name="parChTrans2D1">
     <dgm:scene3d>
       <a:camera prst="orthographicFront"/>
-      <a:lightRig rig="threePt" dir="t"/>
+      <a:lightRig rig="flat" dir="t"/>
     </dgm:scene3d>
-    <dgm:sp3d/>
+    <dgm:sp3d z="-100000" prstMaterial="plastic">
+      <a:bevelT w="120900" h="88900"/>
+      <a:bevelB w="88900" h="31750" prst="angle"/>
+    </dgm:sp3d>
     <dgm:txPr/>
     <dgm:style>
-      <a:lnRef idx="2">
+      <a:lnRef idx="0">
         <a:scrgbClr r="0" g="0" b="0"/>
       </a:lnRef>
-      <a:fillRef idx="1">
+      <a:fillRef idx="3">
         <a:scrgbClr r="0" g="0" b="0"/>
       </a:fillRef>
-      <a:effectRef idx="0">
+      <a:effectRef idx="1">
         <a:scrgbClr r="0" g="0" b="0"/>
       </a:effectRef>
       <a:fontRef idx="minor">
@@ -2438,21 +2590,24 @@
       </a:fontRef>
     </dgm:style>
   </dgm:styleLbl>
-  <dgm:styleLbl name="parChTrans2D1">
+  <dgm:styleLbl name="parChTrans2D2">
     <dgm:scene3d>
       <a:camera prst="orthographicFront"/>
-      <a:lightRig rig="threePt" dir="t"/>
+      <a:lightRig rig="flat" dir="t"/>
     </dgm:scene3d>
-    <dgm:sp3d/>
+    <dgm:sp3d z="-60000" prstMaterial="plastic">
+      <a:bevelT w="120900" h="88900"/>
+      <a:bevelB w="88900" h="31750" prst="angle"/>
+    </dgm:sp3d>
     <dgm:txPr/>
     <dgm:style>
-      <a:lnRef idx="2">
+      <a:lnRef idx="0">
         <a:scrgbClr r="0" g="0" b="0"/>
       </a:lnRef>
-      <a:fillRef idx="1">
+      <a:fillRef idx="3">
         <a:scrgbClr r="0" g="0" b="0"/>
       </a:fillRef>
-      <a:effectRef idx="0">
+      <a:effectRef idx="1">
         <a:scrgbClr r="0" g="0" b="0"/>
       </a:effectRef>
       <a:fontRef idx="minor">
@@ -2460,21 +2615,24 @@
       </a:fontRef>
     </dgm:style>
   </dgm:styleLbl>
-  <dgm:styleLbl name="parChTrans2D2">
+  <dgm:styleLbl name="parChTrans2D3">
     <dgm:scene3d>
       <a:camera prst="orthographicFront"/>
-      <a:lightRig rig="threePt" dir="t"/>
+      <a:lightRig rig="flat" dir="t"/>
     </dgm:scene3d>
-    <dgm:sp3d/>
+    <dgm:sp3d z="-60000" prstMaterial="plastic">
+      <a:bevelT w="120900" h="88900"/>
+      <a:bevelB w="88900" h="31750" prst="angle"/>
+    </dgm:sp3d>
     <dgm:txPr/>
     <dgm:style>
-      <a:lnRef idx="2">
+      <a:lnRef idx="0">
         <a:scrgbClr r="0" g="0" b="0"/>
       </a:lnRef>
-      <a:fillRef idx="1">
+      <a:fillRef idx="3">
         <a:scrgbClr r="0" g="0" b="0"/>
       </a:fillRef>
-      <a:effectRef idx="0">
+      <a:effectRef idx="1">
         <a:scrgbClr r="0" g="0" b="0"/>
       </a:effectRef>
       <a:fontRef idx="minor">
@@ -2482,21 +2640,24 @@
       </a:fontRef>
     </dgm:style>
   </dgm:styleLbl>
-  <dgm:styleLbl name="parChTrans2D3">
+  <dgm:styleLbl name="parChTrans2D4">
     <dgm:scene3d>
       <a:camera prst="orthographicFront"/>
-      <a:lightRig rig="threePt" dir="t"/>
+      <a:lightRig rig="flat" dir="t"/>
     </dgm:scene3d>
-    <dgm:sp3d/>
+    <dgm:sp3d z="-60000" prstMaterial="plastic">
+      <a:bevelT w="120900" h="88900"/>
+      <a:bevelB w="88900" h="31750" prst="angle"/>
+    </dgm:sp3d>
     <dgm:txPr/>
     <dgm:style>
-      <a:lnRef idx="2">
+      <a:lnRef idx="0">
         <a:scrgbClr r="0" g="0" b="0"/>
       </a:lnRef>
-      <a:fillRef idx="1">
+      <a:fillRef idx="3">
         <a:scrgbClr r="0" g="0" b="0"/>
       </a:fillRef>
-      <a:effectRef idx="0">
+      <a:effectRef idx="1">
         <a:scrgbClr r="0" g="0" b="0"/>
       </a:effectRef>
       <a:fontRef idx="minor">
@@ -2504,486 +2665,503 @@
       </a:fontRef>
     </dgm:style>
   </dgm:styleLbl>
-  <dgm:styleLbl name="parChTrans2D4">
+  <dgm:styleLbl name="parChTrans1D1">
     <dgm:scene3d>
       <a:camera prst="orthographicFront"/>
-      <a:lightRig rig="threePt" dir="t"/>
+      <a:lightRig rig="flat" dir="t"/>
     </dgm:scene3d>
-    <dgm:sp3d/>
+    <dgm:sp3d prstMaterial="matte"/>
     <dgm:txPr/>
     <dgm:style>
       <a:lnRef idx="2">
         <a:scrgbClr r="0" g="0" b="0"/>
       </a:lnRef>
-      <a:fillRef idx="1">
+      <a:fillRef idx="0">
         <a:scrgbClr r="0" g="0" b="0"/>
       </a:fillRef>
       <a:effectRef idx="0">
+        <a:scrgbClr r="0" g="0" b="0"/>
+      </a:effectRef>
+      <a:fontRef idx="minor"/>
+    </dgm:style>
+  </dgm:styleLbl>
+  <dgm:styleLbl name="parChTrans1D2">
+    <dgm:scene3d>
+      <a:camera prst="orthographicFront"/>
+      <a:lightRig rig="flat" dir="t"/>
+    </dgm:scene3d>
+    <dgm:sp3d prstMaterial="matte"/>
+    <dgm:txPr/>
+    <dgm:style>
+      <a:lnRef idx="2">
+        <a:scrgbClr r="0" g="0" b="0"/>
+      </a:lnRef>
+      <a:fillRef idx="0">
+        <a:scrgbClr r="0" g="0" b="0"/>
+      </a:fillRef>
+      <a:effectRef idx="0">
+        <a:scrgbClr r="0" g="0" b="0"/>
+      </a:effectRef>
+      <a:fontRef idx="minor"/>
+    </dgm:style>
+  </dgm:styleLbl>
+  <dgm:styleLbl name="parChTrans1D3">
+    <dgm:scene3d>
+      <a:camera prst="orthographicFront"/>
+      <a:lightRig rig="flat" dir="t"/>
+    </dgm:scene3d>
+    <dgm:sp3d prstMaterial="matte"/>
+    <dgm:txPr/>
+    <dgm:style>
+      <a:lnRef idx="2">
+        <a:scrgbClr r="0" g="0" b="0"/>
+      </a:lnRef>
+      <a:fillRef idx="0">
+        <a:scrgbClr r="0" g="0" b="0"/>
+      </a:fillRef>
+      <a:effectRef idx="0">
+        <a:scrgbClr r="0" g="0" b="0"/>
+      </a:effectRef>
+      <a:fontRef idx="minor"/>
+    </dgm:style>
+  </dgm:styleLbl>
+  <dgm:styleLbl name="parChTrans1D4">
+    <dgm:scene3d>
+      <a:camera prst="orthographicFront"/>
+      <a:lightRig rig="flat" dir="t"/>
+    </dgm:scene3d>
+    <dgm:sp3d prstMaterial="matte"/>
+    <dgm:txPr/>
+    <dgm:style>
+      <a:lnRef idx="2">
+        <a:scrgbClr r="0" g="0" b="0"/>
+      </a:lnRef>
+      <a:fillRef idx="0">
+        <a:scrgbClr r="0" g="0" b="0"/>
+      </a:fillRef>
+      <a:effectRef idx="0">
+        <a:scrgbClr r="0" g="0" b="0"/>
+      </a:effectRef>
+      <a:fontRef idx="minor"/>
+    </dgm:style>
+  </dgm:styleLbl>
+  <dgm:styleLbl name="fgAcc1">
+    <dgm:scene3d>
+      <a:camera prst="orthographicFront"/>
+      <a:lightRig rig="flat" dir="t"/>
+    </dgm:scene3d>
+    <dgm:sp3d z="190500" extrusionH="12700" prstMaterial="plastic">
+      <a:bevelT w="50800" h="50800"/>
+    </dgm:sp3d>
+    <dgm:txPr/>
+    <dgm:style>
+      <a:lnRef idx="1">
+        <a:scrgbClr r="0" g="0" b="0"/>
+      </a:lnRef>
+      <a:fillRef idx="1">
+        <a:scrgbClr r="0" g="0" b="0"/>
+      </a:fillRef>
+      <a:effectRef idx="2">
+        <a:scrgbClr r="0" g="0" b="0"/>
+      </a:effectRef>
+      <a:fontRef idx="minor"/>
+    </dgm:style>
+  </dgm:styleLbl>
+  <dgm:styleLbl name="conFgAcc1">
+    <dgm:scene3d>
+      <a:camera prst="orthographicFront"/>
+      <a:lightRig rig="flat" dir="t"/>
+    </dgm:scene3d>
+    <dgm:sp3d z="190500" extrusionH="12700" prstMaterial="plastic">
+      <a:bevelT w="50800" h="50800"/>
+    </dgm:sp3d>
+    <dgm:txPr/>
+    <dgm:style>
+      <a:lnRef idx="1">
+        <a:scrgbClr r="0" g="0" b="0"/>
+      </a:lnRef>
+      <a:fillRef idx="1">
+        <a:scrgbClr r="0" g="0" b="0"/>
+      </a:fillRef>
+      <a:effectRef idx="2">
+        <a:scrgbClr r="0" g="0" b="0"/>
+      </a:effectRef>
+      <a:fontRef idx="minor"/>
+    </dgm:style>
+  </dgm:styleLbl>
+  <dgm:styleLbl name="alignAcc1">
+    <dgm:scene3d>
+      <a:camera prst="orthographicFront"/>
+      <a:lightRig rig="flat" dir="t"/>
+    </dgm:scene3d>
+    <dgm:sp3d extrusionH="12700" prstMaterial="plastic">
+      <a:bevelT w="50800" h="50800"/>
+    </dgm:sp3d>
+    <dgm:txPr/>
+    <dgm:style>
+      <a:lnRef idx="1">
+        <a:scrgbClr r="0" g="0" b="0"/>
+      </a:lnRef>
+      <a:fillRef idx="1">
+        <a:scrgbClr r="0" g="0" b="0"/>
+      </a:fillRef>
+      <a:effectRef idx="2">
+        <a:scrgbClr r="0" g="0" b="0"/>
+      </a:effectRef>
+      <a:fontRef idx="minor"/>
+    </dgm:style>
+  </dgm:styleLbl>
+  <dgm:styleLbl name="trAlignAcc1">
+    <dgm:scene3d>
+      <a:camera prst="orthographicFront"/>
+      <a:lightRig rig="flat" dir="t"/>
+    </dgm:scene3d>
+    <dgm:sp3d extrusionH="12700" prstMaterial="plastic">
+      <a:bevelT w="50800" h="50800"/>
+    </dgm:sp3d>
+    <dgm:txPr/>
+    <dgm:style>
+      <a:lnRef idx="1">
+        <a:scrgbClr r="0" g="0" b="0"/>
+      </a:lnRef>
+      <a:fillRef idx="1">
+        <a:scrgbClr r="0" g="0" b="0"/>
+      </a:fillRef>
+      <a:effectRef idx="2">
+        <a:scrgbClr r="0" g="0" b="0"/>
+      </a:effectRef>
+      <a:fontRef idx="minor"/>
+    </dgm:style>
+  </dgm:styleLbl>
+  <dgm:styleLbl name="bgAcc1">
+    <dgm:scene3d>
+      <a:camera prst="orthographicFront"/>
+      <a:lightRig rig="flat" dir="t"/>
+    </dgm:scene3d>
+    <dgm:sp3d z="-190500" extrusionH="12700" prstMaterial="plastic">
+      <a:bevelT w="50800" h="50800"/>
+    </dgm:sp3d>
+    <dgm:txPr/>
+    <dgm:style>
+      <a:lnRef idx="1">
+        <a:scrgbClr r="0" g="0" b="0"/>
+      </a:lnRef>
+      <a:fillRef idx="1">
+        <a:scrgbClr r="0" g="0" b="0"/>
+      </a:fillRef>
+      <a:effectRef idx="2">
+        <a:scrgbClr r="0" g="0" b="0"/>
+      </a:effectRef>
+      <a:fontRef idx="minor"/>
+    </dgm:style>
+  </dgm:styleLbl>
+  <dgm:styleLbl name="solidFgAcc1">
+    <dgm:scene3d>
+      <a:camera prst="orthographicFront"/>
+      <a:lightRig rig="flat" dir="t"/>
+    </dgm:scene3d>
+    <dgm:sp3d z="190500" extrusionH="12700" prstMaterial="plastic">
+      <a:bevelT w="50800" h="50800"/>
+    </dgm:sp3d>
+    <dgm:txPr/>
+    <dgm:style>
+      <a:lnRef idx="1">
+        <a:scrgbClr r="0" g="0" b="0"/>
+      </a:lnRef>
+      <a:fillRef idx="1">
+        <a:scrgbClr r="0" g="0" b="0"/>
+      </a:fillRef>
+      <a:effectRef idx="2">
+        <a:scrgbClr r="0" g="0" b="0"/>
+      </a:effectRef>
+      <a:fontRef idx="minor"/>
+    </dgm:style>
+  </dgm:styleLbl>
+  <dgm:styleLbl name="solidAlignAcc1">
+    <dgm:scene3d>
+      <a:camera prst="orthographicFront"/>
+      <a:lightRig rig="flat" dir="t"/>
+    </dgm:scene3d>
+    <dgm:sp3d extrusionH="12700" prstMaterial="plastic">
+      <a:bevelT w="50800" h="50800"/>
+    </dgm:sp3d>
+    <dgm:txPr/>
+    <dgm:style>
+      <a:lnRef idx="1">
+        <a:scrgbClr r="0" g="0" b="0"/>
+      </a:lnRef>
+      <a:fillRef idx="1">
+        <a:scrgbClr r="0" g="0" b="0"/>
+      </a:fillRef>
+      <a:effectRef idx="2">
+        <a:scrgbClr r="0" g="0" b="0"/>
+      </a:effectRef>
+      <a:fontRef idx="minor"/>
+    </dgm:style>
+  </dgm:styleLbl>
+  <dgm:styleLbl name="solidBgAcc1">
+    <dgm:scene3d>
+      <a:camera prst="orthographicFront"/>
+      <a:lightRig rig="flat" dir="t"/>
+    </dgm:scene3d>
+    <dgm:sp3d z="-190500" extrusionH="12700" prstMaterial="plastic">
+      <a:bevelT w="50800" h="50800"/>
+    </dgm:sp3d>
+    <dgm:txPr/>
+    <dgm:style>
+      <a:lnRef idx="1">
+        <a:scrgbClr r="0" g="0" b="0"/>
+      </a:lnRef>
+      <a:fillRef idx="1">
+        <a:scrgbClr r="0" g="0" b="0"/>
+      </a:fillRef>
+      <a:effectRef idx="2">
+        <a:scrgbClr r="0" g="0" b="0"/>
+      </a:effectRef>
+      <a:fontRef idx="minor"/>
+    </dgm:style>
+  </dgm:styleLbl>
+  <dgm:styleLbl name="fgAccFollowNode1">
+    <dgm:scene3d>
+      <a:camera prst="orthographicFront"/>
+      <a:lightRig rig="flat" dir="t"/>
+    </dgm:scene3d>
+    <dgm:sp3d z="190500" extrusionH="12700" prstMaterial="plastic">
+      <a:bevelT w="50800" h="50800"/>
+    </dgm:sp3d>
+    <dgm:txPr/>
+    <dgm:style>
+      <a:lnRef idx="1">
+        <a:scrgbClr r="0" g="0" b="0"/>
+      </a:lnRef>
+      <a:fillRef idx="1">
+        <a:scrgbClr r="0" g="0" b="0"/>
+      </a:fillRef>
+      <a:effectRef idx="2">
+        <a:scrgbClr r="0" g="0" b="0"/>
+      </a:effectRef>
+      <a:fontRef idx="minor"/>
+    </dgm:style>
+  </dgm:styleLbl>
+  <dgm:styleLbl name="alignAccFollowNode1">
+    <dgm:scene3d>
+      <a:camera prst="orthographicFront"/>
+      <a:lightRig rig="flat" dir="t"/>
+    </dgm:scene3d>
+    <dgm:sp3d extrusionH="12700" prstMaterial="plastic">
+      <a:bevelT w="50800" h="50800"/>
+    </dgm:sp3d>
+    <dgm:txPr/>
+    <dgm:style>
+      <a:lnRef idx="1">
+        <a:scrgbClr r="0" g="0" b="0"/>
+      </a:lnRef>
+      <a:fillRef idx="1">
+        <a:scrgbClr r="0" g="0" b="0"/>
+      </a:fillRef>
+      <a:effectRef idx="2">
+        <a:scrgbClr r="0" g="0" b="0"/>
+      </a:effectRef>
+      <a:fontRef idx="minor"/>
+    </dgm:style>
+  </dgm:styleLbl>
+  <dgm:styleLbl name="bgAccFollowNode1">
+    <dgm:scene3d>
+      <a:camera prst="orthographicFront"/>
+      <a:lightRig rig="flat" dir="t"/>
+    </dgm:scene3d>
+    <dgm:sp3d z="-190500" extrusionH="12700" prstMaterial="plastic">
+      <a:bevelT w="50800" h="50800"/>
+    </dgm:sp3d>
+    <dgm:txPr/>
+    <dgm:style>
+      <a:lnRef idx="1">
+        <a:scrgbClr r="0" g="0" b="0"/>
+      </a:lnRef>
+      <a:fillRef idx="1">
+        <a:scrgbClr r="0" g="0" b="0"/>
+      </a:fillRef>
+      <a:effectRef idx="2">
+        <a:scrgbClr r="0" g="0" b="0"/>
+      </a:effectRef>
+      <a:fontRef idx="minor"/>
+    </dgm:style>
+  </dgm:styleLbl>
+  <dgm:styleLbl name="fgAcc0">
+    <dgm:scene3d>
+      <a:camera prst="orthographicFront"/>
+      <a:lightRig rig="flat" dir="t"/>
+    </dgm:scene3d>
+    <dgm:sp3d z="190500" extrusionH="12700" prstMaterial="plastic">
+      <a:bevelT w="50800" h="50800"/>
+    </dgm:sp3d>
+    <dgm:txPr/>
+    <dgm:style>
+      <a:lnRef idx="1">
+        <a:scrgbClr r="0" g="0" b="0"/>
+      </a:lnRef>
+      <a:fillRef idx="1">
+        <a:scrgbClr r="0" g="0" b="0"/>
+      </a:fillRef>
+      <a:effectRef idx="2">
+        <a:scrgbClr r="0" g="0" b="0"/>
+      </a:effectRef>
+      <a:fontRef idx="minor"/>
+    </dgm:style>
+  </dgm:styleLbl>
+  <dgm:styleLbl name="fgAcc2">
+    <dgm:scene3d>
+      <a:camera prst="orthographicFront"/>
+      <a:lightRig rig="flat" dir="t"/>
+    </dgm:scene3d>
+    <dgm:sp3d z="190500" extrusionH="12700" prstMaterial="plastic">
+      <a:bevelT w="50800" h="50800"/>
+    </dgm:sp3d>
+    <dgm:txPr/>
+    <dgm:style>
+      <a:lnRef idx="1">
+        <a:scrgbClr r="0" g="0" b="0"/>
+      </a:lnRef>
+      <a:fillRef idx="1">
+        <a:scrgbClr r="0" g="0" b="0"/>
+      </a:fillRef>
+      <a:effectRef idx="2">
+        <a:scrgbClr r="0" g="0" b="0"/>
+      </a:effectRef>
+      <a:fontRef idx="minor"/>
+    </dgm:style>
+  </dgm:styleLbl>
+  <dgm:styleLbl name="fgAcc3">
+    <dgm:scene3d>
+      <a:camera prst="orthographicFront"/>
+      <a:lightRig rig="flat" dir="t"/>
+    </dgm:scene3d>
+    <dgm:sp3d z="190500" extrusionH="12700" prstMaterial="plastic">
+      <a:bevelT w="50800" h="50800"/>
+    </dgm:sp3d>
+    <dgm:txPr/>
+    <dgm:style>
+      <a:lnRef idx="1">
+        <a:scrgbClr r="0" g="0" b="0"/>
+      </a:lnRef>
+      <a:fillRef idx="1">
+        <a:scrgbClr r="0" g="0" b="0"/>
+      </a:fillRef>
+      <a:effectRef idx="2">
+        <a:scrgbClr r="0" g="0" b="0"/>
+      </a:effectRef>
+      <a:fontRef idx="minor"/>
+    </dgm:style>
+  </dgm:styleLbl>
+  <dgm:styleLbl name="fgAcc4">
+    <dgm:scene3d>
+      <a:camera prst="orthographicFront"/>
+      <a:lightRig rig="flat" dir="t"/>
+    </dgm:scene3d>
+    <dgm:sp3d z="190500" extrusionH="12700" prstMaterial="plastic">
+      <a:bevelT w="50800" h="50800"/>
+    </dgm:sp3d>
+    <dgm:txPr/>
+    <dgm:style>
+      <a:lnRef idx="1">
+        <a:scrgbClr r="0" g="0" b="0"/>
+      </a:lnRef>
+      <a:fillRef idx="1">
+        <a:scrgbClr r="0" g="0" b="0"/>
+      </a:fillRef>
+      <a:effectRef idx="2">
+        <a:scrgbClr r="0" g="0" b="0"/>
+      </a:effectRef>
+      <a:fontRef idx="minor"/>
+    </dgm:style>
+  </dgm:styleLbl>
+  <dgm:styleLbl name="bgShp">
+    <dgm:scene3d>
+      <a:camera prst="orthographicFront"/>
+      <a:lightRig rig="flat" dir="t"/>
+    </dgm:scene3d>
+    <dgm:sp3d z="-190500" extrusionH="12700" prstMaterial="plastic">
+      <a:bevelT w="50800" h="50800"/>
+    </dgm:sp3d>
+    <dgm:txPr/>
+    <dgm:style>
+      <a:lnRef idx="0">
+        <a:scrgbClr r="0" g="0" b="0"/>
+      </a:lnRef>
+      <a:fillRef idx="3">
+        <a:scrgbClr r="0" g="0" b="0"/>
+      </a:fillRef>
+      <a:effectRef idx="0">
+        <a:scrgbClr r="0" g="0" b="0"/>
+      </a:effectRef>
+      <a:fontRef idx="minor"/>
+    </dgm:style>
+  </dgm:styleLbl>
+  <dgm:styleLbl name="dkBgShp">
+    <dgm:scene3d>
+      <a:camera prst="orthographicFront"/>
+      <a:lightRig rig="flat" dir="t"/>
+    </dgm:scene3d>
+    <dgm:sp3d z="-190500" extrusionH="12700" prstMaterial="plastic">
+      <a:bevelT w="50800" h="50800"/>
+    </dgm:sp3d>
+    <dgm:txPr/>
+    <dgm:style>
+      <a:lnRef idx="0">
+        <a:scrgbClr r="0" g="0" b="0"/>
+      </a:lnRef>
+      <a:fillRef idx="2">
+        <a:scrgbClr r="0" g="0" b="0"/>
+      </a:fillRef>
+      <a:effectRef idx="0">
+        <a:scrgbClr r="0" g="0" b="0"/>
+      </a:effectRef>
+      <a:fontRef idx="minor"/>
+    </dgm:style>
+  </dgm:styleLbl>
+  <dgm:styleLbl name="trBgShp">
+    <dgm:scene3d>
+      <a:camera prst="orthographicFront"/>
+      <a:lightRig rig="flat" dir="t"/>
+    </dgm:scene3d>
+    <dgm:sp3d z="-190500" extrusionH="12700" prstMaterial="matte"/>
+    <dgm:txPr/>
+    <dgm:style>
+      <a:lnRef idx="0">
+        <a:scrgbClr r="0" g="0" b="0"/>
+      </a:lnRef>
+      <a:fillRef idx="1">
+        <a:scrgbClr r="0" g="0" b="0"/>
+      </a:fillRef>
+      <a:effectRef idx="0">
+        <a:scrgbClr r="0" g="0" b="0"/>
+      </a:effectRef>
+      <a:fontRef idx="minor"/>
+    </dgm:style>
+  </dgm:styleLbl>
+  <dgm:styleLbl name="fgShp">
+    <dgm:scene3d>
+      <a:camera prst="orthographicFront"/>
+      <a:lightRig rig="flat" dir="t"/>
+    </dgm:scene3d>
+    <dgm:sp3d z="190500" prstMaterial="plastic">
+      <a:bevelT w="120900" h="88900"/>
+      <a:bevelB w="88900" h="31750" prst="angle"/>
+    </dgm:sp3d>
+    <dgm:txPr/>
+    <dgm:style>
+      <a:lnRef idx="0">
+        <a:scrgbClr r="0" g="0" b="0"/>
+      </a:lnRef>
+      <a:fillRef idx="1">
+        <a:scrgbClr r="0" g="0" b="0"/>
+      </a:fillRef>
+      <a:effectRef idx="3">
         <a:scrgbClr r="0" g="0" b="0"/>
       </a:effectRef>
       <a:fontRef idx="minor">
         <a:schemeClr val="lt1"/>
       </a:fontRef>
-    </dgm:style>
-  </dgm:styleLbl>
-  <dgm:styleLbl name="parChTrans1D1">
-    <dgm:scene3d>
-      <a:camera prst="orthographicFront"/>
-      <a:lightRig rig="threePt" dir="t"/>
-    </dgm:scene3d>
-    <dgm:sp3d/>
-    <dgm:txPr/>
-    <dgm:style>
-      <a:lnRef idx="2">
-        <a:scrgbClr r="0" g="0" b="0"/>
-      </a:lnRef>
-      <a:fillRef idx="0">
-        <a:scrgbClr r="0" g="0" b="0"/>
-      </a:fillRef>
-      <a:effectRef idx="0">
-        <a:scrgbClr r="0" g="0" b="0"/>
-      </a:effectRef>
-      <a:fontRef idx="minor"/>
-    </dgm:style>
-  </dgm:styleLbl>
-  <dgm:styleLbl name="parChTrans1D2">
-    <dgm:scene3d>
-      <a:camera prst="orthographicFront"/>
-      <a:lightRig rig="threePt" dir="t"/>
-    </dgm:scene3d>
-    <dgm:sp3d/>
-    <dgm:txPr/>
-    <dgm:style>
-      <a:lnRef idx="2">
-        <a:scrgbClr r="0" g="0" b="0"/>
-      </a:lnRef>
-      <a:fillRef idx="0">
-        <a:scrgbClr r="0" g="0" b="0"/>
-      </a:fillRef>
-      <a:effectRef idx="0">
-        <a:scrgbClr r="0" g="0" b="0"/>
-      </a:effectRef>
-      <a:fontRef idx="minor"/>
-    </dgm:style>
-  </dgm:styleLbl>
-  <dgm:styleLbl name="parChTrans1D3">
-    <dgm:scene3d>
-      <a:camera prst="orthographicFront"/>
-      <a:lightRig rig="threePt" dir="t"/>
-    </dgm:scene3d>
-    <dgm:sp3d/>
-    <dgm:txPr/>
-    <dgm:style>
-      <a:lnRef idx="2">
-        <a:scrgbClr r="0" g="0" b="0"/>
-      </a:lnRef>
-      <a:fillRef idx="0">
-        <a:scrgbClr r="0" g="0" b="0"/>
-      </a:fillRef>
-      <a:effectRef idx="0">
-        <a:scrgbClr r="0" g="0" b="0"/>
-      </a:effectRef>
-      <a:fontRef idx="minor"/>
-    </dgm:style>
-  </dgm:styleLbl>
-  <dgm:styleLbl name="parChTrans1D4">
-    <dgm:scene3d>
-      <a:camera prst="orthographicFront"/>
-      <a:lightRig rig="threePt" dir="t"/>
-    </dgm:scene3d>
-    <dgm:sp3d/>
-    <dgm:txPr/>
-    <dgm:style>
-      <a:lnRef idx="2">
-        <a:scrgbClr r="0" g="0" b="0"/>
-      </a:lnRef>
-      <a:fillRef idx="0">
-        <a:scrgbClr r="0" g="0" b="0"/>
-      </a:fillRef>
-      <a:effectRef idx="0">
-        <a:scrgbClr r="0" g="0" b="0"/>
-      </a:effectRef>
-      <a:fontRef idx="minor"/>
-    </dgm:style>
-  </dgm:styleLbl>
-  <dgm:styleLbl name="fgAcc1">
-    <dgm:scene3d>
-      <a:camera prst="orthographicFront"/>
-      <a:lightRig rig="threePt" dir="t"/>
-    </dgm:scene3d>
-    <dgm:sp3d/>
-    <dgm:txPr/>
-    <dgm:style>
-      <a:lnRef idx="2">
-        <a:scrgbClr r="0" g="0" b="0"/>
-      </a:lnRef>
-      <a:fillRef idx="1">
-        <a:scrgbClr r="0" g="0" b="0"/>
-      </a:fillRef>
-      <a:effectRef idx="0">
-        <a:scrgbClr r="0" g="0" b="0"/>
-      </a:effectRef>
-      <a:fontRef idx="minor"/>
-    </dgm:style>
-  </dgm:styleLbl>
-  <dgm:styleLbl name="conFgAcc1">
-    <dgm:scene3d>
-      <a:camera prst="orthographicFront"/>
-      <a:lightRig rig="threePt" dir="t"/>
-    </dgm:scene3d>
-    <dgm:sp3d/>
-    <dgm:txPr/>
-    <dgm:style>
-      <a:lnRef idx="2">
-        <a:scrgbClr r="0" g="0" b="0"/>
-      </a:lnRef>
-      <a:fillRef idx="1">
-        <a:scrgbClr r="0" g="0" b="0"/>
-      </a:fillRef>
-      <a:effectRef idx="0">
-        <a:scrgbClr r="0" g="0" b="0"/>
-      </a:effectRef>
-      <a:fontRef idx="minor"/>
-    </dgm:style>
-  </dgm:styleLbl>
-  <dgm:styleLbl name="alignAcc1">
-    <dgm:scene3d>
-      <a:camera prst="orthographicFront"/>
-      <a:lightRig rig="threePt" dir="t"/>
-    </dgm:scene3d>
-    <dgm:sp3d/>
-    <dgm:txPr/>
-    <dgm:style>
-      <a:lnRef idx="2">
-        <a:scrgbClr r="0" g="0" b="0"/>
-      </a:lnRef>
-      <a:fillRef idx="1">
-        <a:scrgbClr r="0" g="0" b="0"/>
-      </a:fillRef>
-      <a:effectRef idx="0">
-        <a:scrgbClr r="0" g="0" b="0"/>
-      </a:effectRef>
-      <a:fontRef idx="minor"/>
-    </dgm:style>
-  </dgm:styleLbl>
-  <dgm:styleLbl name="trAlignAcc1">
-    <dgm:scene3d>
-      <a:camera prst="orthographicFront"/>
-      <a:lightRig rig="threePt" dir="t"/>
-    </dgm:scene3d>
-    <dgm:sp3d/>
-    <dgm:txPr/>
-    <dgm:style>
-      <a:lnRef idx="1">
-        <a:scrgbClr r="0" g="0" b="0"/>
-      </a:lnRef>
-      <a:fillRef idx="1">
-        <a:scrgbClr r="0" g="0" b="0"/>
-      </a:fillRef>
-      <a:effectRef idx="0">
-        <a:scrgbClr r="0" g="0" b="0"/>
-      </a:effectRef>
-      <a:fontRef idx="minor"/>
-    </dgm:style>
-  </dgm:styleLbl>
-  <dgm:styleLbl name="bgAcc1">
-    <dgm:scene3d>
-      <a:camera prst="orthographicFront"/>
-      <a:lightRig rig="threePt" dir="t"/>
-    </dgm:scene3d>
-    <dgm:sp3d/>
-    <dgm:txPr/>
-    <dgm:style>
-      <a:lnRef idx="2">
-        <a:scrgbClr r="0" g="0" b="0"/>
-      </a:lnRef>
-      <a:fillRef idx="1">
-        <a:scrgbClr r="0" g="0" b="0"/>
-      </a:fillRef>
-      <a:effectRef idx="0">
-        <a:scrgbClr r="0" g="0" b="0"/>
-      </a:effectRef>
-      <a:fontRef idx="minor"/>
-    </dgm:style>
-  </dgm:styleLbl>
-  <dgm:styleLbl name="solidFgAcc1">
-    <dgm:scene3d>
-      <a:camera prst="orthographicFront"/>
-      <a:lightRig rig="threePt" dir="t"/>
-    </dgm:scene3d>
-    <dgm:sp3d/>
-    <dgm:txPr/>
-    <dgm:style>
-      <a:lnRef idx="2">
-        <a:scrgbClr r="0" g="0" b="0"/>
-      </a:lnRef>
-      <a:fillRef idx="1">
-        <a:scrgbClr r="0" g="0" b="0"/>
-      </a:fillRef>
-      <a:effectRef idx="0">
-        <a:scrgbClr r="0" g="0" b="0"/>
-      </a:effectRef>
-      <a:fontRef idx="minor"/>
-    </dgm:style>
-  </dgm:styleLbl>
-  <dgm:styleLbl name="solidAlignAcc1">
-    <dgm:scene3d>
-      <a:camera prst="orthographicFront"/>
-      <a:lightRig rig="threePt" dir="t"/>
-    </dgm:scene3d>
-    <dgm:sp3d/>
-    <dgm:txPr/>
-    <dgm:style>
-      <a:lnRef idx="2">
-        <a:scrgbClr r="0" g="0" b="0"/>
-      </a:lnRef>
-      <a:fillRef idx="1">
-        <a:scrgbClr r="0" g="0" b="0"/>
-      </a:fillRef>
-      <a:effectRef idx="0">
-        <a:scrgbClr r="0" g="0" b="0"/>
-      </a:effectRef>
-      <a:fontRef idx="minor"/>
-    </dgm:style>
-  </dgm:styleLbl>
-  <dgm:styleLbl name="solidBgAcc1">
-    <dgm:scene3d>
-      <a:camera prst="orthographicFront"/>
-      <a:lightRig rig="threePt" dir="t"/>
-    </dgm:scene3d>
-    <dgm:sp3d/>
-    <dgm:txPr/>
-    <dgm:style>
-      <a:lnRef idx="2">
-        <a:scrgbClr r="0" g="0" b="0"/>
-      </a:lnRef>
-      <a:fillRef idx="1">
-        <a:scrgbClr r="0" g="0" b="0"/>
-      </a:fillRef>
-      <a:effectRef idx="0">
-        <a:scrgbClr r="0" g="0" b="0"/>
-      </a:effectRef>
-      <a:fontRef idx="minor"/>
-    </dgm:style>
-  </dgm:styleLbl>
-  <dgm:styleLbl name="fgAccFollowNode1">
-    <dgm:scene3d>
-      <a:camera prst="orthographicFront"/>
-      <a:lightRig rig="threePt" dir="t"/>
-    </dgm:scene3d>
-    <dgm:sp3d/>
-    <dgm:txPr/>
-    <dgm:style>
-      <a:lnRef idx="2">
-        <a:scrgbClr r="0" g="0" b="0"/>
-      </a:lnRef>
-      <a:fillRef idx="1">
-        <a:scrgbClr r="0" g="0" b="0"/>
-      </a:fillRef>
-      <a:effectRef idx="0">
-        <a:scrgbClr r="0" g="0" b="0"/>
-      </a:effectRef>
-      <a:fontRef idx="minor"/>
-    </dgm:style>
-  </dgm:styleLbl>
-  <dgm:styleLbl name="alignAccFollowNode1">
-    <dgm:scene3d>
-      <a:camera prst="orthographicFront"/>
-      <a:lightRig rig="threePt" dir="t"/>
-    </dgm:scene3d>
-    <dgm:sp3d/>
-    <dgm:txPr/>
-    <dgm:style>
-      <a:lnRef idx="2">
-        <a:scrgbClr r="0" g="0" b="0"/>
-      </a:lnRef>
-      <a:fillRef idx="1">
-        <a:scrgbClr r="0" g="0" b="0"/>
-      </a:fillRef>
-      <a:effectRef idx="0">
-        <a:scrgbClr r="0" g="0" b="0"/>
-      </a:effectRef>
-      <a:fontRef idx="minor"/>
-    </dgm:style>
-  </dgm:styleLbl>
-  <dgm:styleLbl name="bgAccFollowNode1">
-    <dgm:scene3d>
-      <a:camera prst="orthographicFront"/>
-      <a:lightRig rig="threePt" dir="t"/>
-    </dgm:scene3d>
-    <dgm:sp3d/>
-    <dgm:txPr/>
-    <dgm:style>
-      <a:lnRef idx="2">
-        <a:scrgbClr r="0" g="0" b="0"/>
-      </a:lnRef>
-      <a:fillRef idx="1">
-        <a:scrgbClr r="0" g="0" b="0"/>
-      </a:fillRef>
-      <a:effectRef idx="0">
-        <a:scrgbClr r="0" g="0" b="0"/>
-      </a:effectRef>
-      <a:fontRef idx="minor"/>
-    </dgm:style>
-  </dgm:styleLbl>
-  <dgm:styleLbl name="fgAcc0">
-    <dgm:scene3d>
-      <a:camera prst="orthographicFront"/>
-      <a:lightRig rig="threePt" dir="t"/>
-    </dgm:scene3d>
-    <dgm:sp3d/>
-    <dgm:txPr/>
-    <dgm:style>
-      <a:lnRef idx="2">
-        <a:scrgbClr r="0" g="0" b="0"/>
-      </a:lnRef>
-      <a:fillRef idx="1">
-        <a:scrgbClr r="0" g="0" b="0"/>
-      </a:fillRef>
-      <a:effectRef idx="0">
-        <a:scrgbClr r="0" g="0" b="0"/>
-      </a:effectRef>
-      <a:fontRef idx="minor"/>
-    </dgm:style>
-  </dgm:styleLbl>
-  <dgm:styleLbl name="fgAcc2">
-    <dgm:scene3d>
-      <a:camera prst="orthographicFront"/>
-      <a:lightRig rig="threePt" dir="t"/>
-    </dgm:scene3d>
-    <dgm:sp3d/>
-    <dgm:txPr/>
-    <dgm:style>
-      <a:lnRef idx="2">
-        <a:scrgbClr r="0" g="0" b="0"/>
-      </a:lnRef>
-      <a:fillRef idx="1">
-        <a:scrgbClr r="0" g="0" b="0"/>
-      </a:fillRef>
-      <a:effectRef idx="0">
-        <a:scrgbClr r="0" g="0" b="0"/>
-      </a:effectRef>
-      <a:fontRef idx="minor"/>
-    </dgm:style>
-  </dgm:styleLbl>
-  <dgm:styleLbl name="fgAcc3">
-    <dgm:scene3d>
-      <a:camera prst="orthographicFront"/>
-      <a:lightRig rig="threePt" dir="t"/>
-    </dgm:scene3d>
-    <dgm:sp3d/>
-    <dgm:txPr/>
-    <dgm:style>
-      <a:lnRef idx="2">
-        <a:scrgbClr r="0" g="0" b="0"/>
-      </a:lnRef>
-      <a:fillRef idx="1">
-        <a:scrgbClr r="0" g="0" b="0"/>
-      </a:fillRef>
-      <a:effectRef idx="0">
-        <a:scrgbClr r="0" g="0" b="0"/>
-      </a:effectRef>
-      <a:fontRef idx="minor"/>
-    </dgm:style>
-  </dgm:styleLbl>
-  <dgm:styleLbl name="fgAcc4">
-    <dgm:scene3d>
-      <a:camera prst="orthographicFront"/>
-      <a:lightRig rig="threePt" dir="t"/>
-    </dgm:scene3d>
-    <dgm:sp3d/>
-    <dgm:txPr/>
-    <dgm:style>
-      <a:lnRef idx="2">
-        <a:scrgbClr r="0" g="0" b="0"/>
-      </a:lnRef>
-      <a:fillRef idx="1">
-        <a:scrgbClr r="0" g="0" b="0"/>
-      </a:fillRef>
-      <a:effectRef idx="0">
-        <a:scrgbClr r="0" g="0" b="0"/>
-      </a:effectRef>
-      <a:fontRef idx="minor"/>
-    </dgm:style>
-  </dgm:styleLbl>
-  <dgm:styleLbl name="bgShp">
-    <dgm:scene3d>
-      <a:camera prst="orthographicFront"/>
-      <a:lightRig rig="threePt" dir="t"/>
-    </dgm:scene3d>
-    <dgm:sp3d/>
-    <dgm:txPr/>
-    <dgm:style>
-      <a:lnRef idx="0">
-        <a:scrgbClr r="0" g="0" b="0"/>
-      </a:lnRef>
-      <a:fillRef idx="1">
-        <a:scrgbClr r="0" g="0" b="0"/>
-      </a:fillRef>
-      <a:effectRef idx="0">
-        <a:scrgbClr r="0" g="0" b="0"/>
-      </a:effectRef>
-      <a:fontRef idx="minor"/>
-    </dgm:style>
-  </dgm:styleLbl>
-  <dgm:styleLbl name="dkBgShp">
-    <dgm:scene3d>
-      <a:camera prst="orthographicFront"/>
-      <a:lightRig rig="threePt" dir="t"/>
-    </dgm:scene3d>
-    <dgm:sp3d/>
-    <dgm:txPr/>
-    <dgm:style>
-      <a:lnRef idx="0">
-        <a:scrgbClr r="0" g="0" b="0"/>
-      </a:lnRef>
-      <a:fillRef idx="1">
-        <a:scrgbClr r="0" g="0" b="0"/>
-      </a:fillRef>
-      <a:effectRef idx="0">
-        <a:scrgbClr r="0" g="0" b="0"/>
-      </a:effectRef>
-      <a:fontRef idx="minor"/>
-    </dgm:style>
-  </dgm:styleLbl>
-  <dgm:styleLbl name="trBgShp">
-    <dgm:scene3d>
-      <a:camera prst="orthographicFront"/>
-      <a:lightRig rig="threePt" dir="t"/>
-    </dgm:scene3d>
-    <dgm:sp3d/>
-    <dgm:txPr/>
-    <dgm:style>
-      <a:lnRef idx="0">
-        <a:scrgbClr r="0" g="0" b="0"/>
-      </a:lnRef>
-      <a:fillRef idx="1">
-        <a:scrgbClr r="0" g="0" b="0"/>
-      </a:fillRef>
-      <a:effectRef idx="0">
-        <a:scrgbClr r="0" g="0" b="0"/>
-      </a:effectRef>
-      <a:fontRef idx="minor"/>
-    </dgm:style>
-  </dgm:styleLbl>
-  <dgm:styleLbl name="fgShp">
-    <dgm:scene3d>
-      <a:camera prst="orthographicFront"/>
-      <a:lightRig rig="threePt" dir="t"/>
-    </dgm:scene3d>
-    <dgm:sp3d/>
-    <dgm:txPr/>
-    <dgm:style>
-      <a:lnRef idx="2">
-        <a:scrgbClr r="0" g="0" b="0"/>
-      </a:lnRef>
-      <a:fillRef idx="1">
-        <a:scrgbClr r="0" g="0" b="0"/>
-      </a:fillRef>
-      <a:effectRef idx="0">
-        <a:scrgbClr r="0" g="0" b="0"/>
-      </a:effectRef>
-      <a:fontRef idx="minor"/>
     </dgm:style>
   </dgm:styleLbl>
   <dgm:styleLbl name="revTx">
@@ -3051,10 +3229,9 @@
           </a:lstStyle>
           <a:p>
             <a:r>
-              <a:rPr lang="da-DK" smtClean="0"/>
+              <a:rPr lang="da-DK"/>
               <a:t>Klik for at redigere i master</a:t>
             </a:r>
-            <a:endParaRPr lang="da-DK"/>
           </a:p>
         </p:txBody>
       </p:sp>
@@ -3116,10 +3293,9 @@
           </a:lstStyle>
           <a:p>
             <a:r>
-              <a:rPr lang="da-DK" smtClean="0"/>
+              <a:rPr lang="da-DK"/>
               <a:t>Klik for at redigere undertiteltypografien i masteren</a:t>
             </a:r>
-            <a:endParaRPr lang="da-DK"/>
           </a:p>
         </p:txBody>
       </p:sp>
@@ -3140,7 +3316,7 @@
           <a:p>
             <a:fld id="{E15B7D8E-2A20-4C0E-991C-872DBB7459A8}" type="datetimeFigureOut">
               <a:rPr lang="da-DK" smtClean="0"/>
-              <a:t>31-01-2018</a:t>
+              <a:t>20-08-2022</a:t>
             </a:fld>
             <a:endParaRPr lang="da-DK"/>
           </a:p>
@@ -3234,10 +3410,9 @@
           <a:lstStyle/>
           <a:p>
             <a:r>
-              <a:rPr lang="da-DK" smtClean="0"/>
+              <a:rPr lang="da-DK"/>
               <a:t>Klik for at redigere i master</a:t>
             </a:r>
-            <a:endParaRPr lang="da-DK"/>
           </a:p>
         </p:txBody>
       </p:sp>
@@ -3258,38 +3433,37 @@
           <a:p>
             <a:pPr lvl="0"/>
             <a:r>
-              <a:rPr lang="da-DK" smtClean="0"/>
+              <a:rPr lang="da-DK"/>
               <a:t>Rediger typografien i masterens</a:t>
             </a:r>
           </a:p>
           <a:p>
             <a:pPr lvl="1"/>
             <a:r>
-              <a:rPr lang="da-DK" smtClean="0"/>
+              <a:rPr lang="da-DK"/>
               <a:t>Andet niveau</a:t>
             </a:r>
           </a:p>
           <a:p>
             <a:pPr lvl="2"/>
             <a:r>
-              <a:rPr lang="da-DK" smtClean="0"/>
+              <a:rPr lang="da-DK"/>
               <a:t>Tredje niveau</a:t>
             </a:r>
           </a:p>
           <a:p>
             <a:pPr lvl="3"/>
             <a:r>
-              <a:rPr lang="da-DK" smtClean="0"/>
+              <a:rPr lang="da-DK"/>
               <a:t>Fjerde niveau</a:t>
             </a:r>
           </a:p>
           <a:p>
             <a:pPr lvl="4"/>
             <a:r>
-              <a:rPr lang="da-DK" smtClean="0"/>
+              <a:rPr lang="da-DK"/>
               <a:t>Femte niveau</a:t>
             </a:r>
-            <a:endParaRPr lang="da-DK"/>
           </a:p>
         </p:txBody>
       </p:sp>
@@ -3310,7 +3484,7 @@
           <a:p>
             <a:fld id="{E15B7D8E-2A20-4C0E-991C-872DBB7459A8}" type="datetimeFigureOut">
               <a:rPr lang="da-DK" smtClean="0"/>
-              <a:t>31-01-2018</a:t>
+              <a:t>20-08-2022</a:t>
             </a:fld>
             <a:endParaRPr lang="da-DK"/>
           </a:p>
@@ -3409,10 +3583,9 @@
           <a:lstStyle/>
           <a:p>
             <a:r>
-              <a:rPr lang="da-DK" smtClean="0"/>
+              <a:rPr lang="da-DK"/>
               <a:t>Klik for at redigere i master</a:t>
             </a:r>
-            <a:endParaRPr lang="da-DK"/>
           </a:p>
         </p:txBody>
       </p:sp>
@@ -3438,38 +3611,37 @@
           <a:p>
             <a:pPr lvl="0"/>
             <a:r>
-              <a:rPr lang="da-DK" smtClean="0"/>
+              <a:rPr lang="da-DK"/>
               <a:t>Rediger typografien i masterens</a:t>
             </a:r>
           </a:p>
           <a:p>
             <a:pPr lvl="1"/>
             <a:r>
-              <a:rPr lang="da-DK" smtClean="0"/>
+              <a:rPr lang="da-DK"/>
               <a:t>Andet niveau</a:t>
             </a:r>
           </a:p>
           <a:p>
             <a:pPr lvl="2"/>
             <a:r>
-              <a:rPr lang="da-DK" smtClean="0"/>
+              <a:rPr lang="da-DK"/>
               <a:t>Tredje niveau</a:t>
             </a:r>
           </a:p>
           <a:p>
             <a:pPr lvl="3"/>
             <a:r>
-              <a:rPr lang="da-DK" smtClean="0"/>
+              <a:rPr lang="da-DK"/>
               <a:t>Fjerde niveau</a:t>
             </a:r>
           </a:p>
           <a:p>
             <a:pPr lvl="4"/>
             <a:r>
-              <a:rPr lang="da-DK" smtClean="0"/>
+              <a:rPr lang="da-DK"/>
               <a:t>Femte niveau</a:t>
             </a:r>
-            <a:endParaRPr lang="da-DK"/>
           </a:p>
         </p:txBody>
       </p:sp>
@@ -3490,7 +3662,7 @@
           <a:p>
             <a:fld id="{E15B7D8E-2A20-4C0E-991C-872DBB7459A8}" type="datetimeFigureOut">
               <a:rPr lang="da-DK" smtClean="0"/>
-              <a:t>31-01-2018</a:t>
+              <a:t>20-08-2022</a:t>
             </a:fld>
             <a:endParaRPr lang="da-DK"/>
           </a:p>
@@ -3584,10 +3756,9 @@
           <a:lstStyle/>
           <a:p>
             <a:r>
-              <a:rPr lang="da-DK" smtClean="0"/>
+              <a:rPr lang="da-DK"/>
               <a:t>Klik for at redigere i master</a:t>
             </a:r>
-            <a:endParaRPr lang="da-DK"/>
           </a:p>
         </p:txBody>
       </p:sp>
@@ -3608,38 +3779,37 @@
           <a:p>
             <a:pPr lvl="0"/>
             <a:r>
-              <a:rPr lang="da-DK" smtClean="0"/>
+              <a:rPr lang="da-DK"/>
               <a:t>Rediger typografien i masterens</a:t>
             </a:r>
           </a:p>
           <a:p>
             <a:pPr lvl="1"/>
             <a:r>
-              <a:rPr lang="da-DK" smtClean="0"/>
+              <a:rPr lang="da-DK"/>
               <a:t>Andet niveau</a:t>
             </a:r>
           </a:p>
           <a:p>
             <a:pPr lvl="2"/>
             <a:r>
-              <a:rPr lang="da-DK" smtClean="0"/>
+              <a:rPr lang="da-DK"/>
               <a:t>Tredje niveau</a:t>
             </a:r>
           </a:p>
           <a:p>
             <a:pPr lvl="3"/>
             <a:r>
-              <a:rPr lang="da-DK" smtClean="0"/>
+              <a:rPr lang="da-DK"/>
               <a:t>Fjerde niveau</a:t>
             </a:r>
           </a:p>
           <a:p>
             <a:pPr lvl="4"/>
             <a:r>
-              <a:rPr lang="da-DK" smtClean="0"/>
+              <a:rPr lang="da-DK"/>
               <a:t>Femte niveau</a:t>
             </a:r>
-            <a:endParaRPr lang="da-DK"/>
           </a:p>
         </p:txBody>
       </p:sp>
@@ -3660,7 +3830,7 @@
           <a:p>
             <a:fld id="{E15B7D8E-2A20-4C0E-991C-872DBB7459A8}" type="datetimeFigureOut">
               <a:rPr lang="da-DK" smtClean="0"/>
-              <a:t>31-01-2018</a:t>
+              <a:t>20-08-2022</a:t>
             </a:fld>
             <a:endParaRPr lang="da-DK"/>
           </a:p>
@@ -3763,10 +3933,9 @@
           </a:lstStyle>
           <a:p>
             <a:r>
-              <a:rPr lang="da-DK" smtClean="0"/>
+              <a:rPr lang="da-DK"/>
               <a:t>Klik for at redigere i master</a:t>
             </a:r>
-            <a:endParaRPr lang="da-DK"/>
           </a:p>
         </p:txBody>
       </p:sp>
@@ -3883,7 +4052,7 @@
           <a:p>
             <a:pPr lvl="0"/>
             <a:r>
-              <a:rPr lang="da-DK" smtClean="0"/>
+              <a:rPr lang="da-DK"/>
               <a:t>Rediger typografien i masterens</a:t>
             </a:r>
           </a:p>
@@ -3906,7 +4075,7 @@
           <a:p>
             <a:fld id="{E15B7D8E-2A20-4C0E-991C-872DBB7459A8}" type="datetimeFigureOut">
               <a:rPr lang="da-DK" smtClean="0"/>
-              <a:t>31-01-2018</a:t>
+              <a:t>20-08-2022</a:t>
             </a:fld>
             <a:endParaRPr lang="da-DK"/>
           </a:p>
@@ -4000,10 +4169,9 @@
           <a:lstStyle/>
           <a:p>
             <a:r>
-              <a:rPr lang="da-DK" smtClean="0"/>
+              <a:rPr lang="da-DK"/>
               <a:t>Klik for at redigere i master</a:t>
             </a:r>
-            <a:endParaRPr lang="da-DK"/>
           </a:p>
         </p:txBody>
       </p:sp>
@@ -4029,38 +4197,37 @@
           <a:p>
             <a:pPr lvl="0"/>
             <a:r>
-              <a:rPr lang="da-DK" smtClean="0"/>
+              <a:rPr lang="da-DK"/>
               <a:t>Rediger typografien i masterens</a:t>
             </a:r>
           </a:p>
           <a:p>
             <a:pPr lvl="1"/>
             <a:r>
-              <a:rPr lang="da-DK" smtClean="0"/>
+              <a:rPr lang="da-DK"/>
               <a:t>Andet niveau</a:t>
             </a:r>
           </a:p>
           <a:p>
             <a:pPr lvl="2"/>
             <a:r>
-              <a:rPr lang="da-DK" smtClean="0"/>
+              <a:rPr lang="da-DK"/>
               <a:t>Tredje niveau</a:t>
             </a:r>
           </a:p>
           <a:p>
             <a:pPr lvl="3"/>
             <a:r>
-              <a:rPr lang="da-DK" smtClean="0"/>
+              <a:rPr lang="da-DK"/>
               <a:t>Fjerde niveau</a:t>
             </a:r>
           </a:p>
           <a:p>
             <a:pPr lvl="4"/>
             <a:r>
-              <a:rPr lang="da-DK" smtClean="0"/>
+              <a:rPr lang="da-DK"/>
               <a:t>Femte niveau</a:t>
             </a:r>
-            <a:endParaRPr lang="da-DK"/>
           </a:p>
         </p:txBody>
       </p:sp>
@@ -4086,38 +4253,37 @@
           <a:p>
             <a:pPr lvl="0"/>
             <a:r>
-              <a:rPr lang="da-DK" smtClean="0"/>
+              <a:rPr lang="da-DK"/>
               <a:t>Rediger typografien i masterens</a:t>
             </a:r>
           </a:p>
           <a:p>
             <a:pPr lvl="1"/>
             <a:r>
-              <a:rPr lang="da-DK" smtClean="0"/>
+              <a:rPr lang="da-DK"/>
               <a:t>Andet niveau</a:t>
             </a:r>
           </a:p>
           <a:p>
             <a:pPr lvl="2"/>
             <a:r>
-              <a:rPr lang="da-DK" smtClean="0"/>
+              <a:rPr lang="da-DK"/>
               <a:t>Tredje niveau</a:t>
             </a:r>
           </a:p>
           <a:p>
             <a:pPr lvl="3"/>
             <a:r>
-              <a:rPr lang="da-DK" smtClean="0"/>
+              <a:rPr lang="da-DK"/>
               <a:t>Fjerde niveau</a:t>
             </a:r>
           </a:p>
           <a:p>
             <a:pPr lvl="4"/>
             <a:r>
-              <a:rPr lang="da-DK" smtClean="0"/>
+              <a:rPr lang="da-DK"/>
               <a:t>Femte niveau</a:t>
             </a:r>
-            <a:endParaRPr lang="da-DK"/>
           </a:p>
         </p:txBody>
       </p:sp>
@@ -4138,7 +4304,7 @@
           <a:p>
             <a:fld id="{E15B7D8E-2A20-4C0E-991C-872DBB7459A8}" type="datetimeFigureOut">
               <a:rPr lang="da-DK" smtClean="0"/>
-              <a:t>31-01-2018</a:t>
+              <a:t>20-08-2022</a:t>
             </a:fld>
             <a:endParaRPr lang="da-DK"/>
           </a:p>
@@ -4237,10 +4403,9 @@
           <a:lstStyle/>
           <a:p>
             <a:r>
-              <a:rPr lang="da-DK" smtClean="0"/>
+              <a:rPr lang="da-DK"/>
               <a:t>Klik for at redigere i master</a:t>
             </a:r>
-            <a:endParaRPr lang="da-DK"/>
           </a:p>
         </p:txBody>
       </p:sp>
@@ -4303,7 +4468,7 @@
           <a:p>
             <a:pPr lvl="0"/>
             <a:r>
-              <a:rPr lang="da-DK" smtClean="0"/>
+              <a:rPr lang="da-DK"/>
               <a:t>Rediger typografien i masterens</a:t>
             </a:r>
           </a:p>
@@ -4331,38 +4496,37 @@
           <a:p>
             <a:pPr lvl="0"/>
             <a:r>
-              <a:rPr lang="da-DK" smtClean="0"/>
+              <a:rPr lang="da-DK"/>
               <a:t>Rediger typografien i masterens</a:t>
             </a:r>
           </a:p>
           <a:p>
             <a:pPr lvl="1"/>
             <a:r>
-              <a:rPr lang="da-DK" smtClean="0"/>
+              <a:rPr lang="da-DK"/>
               <a:t>Andet niveau</a:t>
             </a:r>
           </a:p>
           <a:p>
             <a:pPr lvl="2"/>
             <a:r>
-              <a:rPr lang="da-DK" smtClean="0"/>
+              <a:rPr lang="da-DK"/>
               <a:t>Tredje niveau</a:t>
             </a:r>
           </a:p>
           <a:p>
             <a:pPr lvl="3"/>
             <a:r>
-              <a:rPr lang="da-DK" smtClean="0"/>
+              <a:rPr lang="da-DK"/>
               <a:t>Fjerde niveau</a:t>
             </a:r>
           </a:p>
           <a:p>
             <a:pPr lvl="4"/>
             <a:r>
-              <a:rPr lang="da-DK" smtClean="0"/>
+              <a:rPr lang="da-DK"/>
               <a:t>Femte niveau</a:t>
             </a:r>
-            <a:endParaRPr lang="da-DK"/>
           </a:p>
         </p:txBody>
       </p:sp>
@@ -4425,7 +4589,7 @@
           <a:p>
             <a:pPr lvl="0"/>
             <a:r>
-              <a:rPr lang="da-DK" smtClean="0"/>
+              <a:rPr lang="da-DK"/>
               <a:t>Rediger typografien i masterens</a:t>
             </a:r>
           </a:p>
@@ -4453,38 +4617,37 @@
           <a:p>
             <a:pPr lvl="0"/>
             <a:r>
-              <a:rPr lang="da-DK" smtClean="0"/>
+              <a:rPr lang="da-DK"/>
               <a:t>Rediger typografien i masterens</a:t>
             </a:r>
           </a:p>
           <a:p>
             <a:pPr lvl="1"/>
             <a:r>
-              <a:rPr lang="da-DK" smtClean="0"/>
+              <a:rPr lang="da-DK"/>
               <a:t>Andet niveau</a:t>
             </a:r>
           </a:p>
           <a:p>
             <a:pPr lvl="2"/>
             <a:r>
-              <a:rPr lang="da-DK" smtClean="0"/>
+              <a:rPr lang="da-DK"/>
               <a:t>Tredje niveau</a:t>
             </a:r>
           </a:p>
           <a:p>
             <a:pPr lvl="3"/>
             <a:r>
-              <a:rPr lang="da-DK" smtClean="0"/>
+              <a:rPr lang="da-DK"/>
               <a:t>Fjerde niveau</a:t>
             </a:r>
           </a:p>
           <a:p>
             <a:pPr lvl="4"/>
             <a:r>
-              <a:rPr lang="da-DK" smtClean="0"/>
+              <a:rPr lang="da-DK"/>
               <a:t>Femte niveau</a:t>
             </a:r>
-            <a:endParaRPr lang="da-DK"/>
           </a:p>
         </p:txBody>
       </p:sp>
@@ -4505,7 +4668,7 @@
           <a:p>
             <a:fld id="{E15B7D8E-2A20-4C0E-991C-872DBB7459A8}" type="datetimeFigureOut">
               <a:rPr lang="da-DK" smtClean="0"/>
-              <a:t>31-01-2018</a:t>
+              <a:t>20-08-2022</a:t>
             </a:fld>
             <a:endParaRPr lang="da-DK"/>
           </a:p>
@@ -4599,10 +4762,9 @@
           <a:lstStyle/>
           <a:p>
             <a:r>
-              <a:rPr lang="da-DK" smtClean="0"/>
+              <a:rPr lang="da-DK"/>
               <a:t>Klik for at redigere i master</a:t>
             </a:r>
-            <a:endParaRPr lang="da-DK"/>
           </a:p>
         </p:txBody>
       </p:sp>
@@ -4623,7 +4785,7 @@
           <a:p>
             <a:fld id="{E15B7D8E-2A20-4C0E-991C-872DBB7459A8}" type="datetimeFigureOut">
               <a:rPr lang="da-DK" smtClean="0"/>
-              <a:t>31-01-2018</a:t>
+              <a:t>20-08-2022</a:t>
             </a:fld>
             <a:endParaRPr lang="da-DK"/>
           </a:p>
@@ -4718,7 +4880,7 @@
           <a:p>
             <a:fld id="{E15B7D8E-2A20-4C0E-991C-872DBB7459A8}" type="datetimeFigureOut">
               <a:rPr lang="da-DK" smtClean="0"/>
-              <a:t>31-01-2018</a:t>
+              <a:t>20-08-2022</a:t>
             </a:fld>
             <a:endParaRPr lang="da-DK"/>
           </a:p>
@@ -4821,10 +4983,9 @@
           </a:lstStyle>
           <a:p>
             <a:r>
-              <a:rPr lang="da-DK" smtClean="0"/>
+              <a:rPr lang="da-DK"/>
               <a:t>Klik for at redigere i master</a:t>
             </a:r>
-            <a:endParaRPr lang="da-DK"/>
           </a:p>
         </p:txBody>
       </p:sp>
@@ -4878,38 +5039,37 @@
           <a:p>
             <a:pPr lvl="0"/>
             <a:r>
-              <a:rPr lang="da-DK" smtClean="0"/>
+              <a:rPr lang="da-DK"/>
               <a:t>Rediger typografien i masterens</a:t>
             </a:r>
           </a:p>
           <a:p>
             <a:pPr lvl="1"/>
             <a:r>
-              <a:rPr lang="da-DK" smtClean="0"/>
+              <a:rPr lang="da-DK"/>
               <a:t>Andet niveau</a:t>
             </a:r>
           </a:p>
           <a:p>
             <a:pPr lvl="2"/>
             <a:r>
-              <a:rPr lang="da-DK" smtClean="0"/>
+              <a:rPr lang="da-DK"/>
               <a:t>Tredje niveau</a:t>
             </a:r>
           </a:p>
           <a:p>
             <a:pPr lvl="3"/>
             <a:r>
-              <a:rPr lang="da-DK" smtClean="0"/>
+              <a:rPr lang="da-DK"/>
               <a:t>Fjerde niveau</a:t>
             </a:r>
           </a:p>
           <a:p>
             <a:pPr lvl="4"/>
             <a:r>
-              <a:rPr lang="da-DK" smtClean="0"/>
+              <a:rPr lang="da-DK"/>
               <a:t>Femte niveau</a:t>
             </a:r>
-            <a:endParaRPr lang="da-DK"/>
           </a:p>
         </p:txBody>
       </p:sp>
@@ -4972,7 +5132,7 @@
           <a:p>
             <a:pPr lvl="0"/>
             <a:r>
-              <a:rPr lang="da-DK" smtClean="0"/>
+              <a:rPr lang="da-DK"/>
               <a:t>Rediger typografien i masterens</a:t>
             </a:r>
           </a:p>
@@ -4995,7 +5155,7 @@
           <a:p>
             <a:fld id="{E15B7D8E-2A20-4C0E-991C-872DBB7459A8}" type="datetimeFigureOut">
               <a:rPr lang="da-DK" smtClean="0"/>
-              <a:t>31-01-2018</a:t>
+              <a:t>20-08-2022</a:t>
             </a:fld>
             <a:endParaRPr lang="da-DK"/>
           </a:p>
@@ -5098,10 +5258,9 @@
           </a:lstStyle>
           <a:p>
             <a:r>
-              <a:rPr lang="da-DK" smtClean="0"/>
+              <a:rPr lang="da-DK"/>
               <a:t>Klik for at redigere i master</a:t>
             </a:r>
-            <a:endParaRPr lang="da-DK"/>
           </a:p>
         </p:txBody>
       </p:sp>
@@ -5225,7 +5384,7 @@
           <a:p>
             <a:pPr lvl="0"/>
             <a:r>
-              <a:rPr lang="da-DK" smtClean="0"/>
+              <a:rPr lang="da-DK"/>
               <a:t>Rediger typografien i masterens</a:t>
             </a:r>
           </a:p>
@@ -5248,7 +5407,7 @@
           <a:p>
             <a:fld id="{E15B7D8E-2A20-4C0E-991C-872DBB7459A8}" type="datetimeFigureOut">
               <a:rPr lang="da-DK" smtClean="0"/>
-              <a:t>31-01-2018</a:t>
+              <a:t>20-08-2022</a:t>
             </a:fld>
             <a:endParaRPr lang="da-DK"/>
           </a:p>
@@ -5357,10 +5516,9 @@
           <a:lstStyle/>
           <a:p>
             <a:r>
-              <a:rPr lang="da-DK" smtClean="0"/>
+              <a:rPr lang="da-DK"/>
               <a:t>Klik for at redigere i master</a:t>
             </a:r>
-            <a:endParaRPr lang="da-DK"/>
           </a:p>
         </p:txBody>
       </p:sp>
@@ -5391,38 +5549,37 @@
           <a:p>
             <a:pPr lvl="0"/>
             <a:r>
-              <a:rPr lang="da-DK" smtClean="0"/>
+              <a:rPr lang="da-DK"/>
               <a:t>Rediger typografien i masterens</a:t>
             </a:r>
           </a:p>
           <a:p>
             <a:pPr lvl="1"/>
             <a:r>
-              <a:rPr lang="da-DK" smtClean="0"/>
+              <a:rPr lang="da-DK"/>
               <a:t>Andet niveau</a:t>
             </a:r>
           </a:p>
           <a:p>
             <a:pPr lvl="2"/>
             <a:r>
-              <a:rPr lang="da-DK" smtClean="0"/>
+              <a:rPr lang="da-DK"/>
               <a:t>Tredje niveau</a:t>
             </a:r>
           </a:p>
           <a:p>
             <a:pPr lvl="3"/>
             <a:r>
-              <a:rPr lang="da-DK" smtClean="0"/>
+              <a:rPr lang="da-DK"/>
               <a:t>Fjerde niveau</a:t>
             </a:r>
           </a:p>
           <a:p>
             <a:pPr lvl="4"/>
             <a:r>
-              <a:rPr lang="da-DK" smtClean="0"/>
+              <a:rPr lang="da-DK"/>
               <a:t>Femte niveau</a:t>
             </a:r>
-            <a:endParaRPr lang="da-DK"/>
           </a:p>
         </p:txBody>
       </p:sp>
@@ -5461,7 +5618,7 @@
           <a:p>
             <a:fld id="{E15B7D8E-2A20-4C0E-991C-872DBB7459A8}" type="datetimeFigureOut">
               <a:rPr lang="da-DK" smtClean="0"/>
-              <a:t>31-01-2018</a:t>
+              <a:t>20-08-2022</a:t>
             </a:fld>
             <a:endParaRPr lang="da-DK"/>
           </a:p>
@@ -5882,10 +6039,9 @@
           <a:lstStyle/>
           <a:p>
             <a:r>
-              <a:rPr lang="da-DK" smtClean="0"/>
+              <a:rPr lang="da-DK"/>
               <a:t>Software Tools</a:t>
             </a:r>
-            <a:endParaRPr lang="da-DK"/>
           </a:p>
         </p:txBody>
       </p:sp>
@@ -5899,13 +6055,6 @@
   <p:clrMapOvr>
     <a:masterClrMapping/>
   </p:clrMapOvr>
-  <p:timing>
-    <p:tnLst>
-      <p:par>
-        <p:cTn id="1" dur="indefinite" restart="never" nodeType="tmRoot"/>
-      </p:par>
-    </p:tnLst>
-  </p:timing>
 </p:sld>
 </file>
 
@@ -5942,10 +6091,9 @@
           <a:lstStyle/>
           <a:p>
             <a:r>
-              <a:rPr lang="da-DK" smtClean="0"/>
+              <a:rPr lang="da-DK"/>
               <a:t>Overall purpose</a:t>
             </a:r>
-            <a:endParaRPr lang="da-DK"/>
           </a:p>
         </p:txBody>
       </p:sp>
@@ -6097,18 +6245,10 @@
                   <a:srgbClr val="FF0000"/>
                 </a:solidFill>
               </a:rPr>
-              <a:t>logic </a:t>
-            </a:r>
-            <a:r>
-              <a:rPr lang="en-US">
-                <a:solidFill>
-                  <a:srgbClr val="FF0000"/>
-                </a:solidFill>
-              </a:rPr>
-              <a:t>errors</a:t>
-            </a:r>
-            <a:r>
-              <a:rPr lang="en-US" smtClean="0"/>
+              <a:t>logic errors</a:t>
+            </a:r>
+            <a:r>
+              <a:rPr lang="en-US"/>
               <a:t>)</a:t>
             </a:r>
             <a:endParaRPr lang="da-DK"/>
@@ -6125,10 +6265,331 @@
   <p:clrMapOvr>
     <a:masterClrMapping/>
   </p:clrMapOvr>
+  <mc:AlternateContent xmlns:mc="http://schemas.openxmlformats.org/markup-compatibility/2006">
+    <mc:Choice xmlns:p14="http://schemas.microsoft.com/office/powerpoint/2010/main" Requires="p14">
+      <p:transition spd="med" p14:dur="700">
+        <p:fade/>
+      </p:transition>
+    </mc:Choice>
+    <mc:Fallback>
+      <p:transition spd="med">
+        <p:fade/>
+      </p:transition>
+    </mc:Fallback>
+  </mc:AlternateContent>
 </p:sld>
 </file>
 
 <file path=ppt/slides/slide3.xml><?xml version="1.0" encoding="utf-8"?>
+<p:sld xmlns:a="http://schemas.openxmlformats.org/drawingml/2006/main" xmlns:r="http://schemas.openxmlformats.org/officeDocument/2006/relationships" xmlns:p="http://schemas.openxmlformats.org/presentationml/2006/main">
+  <p:cSld>
+    <p:bg>
+      <p:bgPr>
+        <a:solidFill>
+          <a:schemeClr val="bg1"/>
+        </a:solidFill>
+        <a:effectLst/>
+      </p:bgPr>
+    </p:bg>
+    <p:spTree>
+      <p:nvGrpSpPr>
+        <p:cNvPr id="1" name=""/>
+        <p:cNvGrpSpPr/>
+        <p:nvPr/>
+      </p:nvGrpSpPr>
+      <p:grpSpPr>
+        <a:xfrm>
+          <a:off x="0" y="0"/>
+          <a:ext cx="0" cy="0"/>
+          <a:chOff x="0" y="0"/>
+          <a:chExt cx="0" cy="0"/>
+        </a:xfrm>
+      </p:grpSpPr>
+      <p:sp>
+        <p:nvSpPr>
+          <p:cNvPr id="1031" name="Freeform: Shape 1030">
+            <a:extLst>
+              <a:ext uri="{FF2B5EF4-FFF2-40B4-BE49-F238E27FC236}">
+                <a16:creationId xmlns:a16="http://schemas.microsoft.com/office/drawing/2014/main" id="{B670DBD5-770C-4383-9F54-5B86E86BD5BB}"/>
+              </a:ext>
+              <a:ext uri="{C183D7F6-B498-43B3-948B-1728B52AA6E4}">
+                <adec:decorative xmlns:adec="http://schemas.microsoft.com/office/drawing/2017/decorative" val="1"/>
+              </a:ext>
+            </a:extLst>
+          </p:cNvPr>
+          <p:cNvSpPr>
+            <a:spLocks noGrp="1" noRot="1" noChangeAspect="1" noMove="1" noResize="1" noEditPoints="1" noAdjustHandles="1" noChangeArrowheads="1" noChangeShapeType="1" noTextEdit="1"/>
+          </p:cNvSpPr>
+          <p:nvPr>
+            <p:extLst>
+              <p:ext uri="{386F3935-93C4-4BCD-93E2-E3B085C9AB24}">
+                <p16:designElem xmlns:p16="http://schemas.microsoft.com/office/powerpoint/2015/main" val="1"/>
+              </p:ext>
+            </p:extLst>
+          </p:nvPr>
+        </p:nvSpPr>
+        <p:spPr>
+          <a:xfrm>
+            <a:off x="1210277" y="0"/>
+            <a:ext cx="9771446" cy="6858000"/>
+          </a:xfrm>
+          <a:custGeom>
+            <a:avLst/>
+            <a:gdLst>
+              <a:gd name="connsiteX0" fmla="*/ 1422188 w 9771446"/>
+              <a:gd name="connsiteY0" fmla="*/ 0 h 6858000"/>
+              <a:gd name="connsiteX1" fmla="*/ 8349258 w 9771446"/>
+              <a:gd name="connsiteY1" fmla="*/ 0 h 6858000"/>
+              <a:gd name="connsiteX2" fmla="*/ 8502224 w 9771446"/>
+              <a:gd name="connsiteY2" fmla="*/ 159673 h 6858000"/>
+              <a:gd name="connsiteX3" fmla="*/ 9771446 w 9771446"/>
+              <a:gd name="connsiteY3" fmla="*/ 3429001 h 6858000"/>
+              <a:gd name="connsiteX4" fmla="*/ 8502224 w 9771446"/>
+              <a:gd name="connsiteY4" fmla="*/ 6698330 h 6858000"/>
+              <a:gd name="connsiteX5" fmla="*/ 8349260 w 9771446"/>
+              <a:gd name="connsiteY5" fmla="*/ 6858000 h 6858000"/>
+              <a:gd name="connsiteX6" fmla="*/ 1422186 w 9771446"/>
+              <a:gd name="connsiteY6" fmla="*/ 6858000 h 6858000"/>
+              <a:gd name="connsiteX7" fmla="*/ 1269223 w 9771446"/>
+              <a:gd name="connsiteY7" fmla="*/ 6698330 h 6858000"/>
+              <a:gd name="connsiteX8" fmla="*/ 0 w 9771446"/>
+              <a:gd name="connsiteY8" fmla="*/ 3429001 h 6858000"/>
+              <a:gd name="connsiteX9" fmla="*/ 1269223 w 9771446"/>
+              <a:gd name="connsiteY9" fmla="*/ 159673 h 6858000"/>
+            </a:gdLst>
+            <a:ahLst/>
+            <a:cxnLst>
+              <a:cxn ang="0">
+                <a:pos x="connsiteX0" y="connsiteY0"/>
+              </a:cxn>
+              <a:cxn ang="0">
+                <a:pos x="connsiteX1" y="connsiteY1"/>
+              </a:cxn>
+              <a:cxn ang="0">
+                <a:pos x="connsiteX2" y="connsiteY2"/>
+              </a:cxn>
+              <a:cxn ang="0">
+                <a:pos x="connsiteX3" y="connsiteY3"/>
+              </a:cxn>
+              <a:cxn ang="0">
+                <a:pos x="connsiteX4" y="connsiteY4"/>
+              </a:cxn>
+              <a:cxn ang="0">
+                <a:pos x="connsiteX5" y="connsiteY5"/>
+              </a:cxn>
+              <a:cxn ang="0">
+                <a:pos x="connsiteX6" y="connsiteY6"/>
+              </a:cxn>
+              <a:cxn ang="0">
+                <a:pos x="connsiteX7" y="connsiteY7"/>
+              </a:cxn>
+              <a:cxn ang="0">
+                <a:pos x="connsiteX8" y="connsiteY8"/>
+              </a:cxn>
+              <a:cxn ang="0">
+                <a:pos x="connsiteX9" y="connsiteY9"/>
+              </a:cxn>
+            </a:cxnLst>
+            <a:rect l="l" t="t" r="r" b="b"/>
+            <a:pathLst>
+              <a:path w="9771446" h="6858000">
+                <a:moveTo>
+                  <a:pt x="1422188" y="0"/>
+                </a:moveTo>
+                <a:lnTo>
+                  <a:pt x="8349258" y="0"/>
+                </a:lnTo>
+                <a:lnTo>
+                  <a:pt x="8502224" y="159673"/>
+                </a:lnTo>
+                <a:cubicBezTo>
+                  <a:pt x="9290813" y="1023162"/>
+                  <a:pt x="9771446" y="2170221"/>
+                  <a:pt x="9771446" y="3429001"/>
+                </a:cubicBezTo>
+                <a:cubicBezTo>
+                  <a:pt x="9771446" y="4687781"/>
+                  <a:pt x="9290813" y="5834840"/>
+                  <a:pt x="8502224" y="6698330"/>
+                </a:cubicBezTo>
+                <a:lnTo>
+                  <a:pt x="8349260" y="6858000"/>
+                </a:lnTo>
+                <a:lnTo>
+                  <a:pt x="1422186" y="6858000"/>
+                </a:lnTo>
+                <a:lnTo>
+                  <a:pt x="1269223" y="6698330"/>
+                </a:lnTo>
+                <a:cubicBezTo>
+                  <a:pt x="480633" y="5834840"/>
+                  <a:pt x="0" y="4687781"/>
+                  <a:pt x="0" y="3429001"/>
+                </a:cubicBezTo>
+                <a:cubicBezTo>
+                  <a:pt x="0" y="2170221"/>
+                  <a:pt x="480633" y="1023162"/>
+                  <a:pt x="1269223" y="159673"/>
+                </a:cubicBezTo>
+                <a:close/>
+              </a:path>
+            </a:pathLst>
+          </a:custGeom>
+          <a:solidFill>
+            <a:schemeClr val="bg1">
+              <a:lumMod val="85000"/>
+              <a:alpha val="62000"/>
+            </a:schemeClr>
+          </a:solidFill>
+          <a:ln>
+            <a:noFill/>
+          </a:ln>
+        </p:spPr>
+        <p:style>
+          <a:lnRef idx="2">
+            <a:schemeClr val="accent1">
+              <a:shade val="50000"/>
+            </a:schemeClr>
+          </a:lnRef>
+          <a:fillRef idx="1">
+            <a:schemeClr val="accent1"/>
+          </a:fillRef>
+          <a:effectRef idx="0">
+            <a:schemeClr val="accent1"/>
+          </a:effectRef>
+          <a:fontRef idx="minor">
+            <a:schemeClr val="lt1"/>
+          </a:fontRef>
+        </p:style>
+        <p:txBody>
+          <a:bodyPr wrap="square" rtlCol="0" anchor="ctr">
+            <a:noAutofit/>
+          </a:bodyPr>
+          <a:lstStyle/>
+          <a:p>
+            <a:pPr algn="ctr"/>
+            <a:endParaRPr lang="en-US"/>
+          </a:p>
+        </p:txBody>
+      </p:sp>
+      <p:pic>
+        <p:nvPicPr>
+          <p:cNvPr id="1026" name="Picture 2" descr="Visual Studio 2022 Features - Tahasivaci.com">
+            <a:extLst>
+              <a:ext uri="{FF2B5EF4-FFF2-40B4-BE49-F238E27FC236}">
+                <a16:creationId xmlns:a16="http://schemas.microsoft.com/office/drawing/2014/main" id="{E0ADC9C2-24EC-EC37-ACBA-6063EC4C31C9}"/>
+              </a:ext>
+            </a:extLst>
+          </p:cNvPr>
+          <p:cNvPicPr>
+            <a:picLocks noChangeAspect="1" noChangeArrowheads="1"/>
+          </p:cNvPicPr>
+          <p:nvPr/>
+        </p:nvPicPr>
+        <p:blipFill rotWithShape="1">
+          <a:blip r:embed="rId2">
+            <a:extLst>
+              <a:ext uri="{28A0092B-C50C-407E-A947-70E740481C1C}">
+                <a14:useLocalDpi xmlns:a14="http://schemas.microsoft.com/office/drawing/2010/main" val="0"/>
+              </a:ext>
+            </a:extLst>
+          </a:blip>
+          <a:srcRect l="17503" r="18977" b="-2"/>
+          <a:stretch/>
+        </p:blipFill>
+        <p:spPr bwMode="auto">
+          <a:xfrm>
+            <a:off x="1460597" y="10"/>
+            <a:ext cx="9270806" cy="6857990"/>
+          </a:xfrm>
+          <a:custGeom>
+            <a:avLst/>
+            <a:gdLst/>
+            <a:ahLst/>
+            <a:cxnLst/>
+            <a:rect l="l" t="t" r="r" b="b"/>
+            <a:pathLst>
+              <a:path w="9270806" h="6858000">
+                <a:moveTo>
+                  <a:pt x="1503712" y="0"/>
+                </a:moveTo>
+                <a:lnTo>
+                  <a:pt x="7767094" y="0"/>
+                </a:lnTo>
+                <a:lnTo>
+                  <a:pt x="7913128" y="139721"/>
+                </a:lnTo>
+                <a:cubicBezTo>
+                  <a:pt x="8751971" y="981521"/>
+                  <a:pt x="9270806" y="2144457"/>
+                  <a:pt x="9270806" y="3429000"/>
+                </a:cubicBezTo>
+                <a:cubicBezTo>
+                  <a:pt x="9270806" y="4713544"/>
+                  <a:pt x="8751971" y="5876479"/>
+                  <a:pt x="7913128" y="6718279"/>
+                </a:cubicBezTo>
+                <a:lnTo>
+                  <a:pt x="7767094" y="6858000"/>
+                </a:lnTo>
+                <a:lnTo>
+                  <a:pt x="1503712" y="6858000"/>
+                </a:lnTo>
+                <a:lnTo>
+                  <a:pt x="1357679" y="6718279"/>
+                </a:lnTo>
+                <a:cubicBezTo>
+                  <a:pt x="518835" y="5876479"/>
+                  <a:pt x="0" y="4713544"/>
+                  <a:pt x="0" y="3429000"/>
+                </a:cubicBezTo>
+                <a:cubicBezTo>
+                  <a:pt x="0" y="2144457"/>
+                  <a:pt x="518835" y="981521"/>
+                  <a:pt x="1357679" y="139721"/>
+                </a:cubicBezTo>
+                <a:close/>
+              </a:path>
+            </a:pathLst>
+          </a:custGeom>
+          <a:noFill/>
+          <a:extLst>
+            <a:ext uri="{909E8E84-426E-40DD-AFC4-6F175D3DCCD1}">
+              <a14:hiddenFill xmlns:a14="http://schemas.microsoft.com/office/drawing/2010/main">
+                <a:solidFill>
+                  <a:srgbClr val="FFFFFF"/>
+                </a:solidFill>
+              </a14:hiddenFill>
+            </a:ext>
+          </a:extLst>
+        </p:spPr>
+      </p:pic>
+    </p:spTree>
+    <p:extLst>
+      <p:ext uri="{BB962C8B-B14F-4D97-AF65-F5344CB8AC3E}">
+        <p14:creationId xmlns:p14="http://schemas.microsoft.com/office/powerpoint/2010/main" val="154178371"/>
+      </p:ext>
+    </p:extLst>
+  </p:cSld>
+  <p:clrMapOvr>
+    <a:masterClrMapping/>
+  </p:clrMapOvr>
+  <mc:AlternateContent xmlns:mc="http://schemas.openxmlformats.org/markup-compatibility/2006">
+    <mc:Choice xmlns:p14="http://schemas.microsoft.com/office/powerpoint/2010/main" Requires="p14">
+      <p:transition spd="med" p14:dur="700">
+        <p:fade/>
+      </p:transition>
+    </mc:Choice>
+    <mc:Fallback>
+      <p:transition spd="med">
+        <p:fade/>
+      </p:transition>
+    </mc:Fallback>
+  </mc:AlternateContent>
+</p:sld>
+</file>
+
+<file path=ppt/slides/slide4.xml><?xml version="1.0" encoding="utf-8"?>
 <p:sld xmlns:a="http://schemas.openxmlformats.org/drawingml/2006/main" xmlns:r="http://schemas.openxmlformats.org/officeDocument/2006/relationships" xmlns:p="http://schemas.openxmlformats.org/presentationml/2006/main">
   <p:cSld>
     <p:spTree>
@@ -6152,14 +6613,14 @@
           <p:nvPr>
             <p:extLst>
               <p:ext uri="{D42A27DB-BD31-4B8C-83A1-F6EECF244321}">
-                <p14:modId xmlns:p14="http://schemas.microsoft.com/office/powerpoint/2010/main" val="2174700268"/>
+                <p14:modId xmlns:p14="http://schemas.microsoft.com/office/powerpoint/2010/main" val="1443804402"/>
               </p:ext>
             </p:extLst>
           </p:nvPr>
         </p:nvGraphicFramePr>
         <p:xfrm>
-          <a:off x="2032000" y="719666"/>
-          <a:ext cx="8128000" cy="5418667"/>
+          <a:off x="283220" y="242760"/>
+          <a:ext cx="11757729" cy="6384617"/>
         </p:xfrm>
         <a:graphic>
           <a:graphicData uri="http://schemas.openxmlformats.org/drawingml/2006/diagram">
@@ -6169,43 +6630,32 @@
       </p:graphicFrame>
       <p:pic>
         <p:nvPicPr>
-          <p:cNvPr id="1028" name="Picture 4" descr="Billedresultat for visual studio 2017"/>
+          <p:cNvPr id="3" name="Billede 2">
+            <a:extLst>
+              <a:ext uri="{FF2B5EF4-FFF2-40B4-BE49-F238E27FC236}">
+                <a16:creationId xmlns:a16="http://schemas.microsoft.com/office/drawing/2014/main" id="{0C4D9C81-EAB0-CE4C-859E-B8CC83B218A4}"/>
+              </a:ext>
+            </a:extLst>
+          </p:cNvPr>
           <p:cNvPicPr>
-            <a:picLocks noChangeAspect="1" noChangeArrowheads="1"/>
+            <a:picLocks noChangeAspect="1"/>
           </p:cNvPicPr>
           <p:nvPr/>
         </p:nvPicPr>
         <p:blipFill>
-          <a:blip r:embed="rId7" cstate="print">
-            <a:extLst>
-              <a:ext uri="{28A0092B-C50C-407E-A947-70E740481C1C}">
-                <a14:useLocalDpi xmlns:a14="http://schemas.microsoft.com/office/drawing/2010/main" val="0"/>
-              </a:ext>
-            </a:extLst>
-          </a:blip>
-          <a:srcRect/>
+          <a:blip r:embed="rId7"/>
           <a:stretch>
             <a:fillRect/>
           </a:stretch>
         </p:blipFill>
-        <p:spPr bwMode="auto">
+        <p:spPr>
           <a:xfrm>
-            <a:off x="2404533" y="2732620"/>
-            <a:ext cx="2803604" cy="1392758"/>
+            <a:off x="1586652" y="1604553"/>
+            <a:ext cx="3648894" cy="3648894"/>
           </a:xfrm>
           <a:prstGeom prst="rect">
             <a:avLst/>
           </a:prstGeom>
-          <a:noFill/>
-          <a:extLst>
-            <a:ext uri="{909E8E84-426E-40DD-AFC4-6F175D3DCCD1}">
-              <a14:hiddenFill xmlns:a14="http://schemas.microsoft.com/office/drawing/2010/main">
-                <a:solidFill>
-                  <a:srgbClr val="FFFFFF"/>
-                </a:solidFill>
-              </a14:hiddenFill>
-            </a:ext>
-          </a:extLst>
         </p:spPr>
       </p:pic>
     </p:spTree>
@@ -6218,88 +6668,18 @@
   <p:clrMapOvr>
     <a:masterClrMapping/>
   </p:clrMapOvr>
-  <p:timing>
-    <p:tnLst>
-      <p:par>
-        <p:cTn id="1" dur="indefinite" restart="never" nodeType="tmRoot"/>
-      </p:par>
-    </p:tnLst>
-  </p:timing>
-</p:sld>
-</file>
-
-<file path=ppt/slides/slide4.xml><?xml version="1.0" encoding="utf-8"?>
-<p:sld xmlns:a="http://schemas.openxmlformats.org/drawingml/2006/main" xmlns:r="http://schemas.openxmlformats.org/officeDocument/2006/relationships" xmlns:p="http://schemas.openxmlformats.org/presentationml/2006/main">
-  <p:cSld>
-    <p:spTree>
-      <p:nvGrpSpPr>
-        <p:cNvPr id="1" name=""/>
-        <p:cNvGrpSpPr/>
-        <p:nvPr/>
-      </p:nvGrpSpPr>
-      <p:grpSpPr>
-        <a:xfrm>
-          <a:off x="0" y="0"/>
-          <a:ext cx="0" cy="0"/>
-          <a:chOff x="0" y="0"/>
-          <a:chExt cx="0" cy="0"/>
-        </a:xfrm>
-      </p:grpSpPr>
-      <p:sp>
-        <p:nvSpPr>
-          <p:cNvPr id="2" name="Titel 1"/>
-          <p:cNvSpPr>
-            <a:spLocks noGrp="1"/>
-          </p:cNvSpPr>
-          <p:nvPr>
-            <p:ph type="title"/>
-          </p:nvPr>
-        </p:nvSpPr>
-        <p:spPr/>
-        <p:txBody>
-          <a:bodyPr/>
-          <a:lstStyle/>
-          <a:p>
-            <a:r>
-              <a:rPr lang="da-DK" b="1" smtClean="0"/>
-              <a:t>Tools  | Get Tools and Features…</a:t>
-            </a:r>
-            <a:endParaRPr lang="da-DK" b="1"/>
-          </a:p>
-        </p:txBody>
-      </p:sp>
-      <p:pic>
-        <p:nvPicPr>
-          <p:cNvPr id="4" name="Billede 3"/>
-          <p:cNvPicPr/>
-          <p:nvPr/>
-        </p:nvPicPr>
-        <p:blipFill>
-          <a:blip r:embed="rId2"/>
-          <a:stretch>
-            <a:fillRect/>
-          </a:stretch>
-        </p:blipFill>
-        <p:spPr>
-          <a:xfrm>
-            <a:off x="1165013" y="1811866"/>
-            <a:ext cx="9719734" cy="4683760"/>
-          </a:xfrm>
-          <a:prstGeom prst="rect">
-            <a:avLst/>
-          </a:prstGeom>
-        </p:spPr>
-      </p:pic>
-    </p:spTree>
-    <p:extLst>
-      <p:ext uri="{BB962C8B-B14F-4D97-AF65-F5344CB8AC3E}">
-        <p14:creationId xmlns:p14="http://schemas.microsoft.com/office/powerpoint/2010/main" val="3582625144"/>
-      </p:ext>
-    </p:extLst>
-  </p:cSld>
-  <p:clrMapOvr>
-    <a:masterClrMapping/>
-  </p:clrMapOvr>
+  <mc:AlternateContent xmlns:mc="http://schemas.openxmlformats.org/markup-compatibility/2006">
+    <mc:Choice xmlns:p14="http://schemas.microsoft.com/office/powerpoint/2010/main" Requires="p14">
+      <p:transition spd="med" p14:dur="700">
+        <p:fade/>
+      </p:transition>
+    </mc:Choice>
+    <mc:Fallback>
+      <p:transition spd="med">
+        <p:fade/>
+      </p:transition>
+    </mc:Fallback>
+  </mc:AlternateContent>
 </p:sld>
 </file>
 
@@ -6336,16 +6716,21 @@
           <a:lstStyle/>
           <a:p>
             <a:r>
-              <a:rPr lang="da-DK" b="1" smtClean="0"/>
-              <a:t>Tools  | Extensions and Updates</a:t>
-            </a:r>
-            <a:endParaRPr lang="da-DK" b="1"/>
+              <a:rPr lang="da-DK" b="1"/>
+              <a:t>Tools  | Get Tools and Features…</a:t>
+            </a:r>
           </a:p>
         </p:txBody>
       </p:sp>
       <p:pic>
         <p:nvPicPr>
-          <p:cNvPr id="3" name="Billede 2"/>
+          <p:cNvPr id="3" name="Billede 2">
+            <a:extLst>
+              <a:ext uri="{FF2B5EF4-FFF2-40B4-BE49-F238E27FC236}">
+                <a16:creationId xmlns:a16="http://schemas.microsoft.com/office/drawing/2014/main" id="{39BAB26D-6536-78C8-0194-AAF66817AE8D}"/>
+              </a:ext>
+            </a:extLst>
+          </p:cNvPr>
           <p:cNvPicPr>
             <a:picLocks noChangeAspect="1"/>
           </p:cNvPicPr>
@@ -6359,24 +6744,148 @@
         </p:blipFill>
         <p:spPr>
           <a:xfrm>
-            <a:off x="1998133" y="1769722"/>
-            <a:ext cx="8100483" cy="4744108"/>
+            <a:off x="838200" y="1604404"/>
+            <a:ext cx="10752533" cy="4659762"/>
           </a:xfrm>
           <a:prstGeom prst="rect">
             <a:avLst/>
           </a:prstGeom>
         </p:spPr>
       </p:pic>
+      <p:sp>
+        <p:nvSpPr>
+          <p:cNvPr id="5" name="Ellipse 4">
+            <a:extLst>
+              <a:ext uri="{FF2B5EF4-FFF2-40B4-BE49-F238E27FC236}">
+                <a16:creationId xmlns:a16="http://schemas.microsoft.com/office/drawing/2014/main" id="{9C6FD4BE-D863-455F-6679-9087AD331EE4}"/>
+              </a:ext>
+            </a:extLst>
+          </p:cNvPr>
+          <p:cNvSpPr/>
+          <p:nvPr/>
+        </p:nvSpPr>
+        <p:spPr>
+          <a:xfrm>
+            <a:off x="838199" y="2039007"/>
+            <a:ext cx="3817883" cy="977462"/>
+          </a:xfrm>
+          <a:prstGeom prst="ellipse">
+            <a:avLst/>
+          </a:prstGeom>
+          <a:noFill/>
+          <a:ln>
+            <a:solidFill>
+              <a:srgbClr val="FF0000"/>
+            </a:solidFill>
+          </a:ln>
+        </p:spPr>
+        <p:style>
+          <a:lnRef idx="2">
+            <a:schemeClr val="accent1">
+              <a:shade val="50000"/>
+            </a:schemeClr>
+          </a:lnRef>
+          <a:fillRef idx="1">
+            <a:schemeClr val="accent1"/>
+          </a:fillRef>
+          <a:effectRef idx="0">
+            <a:schemeClr val="accent1"/>
+          </a:effectRef>
+          <a:fontRef idx="minor">
+            <a:schemeClr val="lt1"/>
+          </a:fontRef>
+        </p:style>
+        <p:txBody>
+          <a:bodyPr rot="0" spcFirstLastPara="0" vert="horz" wrap="square" lIns="91440" tIns="45720" rIns="91440" bIns="45720" numCol="1" spcCol="0" rtlCol="0" fromWordArt="0" anchor="ctr" anchorCtr="0" forceAA="0" compatLnSpc="1">
+            <a:prstTxWarp prst="textNoShape">
+              <a:avLst/>
+            </a:prstTxWarp>
+            <a:noAutofit/>
+          </a:bodyPr>
+          <a:lstStyle/>
+          <a:p>
+            <a:endParaRPr lang="da-DK"/>
+          </a:p>
+        </p:txBody>
+      </p:sp>
+      <p:sp>
+        <p:nvSpPr>
+          <p:cNvPr id="6" name="Ellipse 5">
+            <a:extLst>
+              <a:ext uri="{FF2B5EF4-FFF2-40B4-BE49-F238E27FC236}">
+                <a16:creationId xmlns:a16="http://schemas.microsoft.com/office/drawing/2014/main" id="{4D6BBDA7-BDEA-2B04-E6B3-AC2F1F67CD7E}"/>
+              </a:ext>
+            </a:extLst>
+          </p:cNvPr>
+          <p:cNvSpPr/>
+          <p:nvPr/>
+        </p:nvSpPr>
+        <p:spPr>
+          <a:xfrm>
+            <a:off x="4529961" y="4146331"/>
+            <a:ext cx="3817883" cy="977462"/>
+          </a:xfrm>
+          <a:prstGeom prst="ellipse">
+            <a:avLst/>
+          </a:prstGeom>
+          <a:noFill/>
+          <a:ln>
+            <a:solidFill>
+              <a:srgbClr val="FF0000"/>
+            </a:solidFill>
+          </a:ln>
+        </p:spPr>
+        <p:style>
+          <a:lnRef idx="2">
+            <a:schemeClr val="accent1">
+              <a:shade val="50000"/>
+            </a:schemeClr>
+          </a:lnRef>
+          <a:fillRef idx="1">
+            <a:schemeClr val="accent1"/>
+          </a:fillRef>
+          <a:effectRef idx="0">
+            <a:schemeClr val="accent1"/>
+          </a:effectRef>
+          <a:fontRef idx="minor">
+            <a:schemeClr val="lt1"/>
+          </a:fontRef>
+        </p:style>
+        <p:txBody>
+          <a:bodyPr rot="0" spcFirstLastPara="0" vert="horz" wrap="square" lIns="91440" tIns="45720" rIns="91440" bIns="45720" numCol="1" spcCol="0" rtlCol="0" fromWordArt="0" anchor="ctr" anchorCtr="0" forceAA="0" compatLnSpc="1">
+            <a:prstTxWarp prst="textNoShape">
+              <a:avLst/>
+            </a:prstTxWarp>
+            <a:noAutofit/>
+          </a:bodyPr>
+          <a:lstStyle/>
+          <a:p>
+            <a:endParaRPr lang="da-DK"/>
+          </a:p>
+        </p:txBody>
+      </p:sp>
     </p:spTree>
     <p:extLst>
       <p:ext uri="{BB962C8B-B14F-4D97-AF65-F5344CB8AC3E}">
-        <p14:creationId xmlns:p14="http://schemas.microsoft.com/office/powerpoint/2010/main" val="1499977270"/>
+        <p14:creationId xmlns:p14="http://schemas.microsoft.com/office/powerpoint/2010/main" val="3582625144"/>
       </p:ext>
     </p:extLst>
   </p:cSld>
   <p:clrMapOvr>
     <a:masterClrMapping/>
   </p:clrMapOvr>
+  <mc:AlternateContent xmlns:mc="http://schemas.openxmlformats.org/markup-compatibility/2006">
+    <mc:Choice xmlns:p14="http://schemas.microsoft.com/office/powerpoint/2010/main" Requires="p14">
+      <p:transition spd="med" p14:dur="700">
+        <p:fade/>
+      </p:transition>
+    </mc:Choice>
+    <mc:Fallback>
+      <p:transition spd="med">
+        <p:fade/>
+      </p:transition>
+    </mc:Fallback>
+  </mc:AlternateContent>
 </p:sld>
 </file>
 
@@ -6413,10 +6922,359 @@
           <a:lstStyle/>
           <a:p>
             <a:r>
-              <a:rPr lang="da-DK" b="1" smtClean="0"/>
+              <a:rPr lang="da-DK" dirty="0"/>
+              <a:t>Tools (</a:t>
+            </a:r>
+            <a:r>
+              <a:rPr lang="da-DK" dirty="0" err="1"/>
+              <a:t>Workloads</a:t>
+            </a:r>
+            <a:r>
+              <a:rPr lang="da-DK" dirty="0"/>
+              <a:t>)</a:t>
+            </a:r>
+          </a:p>
+        </p:txBody>
+      </p:sp>
+      <p:sp>
+        <p:nvSpPr>
+          <p:cNvPr id="3" name="Pladsholder til indhold 2"/>
+          <p:cNvSpPr>
+            <a:spLocks noGrp="1"/>
+          </p:cNvSpPr>
+          <p:nvPr>
+            <p:ph idx="1"/>
+          </p:nvPr>
+        </p:nvSpPr>
+        <p:spPr/>
+        <p:txBody>
+          <a:bodyPr>
+            <a:normAutofit/>
+          </a:bodyPr>
+          <a:lstStyle/>
+          <a:p>
+            <a:pPr lvl="0"/>
+            <a:r>
+              <a:rPr lang="en-US" sz="3200" dirty="0"/>
+              <a:t>.NET Desktop development</a:t>
+            </a:r>
+            <a:endParaRPr lang="da-DK" sz="3200" dirty="0"/>
+          </a:p>
+          <a:p>
+            <a:pPr lvl="0"/>
+            <a:r>
+              <a:rPr lang="en-US" sz="3200" dirty="0"/>
+              <a:t>ASP.NET and web development</a:t>
+            </a:r>
+            <a:endParaRPr lang="da-DK" sz="3200" dirty="0"/>
+          </a:p>
+        </p:txBody>
+      </p:sp>
+    </p:spTree>
+    <p:extLst>
+      <p:ext uri="{BB962C8B-B14F-4D97-AF65-F5344CB8AC3E}">
+        <p14:creationId xmlns:p14="http://schemas.microsoft.com/office/powerpoint/2010/main" val="2879713384"/>
+      </p:ext>
+    </p:extLst>
+  </p:cSld>
+  <p:clrMapOvr>
+    <a:masterClrMapping/>
+  </p:clrMapOvr>
+  <mc:AlternateContent xmlns:mc="http://schemas.openxmlformats.org/markup-compatibility/2006">
+    <mc:Choice xmlns:p14="http://schemas.microsoft.com/office/powerpoint/2010/main" Requires="p14">
+      <p:transition spd="med" p14:dur="700">
+        <p:fade/>
+      </p:transition>
+    </mc:Choice>
+    <mc:Fallback>
+      <p:transition spd="med">
+        <p:fade/>
+      </p:transition>
+    </mc:Fallback>
+  </mc:AlternateContent>
+</p:sld>
+</file>
+
+<file path=ppt/slides/slide7.xml><?xml version="1.0" encoding="utf-8"?>
+<p:sld xmlns:a="http://schemas.openxmlformats.org/drawingml/2006/main" xmlns:r="http://schemas.openxmlformats.org/officeDocument/2006/relationships" xmlns:p="http://schemas.openxmlformats.org/presentationml/2006/main">
+  <p:cSld>
+    <p:spTree>
+      <p:nvGrpSpPr>
+        <p:cNvPr id="1" name=""/>
+        <p:cNvGrpSpPr/>
+        <p:nvPr/>
+      </p:nvGrpSpPr>
+      <p:grpSpPr>
+        <a:xfrm>
+          <a:off x="0" y="0"/>
+          <a:ext cx="0" cy="0"/>
+          <a:chOff x="0" y="0"/>
+          <a:chExt cx="0" cy="0"/>
+        </a:xfrm>
+      </p:grpSpPr>
+      <p:sp>
+        <p:nvSpPr>
+          <p:cNvPr id="2" name="Titel 1"/>
+          <p:cNvSpPr>
+            <a:spLocks noGrp="1"/>
+          </p:cNvSpPr>
+          <p:nvPr>
+            <p:ph type="title"/>
+          </p:nvPr>
+        </p:nvSpPr>
+        <p:spPr/>
+        <p:txBody>
+          <a:bodyPr/>
+          <a:lstStyle/>
+          <a:p>
+            <a:r>
+              <a:rPr lang="da-DK" b="1" dirty="0"/>
+              <a:t>Extensions  | </a:t>
+            </a:r>
+            <a:r>
+              <a:rPr lang="da-DK" b="1" dirty="0" err="1"/>
+              <a:t>Manage</a:t>
+            </a:r>
+            <a:r>
+              <a:rPr lang="da-DK" b="1" dirty="0"/>
+              <a:t> Extensions</a:t>
+            </a:r>
+          </a:p>
+        </p:txBody>
+      </p:sp>
+      <p:pic>
+        <p:nvPicPr>
+          <p:cNvPr id="5" name="Billede 4">
+            <a:extLst>
+              <a:ext uri="{FF2B5EF4-FFF2-40B4-BE49-F238E27FC236}">
+                <a16:creationId xmlns:a16="http://schemas.microsoft.com/office/drawing/2014/main" id="{A0C04A03-97A6-F281-C4C4-03B631210CFE}"/>
+              </a:ext>
+            </a:extLst>
+          </p:cNvPr>
+          <p:cNvPicPr>
+            <a:picLocks noChangeAspect="1"/>
+          </p:cNvPicPr>
+          <p:nvPr/>
+        </p:nvPicPr>
+        <p:blipFill>
+          <a:blip r:embed="rId2"/>
+          <a:stretch>
+            <a:fillRect/>
+          </a:stretch>
+        </p:blipFill>
+        <p:spPr>
+          <a:xfrm>
+            <a:off x="2830440" y="1690688"/>
+            <a:ext cx="6531120" cy="4529723"/>
+          </a:xfrm>
+          <a:prstGeom prst="rect">
+            <a:avLst/>
+          </a:prstGeom>
+        </p:spPr>
+      </p:pic>
+      <p:sp>
+        <p:nvSpPr>
+          <p:cNvPr id="6" name="Tekstfelt 5">
+            <a:extLst>
+              <a:ext uri="{FF2B5EF4-FFF2-40B4-BE49-F238E27FC236}">
+                <a16:creationId xmlns:a16="http://schemas.microsoft.com/office/drawing/2014/main" id="{D631585A-8B91-869E-35E2-722AC98DDE50}"/>
+              </a:ext>
+            </a:extLst>
+          </p:cNvPr>
+          <p:cNvSpPr txBox="1"/>
+          <p:nvPr/>
+        </p:nvSpPr>
+        <p:spPr>
+          <a:xfrm rot="979632">
+            <a:off x="1127490" y="3048351"/>
+            <a:ext cx="9937020" cy="1938992"/>
+          </a:xfrm>
+          <a:prstGeom prst="rect">
+            <a:avLst/>
+          </a:prstGeom>
+          <a:noFill/>
+        </p:spPr>
+        <p:txBody>
+          <a:bodyPr wrap="square" rtlCol="0">
+            <a:spAutoFit/>
+          </a:bodyPr>
+          <a:lstStyle/>
+          <a:p>
+            <a:pPr algn="ctr"/>
+            <a:r>
+              <a:rPr lang="da-DK" sz="12000" dirty="0">
+                <a:solidFill>
+                  <a:schemeClr val="accent6">
+                    <a:lumMod val="50000"/>
+                  </a:schemeClr>
+                </a:solidFill>
+              </a:rPr>
+              <a:t>None </a:t>
+            </a:r>
+            <a:r>
+              <a:rPr lang="da-DK" sz="12000" dirty="0" err="1">
+                <a:solidFill>
+                  <a:schemeClr val="accent6">
+                    <a:lumMod val="50000"/>
+                  </a:schemeClr>
+                </a:solidFill>
+              </a:rPr>
+              <a:t>needed</a:t>
+            </a:r>
+            <a:r>
+              <a:rPr lang="da-DK" sz="12000" dirty="0"/>
+              <a:t>…</a:t>
+            </a:r>
+          </a:p>
+        </p:txBody>
+      </p:sp>
+    </p:spTree>
+    <p:extLst>
+      <p:ext uri="{BB962C8B-B14F-4D97-AF65-F5344CB8AC3E}">
+        <p14:creationId xmlns:p14="http://schemas.microsoft.com/office/powerpoint/2010/main" val="1499977270"/>
+      </p:ext>
+    </p:extLst>
+  </p:cSld>
+  <p:clrMapOvr>
+    <a:masterClrMapping/>
+  </p:clrMapOvr>
+  <mc:AlternateContent xmlns:mc="http://schemas.openxmlformats.org/markup-compatibility/2006">
+    <mc:Choice xmlns:p14="http://schemas.microsoft.com/office/powerpoint/2010/main" Requires="p14">
+      <p:transition spd="med" p14:dur="700">
+        <p:fade/>
+      </p:transition>
+    </mc:Choice>
+    <mc:Fallback>
+      <p:transition spd="med">
+        <p:fade/>
+      </p:transition>
+    </mc:Fallback>
+  </mc:AlternateContent>
+  <p:timing>
+    <p:tnLst>
+      <p:par>
+        <p:cTn id="1" dur="indefinite" restart="never" nodeType="tmRoot">
+          <p:childTnLst>
+            <p:seq concurrent="1" nextAc="seek">
+              <p:cTn id="2" dur="indefinite" nodeType="mainSeq">
+                <p:childTnLst>
+                  <p:par>
+                    <p:cTn id="3" fill="hold">
+                      <p:stCondLst>
+                        <p:cond delay="indefinite"/>
+                      </p:stCondLst>
+                      <p:childTnLst>
+                        <p:par>
+                          <p:cTn id="4" fill="hold">
+                            <p:stCondLst>
+                              <p:cond delay="0"/>
+                            </p:stCondLst>
+                            <p:childTnLst>
+                              <p:par>
+                                <p:cTn id="5" presetID="10" presetClass="entr" presetSubtype="0" fill="hold" grpId="0" nodeType="clickEffect">
+                                  <p:stCondLst>
+                                    <p:cond delay="0"/>
+                                  </p:stCondLst>
+                                  <p:childTnLst>
+                                    <p:set>
+                                      <p:cBhvr>
+                                        <p:cTn id="6" dur="1" fill="hold">
+                                          <p:stCondLst>
+                                            <p:cond delay="0"/>
+                                          </p:stCondLst>
+                                        </p:cTn>
+                                        <p:tgtEl>
+                                          <p:spTgt spid="6"/>
+                                        </p:tgtEl>
+                                        <p:attrNameLst>
+                                          <p:attrName>style.visibility</p:attrName>
+                                        </p:attrNameLst>
+                                      </p:cBhvr>
+                                      <p:to>
+                                        <p:strVal val="visible"/>
+                                      </p:to>
+                                    </p:set>
+                                    <p:animEffect transition="in" filter="fade">
+                                      <p:cBhvr>
+                                        <p:cTn id="7" dur="500"/>
+                                        <p:tgtEl>
+                                          <p:spTgt spid="6"/>
+                                        </p:tgtEl>
+                                      </p:cBhvr>
+                                    </p:animEffect>
+                                  </p:childTnLst>
+                                </p:cTn>
+                              </p:par>
+                            </p:childTnLst>
+                          </p:cTn>
+                        </p:par>
+                      </p:childTnLst>
+                    </p:cTn>
+                  </p:par>
+                </p:childTnLst>
+              </p:cTn>
+              <p:prevCondLst>
+                <p:cond evt="onPrev" delay="0">
+                  <p:tgtEl>
+                    <p:sldTgt/>
+                  </p:tgtEl>
+                </p:cond>
+              </p:prevCondLst>
+              <p:nextCondLst>
+                <p:cond evt="onNext" delay="0">
+                  <p:tgtEl>
+                    <p:sldTgt/>
+                  </p:tgtEl>
+                </p:cond>
+              </p:nextCondLst>
+            </p:seq>
+          </p:childTnLst>
+        </p:cTn>
+      </p:par>
+    </p:tnLst>
+    <p:bldLst>
+      <p:bldP spid="6" grpId="0"/>
+    </p:bldLst>
+  </p:timing>
+</p:sld>
+</file>
+
+<file path=ppt/slides/slide8.xml><?xml version="1.0" encoding="utf-8"?>
+<p:sld xmlns:a="http://schemas.openxmlformats.org/drawingml/2006/main" xmlns:r="http://schemas.openxmlformats.org/officeDocument/2006/relationships" xmlns:p="http://schemas.openxmlformats.org/presentationml/2006/main">
+  <p:cSld>
+    <p:spTree>
+      <p:nvGrpSpPr>
+        <p:cNvPr id="1" name=""/>
+        <p:cNvGrpSpPr/>
+        <p:nvPr/>
+      </p:nvGrpSpPr>
+      <p:grpSpPr>
+        <a:xfrm>
+          <a:off x="0" y="0"/>
+          <a:ext cx="0" cy="0"/>
+          <a:chOff x="0" y="0"/>
+          <a:chExt cx="0" cy="0"/>
+        </a:xfrm>
+      </p:grpSpPr>
+      <p:sp>
+        <p:nvSpPr>
+          <p:cNvPr id="2" name="Titel 1"/>
+          <p:cNvSpPr>
+            <a:spLocks noGrp="1"/>
+          </p:cNvSpPr>
+          <p:nvPr>
+            <p:ph type="title"/>
+          </p:nvPr>
+        </p:nvSpPr>
+        <p:spPr/>
+        <p:txBody>
+          <a:bodyPr/>
+          <a:lstStyle/>
+          <a:p>
+            <a:r>
+              <a:rPr lang="da-DK" b="1"/>
               <a:t>(Project)  | Manage NuGet Packages…</a:t>
             </a:r>
-            <a:endParaRPr lang="da-DK" b="1"/>
           </a:p>
         </p:txBody>
       </p:sp>
@@ -6454,212 +7312,18 @@
   <p:clrMapOvr>
     <a:masterClrMapping/>
   </p:clrMapOvr>
-</p:sld>
-</file>
-
-<file path=ppt/slides/slide7.xml><?xml version="1.0" encoding="utf-8"?>
-<p:sld xmlns:a="http://schemas.openxmlformats.org/drawingml/2006/main" xmlns:r="http://schemas.openxmlformats.org/officeDocument/2006/relationships" xmlns:p="http://schemas.openxmlformats.org/presentationml/2006/main">
-  <p:cSld>
-    <p:spTree>
-      <p:nvGrpSpPr>
-        <p:cNvPr id="1" name=""/>
-        <p:cNvGrpSpPr/>
-        <p:nvPr/>
-      </p:nvGrpSpPr>
-      <p:grpSpPr>
-        <a:xfrm>
-          <a:off x="0" y="0"/>
-          <a:ext cx="0" cy="0"/>
-          <a:chOff x="0" y="0"/>
-          <a:chExt cx="0" cy="0"/>
-        </a:xfrm>
-      </p:grpSpPr>
-      <p:sp>
-        <p:nvSpPr>
-          <p:cNvPr id="2" name="Titel 1"/>
-          <p:cNvSpPr>
-            <a:spLocks noGrp="1"/>
-          </p:cNvSpPr>
-          <p:nvPr>
-            <p:ph type="title"/>
-          </p:nvPr>
-        </p:nvSpPr>
-        <p:spPr/>
-        <p:txBody>
-          <a:bodyPr/>
-          <a:lstStyle/>
-          <a:p>
-            <a:r>
-              <a:rPr lang="da-DK" smtClean="0"/>
-              <a:t>Tools (Workloads)</a:t>
-            </a:r>
-            <a:endParaRPr lang="da-DK"/>
-          </a:p>
-        </p:txBody>
-      </p:sp>
-      <p:sp>
-        <p:nvSpPr>
-          <p:cNvPr id="3" name="Pladsholder til indhold 2"/>
-          <p:cNvSpPr>
-            <a:spLocks noGrp="1"/>
-          </p:cNvSpPr>
-          <p:nvPr>
-            <p:ph idx="1"/>
-          </p:nvPr>
-        </p:nvSpPr>
-        <p:spPr/>
-        <p:txBody>
-          <a:bodyPr>
-            <a:normAutofit/>
-          </a:bodyPr>
-          <a:lstStyle/>
-          <a:p>
-            <a:pPr lvl="0"/>
-            <a:r>
-              <a:rPr lang="en-US" sz="3200"/>
-              <a:t>Universal Windows Platform development</a:t>
-            </a:r>
-            <a:endParaRPr lang="da-DK" sz="3200"/>
-          </a:p>
-          <a:p>
-            <a:pPr lvl="0"/>
-            <a:r>
-              <a:rPr lang="en-US" sz="3200"/>
-              <a:t>.NET Desktop development</a:t>
-            </a:r>
-            <a:endParaRPr lang="da-DK" sz="3200"/>
-          </a:p>
-          <a:p>
-            <a:pPr lvl="0"/>
-            <a:r>
-              <a:rPr lang="en-US" sz="3200"/>
-              <a:t>Desktop development with C++</a:t>
-            </a:r>
-            <a:endParaRPr lang="da-DK" sz="3200"/>
-          </a:p>
-        </p:txBody>
-      </p:sp>
-    </p:spTree>
-    <p:extLst>
-      <p:ext uri="{BB962C8B-B14F-4D97-AF65-F5344CB8AC3E}">
-        <p14:creationId xmlns:p14="http://schemas.microsoft.com/office/powerpoint/2010/main" val="2879713384"/>
-      </p:ext>
-    </p:extLst>
-  </p:cSld>
-  <p:clrMapOvr>
-    <a:masterClrMapping/>
-  </p:clrMapOvr>
-</p:sld>
-</file>
-
-<file path=ppt/slides/slide8.xml><?xml version="1.0" encoding="utf-8"?>
-<p:sld xmlns:a="http://schemas.openxmlformats.org/drawingml/2006/main" xmlns:r="http://schemas.openxmlformats.org/officeDocument/2006/relationships" xmlns:p="http://schemas.openxmlformats.org/presentationml/2006/main">
-  <p:cSld>
-    <p:spTree>
-      <p:nvGrpSpPr>
-        <p:cNvPr id="1" name=""/>
-        <p:cNvGrpSpPr/>
-        <p:nvPr/>
-      </p:nvGrpSpPr>
-      <p:grpSpPr>
-        <a:xfrm>
-          <a:off x="0" y="0"/>
-          <a:ext cx="0" cy="0"/>
-          <a:chOff x="0" y="0"/>
-          <a:chExt cx="0" cy="0"/>
-        </a:xfrm>
-      </p:grpSpPr>
-      <p:sp>
-        <p:nvSpPr>
-          <p:cNvPr id="2" name="Titel 1"/>
-          <p:cNvSpPr>
-            <a:spLocks noGrp="1"/>
-          </p:cNvSpPr>
-          <p:nvPr>
-            <p:ph type="title"/>
-          </p:nvPr>
-        </p:nvSpPr>
-        <p:spPr/>
-        <p:txBody>
-          <a:bodyPr/>
-          <a:lstStyle/>
-          <a:p>
-            <a:r>
-              <a:rPr lang="da-DK" smtClean="0"/>
-              <a:t>Extensions</a:t>
-            </a:r>
-            <a:endParaRPr lang="da-DK"/>
-          </a:p>
-        </p:txBody>
-      </p:sp>
-      <p:sp>
-        <p:nvSpPr>
-          <p:cNvPr id="3" name="Pladsholder til indhold 2"/>
-          <p:cNvSpPr>
-            <a:spLocks noGrp="1"/>
-          </p:cNvSpPr>
-          <p:nvPr>
-            <p:ph idx="1"/>
-          </p:nvPr>
-        </p:nvSpPr>
-        <p:spPr/>
-        <p:txBody>
-          <a:bodyPr>
-            <a:normAutofit/>
-          </a:bodyPr>
-          <a:lstStyle/>
-          <a:p>
-            <a:pPr lvl="0"/>
-            <a:r>
-              <a:rPr lang="en-US" sz="3200"/>
-              <a:t>Resharper </a:t>
-            </a:r>
-            <a:r>
-              <a:rPr lang="en-US" sz="3200"/>
-              <a:t>Ultimate </a:t>
-            </a:r>
-            <a:r>
-              <a:rPr lang="en-US" sz="3200" smtClean="0"/>
-              <a:t>2017.3.x (by </a:t>
-            </a:r>
-            <a:r>
-              <a:rPr lang="en-US" sz="3200"/>
-              <a:t>Jetbrains)</a:t>
-            </a:r>
-            <a:endParaRPr lang="da-DK" sz="3200"/>
-          </a:p>
-          <a:p>
-            <a:pPr lvl="0"/>
-            <a:r>
-              <a:rPr lang="en-US" sz="3200"/>
-              <a:t>GitHub Extension for Visual </a:t>
-            </a:r>
-            <a:r>
-              <a:rPr lang="en-US" sz="3200"/>
-              <a:t>Studio </a:t>
-            </a:r>
-            <a:r>
-              <a:rPr lang="en-US" sz="3200" smtClean="0"/>
-              <a:t>2.3.x (by </a:t>
-            </a:r>
-            <a:r>
-              <a:rPr lang="en-US" sz="3200"/>
-              <a:t>GitHub)</a:t>
-            </a:r>
-            <a:endParaRPr lang="da-DK" sz="3200"/>
-          </a:p>
-        </p:txBody>
-      </p:sp>
-    </p:spTree>
-    <p:extLst>
-      <p:ext uri="{BB962C8B-B14F-4D97-AF65-F5344CB8AC3E}">
-        <p14:creationId xmlns:p14="http://schemas.microsoft.com/office/powerpoint/2010/main" val="885532665"/>
-      </p:ext>
-    </p:extLst>
-  </p:cSld>
-  <p:clrMapOvr>
-    <a:masterClrMapping/>
-  </p:clrMapOvr>
+  <mc:AlternateContent xmlns:mc="http://schemas.openxmlformats.org/markup-compatibility/2006">
+    <mc:Choice xmlns:p14="http://schemas.microsoft.com/office/powerpoint/2010/main" Requires="p14">
+      <p:transition spd="med" p14:dur="700">
+        <p:fade/>
+      </p:transition>
+    </mc:Choice>
+    <mc:Fallback>
+      <p:transition spd="med">
+        <p:fade/>
+      </p:transition>
+    </mc:Fallback>
+  </mc:AlternateContent>
 </p:sld>
 </file>
 
@@ -6696,10 +7360,9 @@
           <a:lstStyle/>
           <a:p>
             <a:r>
-              <a:rPr lang="da-DK" smtClean="0"/>
+              <a:rPr lang="da-DK"/>
               <a:t>NuGet Packages</a:t>
             </a:r>
-            <a:endParaRPr lang="da-DK"/>
           </a:p>
         </p:txBody>
       </p:sp>
@@ -6722,10 +7385,73 @@
           <a:p>
             <a:pPr lvl="0"/>
             <a:r>
-              <a:rPr lang="da-DK" sz="3200" smtClean="0"/>
-              <a:t>Project-specific…</a:t>
-            </a:r>
-            <a:endParaRPr lang="da-DK" sz="3200"/>
+              <a:rPr lang="da-DK" sz="3200" dirty="0"/>
+              <a:t>Project-</a:t>
+            </a:r>
+            <a:r>
+              <a:rPr lang="da-DK" sz="3200" dirty="0" err="1"/>
+              <a:t>specific</a:t>
+            </a:r>
+            <a:r>
+              <a:rPr lang="da-DK" sz="3200" dirty="0"/>
+              <a:t>…</a:t>
+            </a:r>
+          </a:p>
+          <a:p>
+            <a:pPr lvl="0"/>
+            <a:r>
+              <a:rPr lang="da-DK" sz="3200" dirty="0" err="1"/>
+              <a:t>We</a:t>
+            </a:r>
+            <a:r>
+              <a:rPr lang="da-DK" sz="3200" dirty="0"/>
+              <a:t> </a:t>
+            </a:r>
+            <a:r>
+              <a:rPr lang="da-DK" sz="3200" dirty="0" err="1"/>
+              <a:t>need</a:t>
+            </a:r>
+            <a:r>
+              <a:rPr lang="da-DK" sz="3200" dirty="0"/>
+              <a:t> not </a:t>
+            </a:r>
+            <a:r>
+              <a:rPr lang="da-DK" sz="3200" dirty="0" err="1"/>
+              <a:t>worry</a:t>
+            </a:r>
+            <a:r>
+              <a:rPr lang="da-DK" sz="3200" dirty="0"/>
+              <a:t> </a:t>
+            </a:r>
+            <a:r>
+              <a:rPr lang="da-DK" sz="3200" dirty="0" err="1"/>
+              <a:t>about</a:t>
+            </a:r>
+            <a:r>
+              <a:rPr lang="da-DK" sz="3200" dirty="0"/>
+              <a:t> </a:t>
+            </a:r>
+            <a:r>
+              <a:rPr lang="da-DK" sz="3200" dirty="0" err="1"/>
+              <a:t>NuGet</a:t>
+            </a:r>
+            <a:r>
+              <a:rPr lang="da-DK" sz="3200" dirty="0"/>
+              <a:t> </a:t>
+            </a:r>
+            <a:r>
+              <a:rPr lang="da-DK" sz="3200" dirty="0" err="1"/>
+              <a:t>packages</a:t>
+            </a:r>
+            <a:r>
+              <a:rPr lang="da-DK" sz="3200" dirty="0"/>
+              <a:t> </a:t>
+            </a:r>
+            <a:r>
+              <a:rPr lang="da-DK" sz="3200" dirty="0" err="1"/>
+              <a:t>initially</a:t>
+            </a:r>
+            <a:endParaRPr lang="da-DK" sz="3200" dirty="0"/>
           </a:p>
         </p:txBody>
       </p:sp>
@@ -6739,6 +7465,18 @@
   <p:clrMapOvr>
     <a:masterClrMapping/>
   </p:clrMapOvr>
+  <mc:AlternateContent xmlns:mc="http://schemas.openxmlformats.org/markup-compatibility/2006">
+    <mc:Choice xmlns:p14="http://schemas.microsoft.com/office/powerpoint/2010/main" Requires="p14">
+      <p:transition spd="med" p14:dur="700">
+        <p:fade/>
+      </p:transition>
+    </mc:Choice>
+    <mc:Fallback>
+      <p:transition spd="med">
+        <p:fade/>
+      </p:transition>
+    </mc:Fallback>
+  </mc:AlternateContent>
 </p:sld>
 </file>
 

--- a/Chap/Start/Presentations/SoftwareTools.pptx
+++ b/Chap/Start/Presentations/SoftwareTools.pptx
@@ -889,7 +889,7 @@
         <a:lstStyle/>
         <a:p>
           <a:r>
-            <a:rPr lang="da-DK" sz="3200" dirty="0"/>
+            <a:rPr lang="da-DK" sz="3600" dirty="0"/>
             <a:t>Tools</a:t>
           </a:r>
         </a:p>
@@ -925,7 +925,7 @@
         <a:lstStyle/>
         <a:p>
           <a:r>
-            <a:rPr lang="da-DK" sz="3200"/>
+            <a:rPr lang="da-DK" sz="3600" dirty="0"/>
             <a:t>Extensions</a:t>
           </a:r>
         </a:p>
@@ -961,7 +961,7 @@
         <a:lstStyle/>
         <a:p>
           <a:r>
-            <a:rPr lang="da-DK" sz="3200" dirty="0"/>
+            <a:rPr lang="da-DK" sz="3600" dirty="0"/>
             <a:t>Packages</a:t>
           </a:r>
         </a:p>
@@ -1025,7 +1025,7 @@
       <dgm:spPr/>
     </dgm:pt>
     <dgm:pt modelId="{15564D41-4987-4658-8060-182AEADD3350}" type="pres">
-      <dgm:prSet presAssocID="{598936FB-EA30-4544-9D30-9C697E82924C}" presName="parentNode" presStyleLbl="node1" presStyleIdx="1" presStyleCnt="4" custLinFactNeighborX="71112" custLinFactNeighborY="-434">
+      <dgm:prSet presAssocID="{598936FB-EA30-4544-9D30-9C697E82924C}" presName="parentNode" presStyleLbl="node1" presStyleIdx="1" presStyleCnt="4" custScaleX="155832" custLinFactNeighborX="71112" custLinFactNeighborY="-434">
         <dgm:presLayoutVars>
           <dgm:chMax val="1"/>
           <dgm:bulletEnabled val="1"/>
@@ -1050,7 +1050,7 @@
       <dgm:spPr/>
     </dgm:pt>
     <dgm:pt modelId="{9A6B67E2-7CE6-4293-BF78-BC40F48E9E5F}" type="pres">
-      <dgm:prSet presAssocID="{0AAB4A42-AB4E-40EC-972D-34CA29806B8B}" presName="parentNode" presStyleLbl="node1" presStyleIdx="2" presStyleCnt="4" custLinFactNeighborX="35989">
+      <dgm:prSet presAssocID="{0AAB4A42-AB4E-40EC-972D-34CA29806B8B}" presName="parentNode" presStyleLbl="node1" presStyleIdx="2" presStyleCnt="4" custScaleX="161331" custLinFactNeighborX="35989">
         <dgm:presLayoutVars>
           <dgm:chMax val="1"/>
           <dgm:bulletEnabled val="1"/>
@@ -1075,7 +1075,7 @@
       <dgm:spPr/>
     </dgm:pt>
     <dgm:pt modelId="{8ABC1EC4-5142-4A17-AF3D-BE6AAD7C9E7C}" type="pres">
-      <dgm:prSet presAssocID="{5C28909E-D761-41B4-B772-C4F061B77CAA}" presName="parentNode" presStyleLbl="node1" presStyleIdx="3" presStyleCnt="4">
+      <dgm:prSet presAssocID="{5C28909E-D761-41B4-B772-C4F061B77CAA}" presName="parentNode" presStyleLbl="node1" presStyleIdx="3" presStyleCnt="4" custScaleX="163472" custLinFactNeighborX="76295" custLinFactNeighborY="-1513">
         <dgm:presLayoutVars>
           <dgm:chMax val="1"/>
           <dgm:bulletEnabled val="1"/>
@@ -1144,9 +1144,9 @@
         <dsp:cNvSpPr/>
       </dsp:nvSpPr>
       <dsp:spPr>
-        <a:xfrm rot="2561062">
-          <a:off x="4122272" y="4487740"/>
-          <a:ext cx="971437" cy="46933"/>
+        <a:xfrm rot="1865630">
+          <a:off x="3766095" y="4291500"/>
+          <a:ext cx="1841591" cy="46933"/>
         </a:xfrm>
         <a:custGeom>
           <a:avLst/>
@@ -1160,7 +1160,7 @@
                 <a:pt x="0" y="23466"/>
               </a:moveTo>
               <a:lnTo>
-                <a:pt x="971437" y="23466"/>
+                <a:pt x="1841591" y="23466"/>
               </a:lnTo>
             </a:path>
           </a:pathLst>
@@ -1206,8 +1206,8 @@
       </dsp:nvSpPr>
       <dsp:spPr>
         <a:xfrm>
-          <a:off x="4250939" y="3168841"/>
-          <a:ext cx="1741173" cy="46933"/>
+          <a:off x="3898393" y="3168841"/>
+          <a:ext cx="1036081" cy="46933"/>
         </a:xfrm>
         <a:custGeom>
           <a:avLst/>
@@ -1221,7 +1221,7 @@
                 <a:pt x="0" y="23466"/>
               </a:moveTo>
               <a:lnTo>
-                <a:pt x="1741173" y="23466"/>
+                <a:pt x="1036081" y="23466"/>
               </a:lnTo>
             </a:path>
           </a:pathLst>
@@ -1266,9 +1266,9 @@
         <dsp:cNvSpPr/>
       </dsp:nvSpPr>
       <dsp:spPr>
-        <a:xfrm rot="19735593">
-          <a:off x="4090902" y="1946597"/>
-          <a:ext cx="2230581" cy="46933"/>
+        <a:xfrm rot="19682540">
+          <a:off x="3760645" y="2018399"/>
+          <a:ext cx="1817724" cy="46933"/>
         </a:xfrm>
         <a:custGeom>
           <a:avLst/>
@@ -1282,7 +1282,7 @@
                 <a:pt x="0" y="23466"/>
               </a:moveTo>
               <a:lnTo>
-                <a:pt x="2230581" y="23466"/>
+                <a:pt x="1817724" y="23466"/>
               </a:lnTo>
             </a:path>
           </a:pathLst>
@@ -1328,7 +1328,7 @@
       </dsp:nvSpPr>
       <dsp:spPr>
         <a:xfrm>
-          <a:off x="1673391" y="1659440"/>
+          <a:off x="1320845" y="1659440"/>
           <a:ext cx="3065735" cy="3065735"/>
         </a:xfrm>
         <a:prstGeom prst="ellipse">
@@ -1407,8 +1407,8 @@
       </dsp:nvSpPr>
       <dsp:spPr>
         <a:xfrm>
-          <a:off x="6029472" y="0"/>
-          <a:ext cx="1839441" cy="1839441"/>
+          <a:off x="5035053" y="0"/>
+          <a:ext cx="2866438" cy="1839441"/>
         </a:xfrm>
         <a:prstGeom prst="ellipse">
           <a:avLst/>
@@ -1479,12 +1479,12 @@
         </a:fontRef>
       </dsp:style>
       <dsp:txBody>
-        <a:bodyPr spcFirstLastPara="0" vert="horz" wrap="square" lIns="20320" tIns="20320" rIns="20320" bIns="20320" numCol="1" spcCol="1270" anchor="ctr" anchorCtr="0">
+        <a:bodyPr spcFirstLastPara="0" vert="horz" wrap="square" lIns="22860" tIns="22860" rIns="22860" bIns="22860" numCol="1" spcCol="1270" anchor="ctr" anchorCtr="0">
           <a:noAutofit/>
         </a:bodyPr>
         <a:lstStyle/>
         <a:p>
-          <a:pPr marL="0" lvl="0" indent="0" algn="ctr" defTabSz="1422400">
+          <a:pPr marL="0" lvl="0" indent="0" algn="ctr" defTabSz="1600200">
             <a:lnSpc>
               <a:spcPct val="90000"/>
             </a:lnSpc>
@@ -1497,14 +1497,14 @@
             <a:buNone/>
           </a:pPr>
           <a:r>
-            <a:rPr lang="da-DK" sz="3200" kern="1200" dirty="0"/>
+            <a:rPr lang="da-DK" sz="3600" kern="1200" dirty="0"/>
             <a:t>Tools</a:t>
           </a:r>
         </a:p>
       </dsp:txBody>
       <dsp:txXfrm>
-        <a:off x="6298852" y="269380"/>
-        <a:ext cx="1300681" cy="1300681"/>
+        <a:off x="5454833" y="269380"/>
+        <a:ext cx="2026878" cy="1300681"/>
       </dsp:txXfrm>
     </dsp:sp>
     <dsp:sp modelId="{9A6B67E2-7CE6-4293-BF78-BC40F48E9E5F}">
@@ -1514,8 +1514,8 @@
       </dsp:nvSpPr>
       <dsp:spPr>
         <a:xfrm>
-          <a:off x="5992113" y="2272587"/>
-          <a:ext cx="1839441" cy="1839441"/>
+          <a:off x="4934474" y="2272587"/>
+          <a:ext cx="2967589" cy="1839441"/>
         </a:xfrm>
         <a:prstGeom prst="ellipse">
           <a:avLst/>
@@ -1586,12 +1586,12 @@
         </a:fontRef>
       </dsp:style>
       <dsp:txBody>
-        <a:bodyPr spcFirstLastPara="0" vert="horz" wrap="square" lIns="20320" tIns="20320" rIns="20320" bIns="20320" numCol="1" spcCol="1270" anchor="ctr" anchorCtr="0">
+        <a:bodyPr spcFirstLastPara="0" vert="horz" wrap="square" lIns="22860" tIns="22860" rIns="22860" bIns="22860" numCol="1" spcCol="1270" anchor="ctr" anchorCtr="0">
           <a:noAutofit/>
         </a:bodyPr>
         <a:lstStyle/>
         <a:p>
-          <a:pPr marL="0" lvl="0" indent="0" algn="ctr" defTabSz="1422400">
+          <a:pPr marL="0" lvl="0" indent="0" algn="ctr" defTabSz="1600200">
             <a:lnSpc>
               <a:spcPct val="90000"/>
             </a:lnSpc>
@@ -1604,14 +1604,14 @@
             <a:buNone/>
           </a:pPr>
           <a:r>
-            <a:rPr lang="da-DK" sz="3200" kern="1200"/>
+            <a:rPr lang="da-DK" sz="3600" kern="1200" dirty="0"/>
             <a:t>Extensions</a:t>
           </a:r>
         </a:p>
       </dsp:txBody>
       <dsp:txXfrm>
-        <a:off x="6261493" y="2541967"/>
-        <a:ext cx="1300681" cy="1300681"/>
+        <a:off x="5369067" y="2541967"/>
+        <a:ext cx="2098403" cy="1300681"/>
       </dsp:txXfrm>
     </dsp:sp>
     <dsp:sp modelId="{8ABC1EC4-5142-4A17-AF3D-BE6AAD7C9E7C}">
@@ -1621,8 +1621,8 @@
       </dsp:nvSpPr>
       <dsp:spPr>
         <a:xfrm>
-          <a:off x="4721408" y="4544317"/>
-          <a:ext cx="1839441" cy="1839441"/>
+          <a:off x="5042558" y="4516486"/>
+          <a:ext cx="3006971" cy="1839441"/>
         </a:xfrm>
         <a:prstGeom prst="ellipse">
           <a:avLst/>
@@ -1693,12 +1693,12 @@
         </a:fontRef>
       </dsp:style>
       <dsp:txBody>
-        <a:bodyPr spcFirstLastPara="0" vert="horz" wrap="square" lIns="20320" tIns="20320" rIns="20320" bIns="20320" numCol="1" spcCol="1270" anchor="ctr" anchorCtr="0">
+        <a:bodyPr spcFirstLastPara="0" vert="horz" wrap="square" lIns="22860" tIns="22860" rIns="22860" bIns="22860" numCol="1" spcCol="1270" anchor="ctr" anchorCtr="0">
           <a:noAutofit/>
         </a:bodyPr>
         <a:lstStyle/>
         <a:p>
-          <a:pPr marL="0" lvl="0" indent="0" algn="ctr" defTabSz="1422400">
+          <a:pPr marL="0" lvl="0" indent="0" algn="ctr" defTabSz="1600200">
             <a:lnSpc>
               <a:spcPct val="90000"/>
             </a:lnSpc>
@@ -1711,14 +1711,14 @@
             <a:buNone/>
           </a:pPr>
           <a:r>
-            <a:rPr lang="da-DK" sz="3200" kern="1200" dirty="0"/>
+            <a:rPr lang="da-DK" sz="3600" kern="1200" dirty="0"/>
             <a:t>Packages</a:t>
           </a:r>
         </a:p>
       </dsp:txBody>
       <dsp:txXfrm>
-        <a:off x="4990788" y="4813697"/>
-        <a:ext cx="1300681" cy="1300681"/>
+        <a:off x="5482919" y="4785866"/>
+        <a:ext cx="2126249" cy="1300681"/>
       </dsp:txXfrm>
     </dsp:sp>
   </dsp:spTree>
@@ -3316,7 +3316,7 @@
           <a:p>
             <a:fld id="{E15B7D8E-2A20-4C0E-991C-872DBB7459A8}" type="datetimeFigureOut">
               <a:rPr lang="da-DK" smtClean="0"/>
-              <a:t>20-08-2022</a:t>
+              <a:t>04-09-2022</a:t>
             </a:fld>
             <a:endParaRPr lang="da-DK"/>
           </a:p>
@@ -3484,7 +3484,7 @@
           <a:p>
             <a:fld id="{E15B7D8E-2A20-4C0E-991C-872DBB7459A8}" type="datetimeFigureOut">
               <a:rPr lang="da-DK" smtClean="0"/>
-              <a:t>20-08-2022</a:t>
+              <a:t>04-09-2022</a:t>
             </a:fld>
             <a:endParaRPr lang="da-DK"/>
           </a:p>
@@ -3662,7 +3662,7 @@
           <a:p>
             <a:fld id="{E15B7D8E-2A20-4C0E-991C-872DBB7459A8}" type="datetimeFigureOut">
               <a:rPr lang="da-DK" smtClean="0"/>
-              <a:t>20-08-2022</a:t>
+              <a:t>04-09-2022</a:t>
             </a:fld>
             <a:endParaRPr lang="da-DK"/>
           </a:p>
@@ -3830,7 +3830,7 @@
           <a:p>
             <a:fld id="{E15B7D8E-2A20-4C0E-991C-872DBB7459A8}" type="datetimeFigureOut">
               <a:rPr lang="da-DK" smtClean="0"/>
-              <a:t>20-08-2022</a:t>
+              <a:t>04-09-2022</a:t>
             </a:fld>
             <a:endParaRPr lang="da-DK"/>
           </a:p>
@@ -4075,7 +4075,7 @@
           <a:p>
             <a:fld id="{E15B7D8E-2A20-4C0E-991C-872DBB7459A8}" type="datetimeFigureOut">
               <a:rPr lang="da-DK" smtClean="0"/>
-              <a:t>20-08-2022</a:t>
+              <a:t>04-09-2022</a:t>
             </a:fld>
             <a:endParaRPr lang="da-DK"/>
           </a:p>
@@ -4304,7 +4304,7 @@
           <a:p>
             <a:fld id="{E15B7D8E-2A20-4C0E-991C-872DBB7459A8}" type="datetimeFigureOut">
               <a:rPr lang="da-DK" smtClean="0"/>
-              <a:t>20-08-2022</a:t>
+              <a:t>04-09-2022</a:t>
             </a:fld>
             <a:endParaRPr lang="da-DK"/>
           </a:p>
@@ -4668,7 +4668,7 @@
           <a:p>
             <a:fld id="{E15B7D8E-2A20-4C0E-991C-872DBB7459A8}" type="datetimeFigureOut">
               <a:rPr lang="da-DK" smtClean="0"/>
-              <a:t>20-08-2022</a:t>
+              <a:t>04-09-2022</a:t>
             </a:fld>
             <a:endParaRPr lang="da-DK"/>
           </a:p>
@@ -4785,7 +4785,7 @@
           <a:p>
             <a:fld id="{E15B7D8E-2A20-4C0E-991C-872DBB7459A8}" type="datetimeFigureOut">
               <a:rPr lang="da-DK" smtClean="0"/>
-              <a:t>20-08-2022</a:t>
+              <a:t>04-09-2022</a:t>
             </a:fld>
             <a:endParaRPr lang="da-DK"/>
           </a:p>
@@ -4880,7 +4880,7 @@
           <a:p>
             <a:fld id="{E15B7D8E-2A20-4C0E-991C-872DBB7459A8}" type="datetimeFigureOut">
               <a:rPr lang="da-DK" smtClean="0"/>
-              <a:t>20-08-2022</a:t>
+              <a:t>04-09-2022</a:t>
             </a:fld>
             <a:endParaRPr lang="da-DK"/>
           </a:p>
@@ -5155,7 +5155,7 @@
           <a:p>
             <a:fld id="{E15B7D8E-2A20-4C0E-991C-872DBB7459A8}" type="datetimeFigureOut">
               <a:rPr lang="da-DK" smtClean="0"/>
-              <a:t>20-08-2022</a:t>
+              <a:t>04-09-2022</a:t>
             </a:fld>
             <a:endParaRPr lang="da-DK"/>
           </a:p>
@@ -5407,7 +5407,7 @@
           <a:p>
             <a:fld id="{E15B7D8E-2A20-4C0E-991C-872DBB7459A8}" type="datetimeFigureOut">
               <a:rPr lang="da-DK" smtClean="0"/>
-              <a:t>20-08-2022</a:t>
+              <a:t>04-09-2022</a:t>
             </a:fld>
             <a:endParaRPr lang="da-DK"/>
           </a:p>
@@ -5618,7 +5618,7 @@
           <a:p>
             <a:fld id="{E15B7D8E-2A20-4C0E-991C-872DBB7459A8}" type="datetimeFigureOut">
               <a:rPr lang="da-DK" smtClean="0"/>
-              <a:t>20-08-2022</a:t>
+              <a:t>04-09-2022</a:t>
             </a:fld>
             <a:endParaRPr lang="da-DK"/>
           </a:p>
@@ -6265,13 +6265,13 @@
   <p:clrMapOvr>
     <a:masterClrMapping/>
   </p:clrMapOvr>
-  <mc:AlternateContent xmlns:mc="http://schemas.openxmlformats.org/markup-compatibility/2006">
-    <mc:Choice xmlns:p14="http://schemas.microsoft.com/office/powerpoint/2010/main" Requires="p14">
+  <mc:AlternateContent xmlns:mc="http://schemas.openxmlformats.org/markup-compatibility/2006" xmlns:p14="http://schemas.microsoft.com/office/powerpoint/2010/main">
+    <mc:Choice Requires="p14">
       <p:transition spd="med" p14:dur="700">
         <p:fade/>
       </p:transition>
     </mc:Choice>
-    <mc:Fallback>
+    <mc:Fallback xmlns="">
       <p:transition spd="med">
         <p:fade/>
       </p:transition>
@@ -6574,13 +6574,13 @@
   <p:clrMapOvr>
     <a:masterClrMapping/>
   </p:clrMapOvr>
-  <mc:AlternateContent xmlns:mc="http://schemas.openxmlformats.org/markup-compatibility/2006">
-    <mc:Choice xmlns:p14="http://schemas.microsoft.com/office/powerpoint/2010/main" Requires="p14">
+  <mc:AlternateContent xmlns:mc="http://schemas.openxmlformats.org/markup-compatibility/2006" xmlns:p14="http://schemas.microsoft.com/office/powerpoint/2010/main">
+    <mc:Choice Requires="p14">
       <p:transition spd="med" p14:dur="700">
         <p:fade/>
       </p:transition>
     </mc:Choice>
-    <mc:Fallback>
+    <mc:Fallback xmlns="">
       <p:transition spd="med">
         <p:fade/>
       </p:transition>
@@ -6613,7 +6613,7 @@
           <p:nvPr>
             <p:extLst>
               <p:ext uri="{D42A27DB-BD31-4B8C-83A1-F6EECF244321}">
-                <p14:modId xmlns:p14="http://schemas.microsoft.com/office/powerpoint/2010/main" val="1443804402"/>
+                <p14:modId xmlns:p14="http://schemas.microsoft.com/office/powerpoint/2010/main" val="1046370966"/>
               </p:ext>
             </p:extLst>
           </p:nvPr>
@@ -6650,7 +6650,7 @@
         </p:blipFill>
         <p:spPr>
           <a:xfrm>
-            <a:off x="1586652" y="1604553"/>
+            <a:off x="1284502" y="1604553"/>
             <a:ext cx="3648894" cy="3648894"/>
           </a:xfrm>
           <a:prstGeom prst="rect">
@@ -6668,13 +6668,13 @@
   <p:clrMapOvr>
     <a:masterClrMapping/>
   </p:clrMapOvr>
-  <mc:AlternateContent xmlns:mc="http://schemas.openxmlformats.org/markup-compatibility/2006">
-    <mc:Choice xmlns:p14="http://schemas.microsoft.com/office/powerpoint/2010/main" Requires="p14">
+  <mc:AlternateContent xmlns:mc="http://schemas.openxmlformats.org/markup-compatibility/2006" xmlns:p14="http://schemas.microsoft.com/office/powerpoint/2010/main">
+    <mc:Choice Requires="p14">
       <p:transition spd="med" p14:dur="700">
         <p:fade/>
       </p:transition>
     </mc:Choice>
-    <mc:Fallback>
+    <mc:Fallback xmlns="">
       <p:transition spd="med">
         <p:fade/>
       </p:transition>
@@ -6874,13 +6874,13 @@
   <p:clrMapOvr>
     <a:masterClrMapping/>
   </p:clrMapOvr>
-  <mc:AlternateContent xmlns:mc="http://schemas.openxmlformats.org/markup-compatibility/2006">
-    <mc:Choice xmlns:p14="http://schemas.microsoft.com/office/powerpoint/2010/main" Requires="p14">
+  <mc:AlternateContent xmlns:mc="http://schemas.openxmlformats.org/markup-compatibility/2006" xmlns:p14="http://schemas.microsoft.com/office/powerpoint/2010/main">
+    <mc:Choice Requires="p14">
       <p:transition spd="med" p14:dur="700">
         <p:fade/>
       </p:transition>
     </mc:Choice>
-    <mc:Fallback>
+    <mc:Fallback xmlns="">
       <p:transition spd="med">
         <p:fade/>
       </p:transition>
@@ -6980,13 +6980,13 @@
   <p:clrMapOvr>
     <a:masterClrMapping/>
   </p:clrMapOvr>
-  <mc:AlternateContent xmlns:mc="http://schemas.openxmlformats.org/markup-compatibility/2006">
-    <mc:Choice xmlns:p14="http://schemas.microsoft.com/office/powerpoint/2010/main" Requires="p14">
+  <mc:AlternateContent xmlns:mc="http://schemas.openxmlformats.org/markup-compatibility/2006" xmlns:p14="http://schemas.microsoft.com/office/powerpoint/2010/main">
+    <mc:Choice Requires="p14">
       <p:transition spd="med" p14:dur="700">
         <p:fade/>
       </p:transition>
     </mc:Choice>
-    <mc:Fallback>
+    <mc:Fallback xmlns="">
       <p:transition spd="med">
         <p:fade/>
       </p:transition>
@@ -7138,13 +7138,13 @@
   <p:clrMapOvr>
     <a:masterClrMapping/>
   </p:clrMapOvr>
-  <mc:AlternateContent xmlns:mc="http://schemas.openxmlformats.org/markup-compatibility/2006">
-    <mc:Choice xmlns:p14="http://schemas.microsoft.com/office/powerpoint/2010/main" Requires="p14">
+  <mc:AlternateContent xmlns:mc="http://schemas.openxmlformats.org/markup-compatibility/2006" xmlns:p14="http://schemas.microsoft.com/office/powerpoint/2010/main">
+    <mc:Choice Requires="p14">
       <p:transition spd="med" p14:dur="700">
         <p:fade/>
       </p:transition>
     </mc:Choice>
-    <mc:Fallback>
+    <mc:Fallback xmlns="">
       <p:transition spd="med">
         <p:fade/>
       </p:transition>
@@ -7312,13 +7312,13 @@
   <p:clrMapOvr>
     <a:masterClrMapping/>
   </p:clrMapOvr>
-  <mc:AlternateContent xmlns:mc="http://schemas.openxmlformats.org/markup-compatibility/2006">
-    <mc:Choice xmlns:p14="http://schemas.microsoft.com/office/powerpoint/2010/main" Requires="p14">
+  <mc:AlternateContent xmlns:mc="http://schemas.openxmlformats.org/markup-compatibility/2006" xmlns:p14="http://schemas.microsoft.com/office/powerpoint/2010/main">
+    <mc:Choice Requires="p14">
       <p:transition spd="med" p14:dur="700">
         <p:fade/>
       </p:transition>
     </mc:Choice>
-    <mc:Fallback>
+    <mc:Fallback xmlns="">
       <p:transition spd="med">
         <p:fade/>
       </p:transition>
@@ -7465,13 +7465,13 @@
   <p:clrMapOvr>
     <a:masterClrMapping/>
   </p:clrMapOvr>
-  <mc:AlternateContent xmlns:mc="http://schemas.openxmlformats.org/markup-compatibility/2006">
-    <mc:Choice xmlns:p14="http://schemas.microsoft.com/office/powerpoint/2010/main" Requires="p14">
+  <mc:AlternateContent xmlns:mc="http://schemas.openxmlformats.org/markup-compatibility/2006" xmlns:p14="http://schemas.microsoft.com/office/powerpoint/2010/main">
+    <mc:Choice Requires="p14">
       <p:transition spd="med" p14:dur="700">
         <p:fade/>
       </p:transition>
     </mc:Choice>
-    <mc:Fallback>
+    <mc:Fallback xmlns="">
       <p:transition spd="med">
         <p:fade/>
       </p:transition>

--- a/Chap/Start/Presentations/SoftwareTools.pptx
+++ b/Chap/Start/Presentations/SoftwareTools.pptx
@@ -3316,7 +3316,7 @@
           <a:p>
             <a:fld id="{E15B7D8E-2A20-4C0E-991C-872DBB7459A8}" type="datetimeFigureOut">
               <a:rPr lang="da-DK" smtClean="0"/>
-              <a:t>04-09-2022</a:t>
+              <a:t>20-08-2023</a:t>
             </a:fld>
             <a:endParaRPr lang="da-DK"/>
           </a:p>
@@ -3484,7 +3484,7 @@
           <a:p>
             <a:fld id="{E15B7D8E-2A20-4C0E-991C-872DBB7459A8}" type="datetimeFigureOut">
               <a:rPr lang="da-DK" smtClean="0"/>
-              <a:t>04-09-2022</a:t>
+              <a:t>20-08-2023</a:t>
             </a:fld>
             <a:endParaRPr lang="da-DK"/>
           </a:p>
@@ -3662,7 +3662,7 @@
           <a:p>
             <a:fld id="{E15B7D8E-2A20-4C0E-991C-872DBB7459A8}" type="datetimeFigureOut">
               <a:rPr lang="da-DK" smtClean="0"/>
-              <a:t>04-09-2022</a:t>
+              <a:t>20-08-2023</a:t>
             </a:fld>
             <a:endParaRPr lang="da-DK"/>
           </a:p>
@@ -3830,7 +3830,7 @@
           <a:p>
             <a:fld id="{E15B7D8E-2A20-4C0E-991C-872DBB7459A8}" type="datetimeFigureOut">
               <a:rPr lang="da-DK" smtClean="0"/>
-              <a:t>04-09-2022</a:t>
+              <a:t>20-08-2023</a:t>
             </a:fld>
             <a:endParaRPr lang="da-DK"/>
           </a:p>
@@ -4075,7 +4075,7 @@
           <a:p>
             <a:fld id="{E15B7D8E-2A20-4C0E-991C-872DBB7459A8}" type="datetimeFigureOut">
               <a:rPr lang="da-DK" smtClean="0"/>
-              <a:t>04-09-2022</a:t>
+              <a:t>20-08-2023</a:t>
             </a:fld>
             <a:endParaRPr lang="da-DK"/>
           </a:p>
@@ -4304,7 +4304,7 @@
           <a:p>
             <a:fld id="{E15B7D8E-2A20-4C0E-991C-872DBB7459A8}" type="datetimeFigureOut">
               <a:rPr lang="da-DK" smtClean="0"/>
-              <a:t>04-09-2022</a:t>
+              <a:t>20-08-2023</a:t>
             </a:fld>
             <a:endParaRPr lang="da-DK"/>
           </a:p>
@@ -4668,7 +4668,7 @@
           <a:p>
             <a:fld id="{E15B7D8E-2A20-4C0E-991C-872DBB7459A8}" type="datetimeFigureOut">
               <a:rPr lang="da-DK" smtClean="0"/>
-              <a:t>04-09-2022</a:t>
+              <a:t>20-08-2023</a:t>
             </a:fld>
             <a:endParaRPr lang="da-DK"/>
           </a:p>
@@ -4785,7 +4785,7 @@
           <a:p>
             <a:fld id="{E15B7D8E-2A20-4C0E-991C-872DBB7459A8}" type="datetimeFigureOut">
               <a:rPr lang="da-DK" smtClean="0"/>
-              <a:t>04-09-2022</a:t>
+              <a:t>20-08-2023</a:t>
             </a:fld>
             <a:endParaRPr lang="da-DK"/>
           </a:p>
@@ -4880,7 +4880,7 @@
           <a:p>
             <a:fld id="{E15B7D8E-2A20-4C0E-991C-872DBB7459A8}" type="datetimeFigureOut">
               <a:rPr lang="da-DK" smtClean="0"/>
-              <a:t>04-09-2022</a:t>
+              <a:t>20-08-2023</a:t>
             </a:fld>
             <a:endParaRPr lang="da-DK"/>
           </a:p>
@@ -5155,7 +5155,7 @@
           <a:p>
             <a:fld id="{E15B7D8E-2A20-4C0E-991C-872DBB7459A8}" type="datetimeFigureOut">
               <a:rPr lang="da-DK" smtClean="0"/>
-              <a:t>04-09-2022</a:t>
+              <a:t>20-08-2023</a:t>
             </a:fld>
             <a:endParaRPr lang="da-DK"/>
           </a:p>
@@ -5407,7 +5407,7 @@
           <a:p>
             <a:fld id="{E15B7D8E-2A20-4C0E-991C-872DBB7459A8}" type="datetimeFigureOut">
               <a:rPr lang="da-DK" smtClean="0"/>
-              <a:t>04-09-2022</a:t>
+              <a:t>20-08-2023</a:t>
             </a:fld>
             <a:endParaRPr lang="da-DK"/>
           </a:p>
@@ -5618,7 +5618,7 @@
           <a:p>
             <a:fld id="{E15B7D8E-2A20-4C0E-991C-872DBB7459A8}" type="datetimeFigureOut">
               <a:rPr lang="da-DK" smtClean="0"/>
-              <a:t>04-09-2022</a:t>
+              <a:t>20-08-2023</a:t>
             </a:fld>
             <a:endParaRPr lang="da-DK"/>
           </a:p>
@@ -6213,7 +6213,19 @@
             <a:pPr lvl="0"/>
             <a:r>
               <a:rPr lang="en-US"/>
-              <a:t>Help us find and </a:t>
+              <a:t>Help us </a:t>
+            </a:r>
+            <a:r>
+              <a:rPr lang="en-US">
+                <a:solidFill>
+                  <a:srgbClr val="FF0000"/>
+                </a:solidFill>
+              </a:rPr>
+              <a:t>find</a:t>
+            </a:r>
+            <a:r>
+              <a:rPr lang="en-US"/>
+              <a:t> and </a:t>
             </a:r>
             <a:r>
               <a:rPr lang="en-US">
@@ -7360,8 +7372,12 @@
           <a:lstStyle/>
           <a:p>
             <a:r>
+              <a:rPr lang="da-DK" b="1"/>
+              <a:t>NuGet</a:t>
+            </a:r>
+            <a:r>
               <a:rPr lang="da-DK"/>
-              <a:t>NuGet Packages</a:t>
+              <a:t> Packages</a:t>
             </a:r>
           </a:p>
         </p:txBody>
@@ -7432,7 +7448,7 @@
               <a:t> </a:t>
             </a:r>
             <a:r>
-              <a:rPr lang="da-DK" sz="3200" dirty="0" err="1"/>
+              <a:rPr lang="da-DK" sz="3200" b="1" dirty="0" err="1"/>
               <a:t>NuGet</a:t>
             </a:r>
             <a:r>

--- a/Chap/Start/Presentations/SoftwareTools.pptx
+++ b/Chap/Start/Presentations/SoftwareTools.pptx
@@ -3316,7 +3316,7 @@
           <a:p>
             <a:fld id="{E15B7D8E-2A20-4C0E-991C-872DBB7459A8}" type="datetimeFigureOut">
               <a:rPr lang="da-DK" smtClean="0"/>
-              <a:t>20-08-2023</a:t>
+              <a:t>23-08-2024</a:t>
             </a:fld>
             <a:endParaRPr lang="da-DK"/>
           </a:p>
@@ -3484,7 +3484,7 @@
           <a:p>
             <a:fld id="{E15B7D8E-2A20-4C0E-991C-872DBB7459A8}" type="datetimeFigureOut">
               <a:rPr lang="da-DK" smtClean="0"/>
-              <a:t>20-08-2023</a:t>
+              <a:t>23-08-2024</a:t>
             </a:fld>
             <a:endParaRPr lang="da-DK"/>
           </a:p>
@@ -3662,7 +3662,7 @@
           <a:p>
             <a:fld id="{E15B7D8E-2A20-4C0E-991C-872DBB7459A8}" type="datetimeFigureOut">
               <a:rPr lang="da-DK" smtClean="0"/>
-              <a:t>20-08-2023</a:t>
+              <a:t>23-08-2024</a:t>
             </a:fld>
             <a:endParaRPr lang="da-DK"/>
           </a:p>
@@ -3830,7 +3830,7 @@
           <a:p>
             <a:fld id="{E15B7D8E-2A20-4C0E-991C-872DBB7459A8}" type="datetimeFigureOut">
               <a:rPr lang="da-DK" smtClean="0"/>
-              <a:t>20-08-2023</a:t>
+              <a:t>23-08-2024</a:t>
             </a:fld>
             <a:endParaRPr lang="da-DK"/>
           </a:p>
@@ -4075,7 +4075,7 @@
           <a:p>
             <a:fld id="{E15B7D8E-2A20-4C0E-991C-872DBB7459A8}" type="datetimeFigureOut">
               <a:rPr lang="da-DK" smtClean="0"/>
-              <a:t>20-08-2023</a:t>
+              <a:t>23-08-2024</a:t>
             </a:fld>
             <a:endParaRPr lang="da-DK"/>
           </a:p>
@@ -4304,7 +4304,7 @@
           <a:p>
             <a:fld id="{E15B7D8E-2A20-4C0E-991C-872DBB7459A8}" type="datetimeFigureOut">
               <a:rPr lang="da-DK" smtClean="0"/>
-              <a:t>20-08-2023</a:t>
+              <a:t>23-08-2024</a:t>
             </a:fld>
             <a:endParaRPr lang="da-DK"/>
           </a:p>
@@ -4668,7 +4668,7 @@
           <a:p>
             <a:fld id="{E15B7D8E-2A20-4C0E-991C-872DBB7459A8}" type="datetimeFigureOut">
               <a:rPr lang="da-DK" smtClean="0"/>
-              <a:t>20-08-2023</a:t>
+              <a:t>23-08-2024</a:t>
             </a:fld>
             <a:endParaRPr lang="da-DK"/>
           </a:p>
@@ -4785,7 +4785,7 @@
           <a:p>
             <a:fld id="{E15B7D8E-2A20-4C0E-991C-872DBB7459A8}" type="datetimeFigureOut">
               <a:rPr lang="da-DK" smtClean="0"/>
-              <a:t>20-08-2023</a:t>
+              <a:t>23-08-2024</a:t>
             </a:fld>
             <a:endParaRPr lang="da-DK"/>
           </a:p>
@@ -4880,7 +4880,7 @@
           <a:p>
             <a:fld id="{E15B7D8E-2A20-4C0E-991C-872DBB7459A8}" type="datetimeFigureOut">
               <a:rPr lang="da-DK" smtClean="0"/>
-              <a:t>20-08-2023</a:t>
+              <a:t>23-08-2024</a:t>
             </a:fld>
             <a:endParaRPr lang="da-DK"/>
           </a:p>
@@ -5155,7 +5155,7 @@
           <a:p>
             <a:fld id="{E15B7D8E-2A20-4C0E-991C-872DBB7459A8}" type="datetimeFigureOut">
               <a:rPr lang="da-DK" smtClean="0"/>
-              <a:t>20-08-2023</a:t>
+              <a:t>23-08-2024</a:t>
             </a:fld>
             <a:endParaRPr lang="da-DK"/>
           </a:p>
@@ -5407,7 +5407,7 @@
           <a:p>
             <a:fld id="{E15B7D8E-2A20-4C0E-991C-872DBB7459A8}" type="datetimeFigureOut">
               <a:rPr lang="da-DK" smtClean="0"/>
-              <a:t>20-08-2023</a:t>
+              <a:t>23-08-2024</a:t>
             </a:fld>
             <a:endParaRPr lang="da-DK"/>
           </a:p>
@@ -5618,7 +5618,7 @@
           <a:p>
             <a:fld id="{E15B7D8E-2A20-4C0E-991C-872DBB7459A8}" type="datetimeFigureOut">
               <a:rPr lang="da-DK" smtClean="0"/>
-              <a:t>20-08-2023</a:t>
+              <a:t>23-08-2024</a:t>
             </a:fld>
             <a:endParaRPr lang="da-DK"/>
           </a:p>
@@ -6107,7 +6107,12 @@
             <p:ph idx="1"/>
           </p:nvPr>
         </p:nvSpPr>
-        <p:spPr/>
+        <p:spPr>
+          <a:xfrm>
+            <a:off x="838200" y="1690688"/>
+            <a:ext cx="10515600" cy="4733966"/>
+          </a:xfrm>
+        </p:spPr>
         <p:txBody>
           <a:bodyPr>
             <a:normAutofit/>
@@ -6205,7 +6210,19 @@
             </a:r>
             <a:r>
               <a:rPr lang="en-US"/>
-              <a:t> our C# code into code that the computer can run directly</a:t>
+              <a:t> our C# code into code that the computer can run directly (often referred to as </a:t>
+            </a:r>
+            <a:r>
+              <a:rPr lang="en-US">
+                <a:solidFill>
+                  <a:srgbClr val="FF0000"/>
+                </a:solidFill>
+              </a:rPr>
+              <a:t>compiling</a:t>
+            </a:r>
+            <a:r>
+              <a:rPr lang="en-US"/>
+              <a:t> the code)</a:t>
             </a:r>
             <a:endParaRPr lang="da-DK"/>
           </a:p>
@@ -6968,7 +6985,23 @@
             <a:pPr lvl="0"/>
             <a:r>
               <a:rPr lang="en-US" sz="3200" dirty="0"/>
-              <a:t>.NET Desktop development</a:t>
+              <a:t>.NET </a:t>
+            </a:r>
+            <a:r>
+              <a:rPr lang="en-US" sz="3200"/>
+              <a:t>Desktop development (</a:t>
+            </a:r>
+            <a:r>
+              <a:rPr lang="en-US" sz="3200">
+                <a:solidFill>
+                  <a:srgbClr val="FF0000"/>
+                </a:solidFill>
+              </a:rPr>
+              <a:t>NB</a:t>
+            </a:r>
+            <a:r>
+              <a:rPr lang="en-US" sz="3200"/>
+              <a:t>: needed from Day 1)</a:t>
             </a:r>
             <a:endParaRPr lang="da-DK" sz="3200" dirty="0"/>
           </a:p>
@@ -6976,7 +7009,11 @@
             <a:pPr lvl="0"/>
             <a:r>
               <a:rPr lang="en-US" sz="3200" dirty="0"/>
-              <a:t>ASP.NET and web development</a:t>
+              <a:t>ASP.NET and </a:t>
+            </a:r>
+            <a:r>
+              <a:rPr lang="en-US" sz="3200"/>
+              <a:t>web development (later)</a:t>
             </a:r>
             <a:endParaRPr lang="da-DK" sz="3200" dirty="0"/>
           </a:p>
